--- a/StringSearch.pptx
+++ b/StringSearch.pptx
@@ -261,7 +261,7 @@
           <a:p>
             <a:fld id="{90328D45-CD78-E946-97C3-593DC6155472}" type="datetimeFigureOut">
               <a:rPr lang="en-US" smtClean="0"/>
-              <a:t>9/30/2022</a:t>
+              <a:t>11/28/2022</a:t>
             </a:fld>
             <a:endParaRPr lang="en-US"/>
           </a:p>
@@ -12639,15 +12639,27 @@
           <a:lstStyle/>
           <a:p>
             <a:r>
-              <a:rPr lang="en-US"/>
-              <a:t>Xét trường hợp: 	A  A  B </a:t>
-            </a:r>
-            <a:r>
-              <a:rPr lang="en-US" u="sng"/>
+              <a:rPr lang="en-US" dirty="0" err="1"/>
+              <a:t>Xét</a:t>
+            </a:r>
+            <a:r>
+              <a:rPr lang="en-US" dirty="0"/>
+              <a:t> trường </a:t>
+            </a:r>
+            <a:r>
+              <a:rPr lang="en-US" dirty="0" err="1"/>
+              <a:t>hợp</a:t>
+            </a:r>
+            <a:r>
+              <a:rPr lang="en-US" dirty="0"/>
+              <a:t>: 	A  A  B </a:t>
+            </a:r>
+            <a:r>
+              <a:rPr lang="en-US" u="sng" dirty="0"/>
               <a:t> A  A  </a:t>
             </a:r>
             <a:r>
-              <a:rPr lang="en-US">
+              <a:rPr lang="en-US" dirty="0">
                 <a:solidFill>
                   <a:srgbClr val="FF0000"/>
                 </a:solidFill>
@@ -12655,21 +12667,21 @@
               <a:t>B</a:t>
             </a:r>
             <a:r>
-              <a:rPr lang="en-US" u="sng"/>
+              <a:rPr lang="en-US" u="sng" dirty="0"/>
               <a:t>  A  A  A </a:t>
             </a:r>
             <a:r>
-              <a:rPr lang="en-US"/>
+              <a:rPr lang="en-US" dirty="0"/>
               <a:t> A</a:t>
             </a:r>
           </a:p>
           <a:p>
             <a:r>
-              <a:rPr lang="en-US"/>
+              <a:rPr lang="en-US" dirty="0"/>
               <a:t>Pattern: 		A  A  B  A  A  </a:t>
             </a:r>
             <a:r>
-              <a:rPr lang="en-US">
+              <a:rPr lang="en-US" dirty="0">
                 <a:solidFill>
                   <a:srgbClr val="FF0000"/>
                 </a:solidFill>
@@ -12677,17 +12689,395 @@
               <a:t>A</a:t>
             </a:r>
             <a:r>
-              <a:rPr lang="en-US"/>
+              <a:rPr lang="en-US" dirty="0"/>
               <a:t> </a:t>
             </a:r>
           </a:p>
           <a:p>
-            <a:endParaRPr lang="en-US"/>
-          </a:p>
-          <a:p>
-            <a:r>
-              <a:rPr lang="en-US"/>
-              <a:t>Vậy, vấn đề cốt lõi của giải thuật KMP là cách tìm vị trí con trỏ i trỏ tới văn bản txt sau mỗi lần bắt đầu lại quá trình đối sánh (mà vẫn đảm bảo không backup những ký không cần thiết)</a:t>
+            <a:endParaRPr lang="en-US" dirty="0"/>
+          </a:p>
+          <a:p>
+            <a:r>
+              <a:rPr lang="en-US" dirty="0" err="1"/>
+              <a:t>Vậy</a:t>
+            </a:r>
+            <a:r>
+              <a:rPr lang="en-US" dirty="0"/>
+              <a:t>, </a:t>
+            </a:r>
+            <a:r>
+              <a:rPr lang="en-US" dirty="0" err="1"/>
+              <a:t>vấn</a:t>
+            </a:r>
+            <a:r>
+              <a:rPr lang="en-US" dirty="0"/>
+              <a:t> </a:t>
+            </a:r>
+            <a:r>
+              <a:rPr lang="en-US" dirty="0" err="1"/>
+              <a:t>đề</a:t>
+            </a:r>
+            <a:r>
+              <a:rPr lang="en-US" dirty="0"/>
+              <a:t> </a:t>
+            </a:r>
+            <a:r>
+              <a:rPr lang="en-US" dirty="0" err="1"/>
+              <a:t>cốt</a:t>
+            </a:r>
+            <a:r>
+              <a:rPr lang="en-US" dirty="0"/>
+              <a:t> </a:t>
+            </a:r>
+            <a:r>
+              <a:rPr lang="en-US" dirty="0" err="1"/>
+              <a:t>lõi</a:t>
+            </a:r>
+            <a:r>
+              <a:rPr lang="en-US" dirty="0"/>
+              <a:t> của </a:t>
+            </a:r>
+            <a:r>
+              <a:rPr lang="en-US" dirty="0" err="1"/>
+              <a:t>giải</a:t>
+            </a:r>
+            <a:r>
+              <a:rPr lang="en-US" dirty="0"/>
+              <a:t> </a:t>
+            </a:r>
+            <a:r>
+              <a:rPr lang="en-US" dirty="0" err="1"/>
+              <a:t>thuật</a:t>
+            </a:r>
+            <a:r>
+              <a:rPr lang="en-US" dirty="0"/>
+              <a:t> KMP là </a:t>
+            </a:r>
+            <a:r>
+              <a:rPr lang="en-US" dirty="0" err="1"/>
+              <a:t>cách</a:t>
+            </a:r>
+            <a:r>
+              <a:rPr lang="en-US" dirty="0"/>
+              <a:t> </a:t>
+            </a:r>
+            <a:r>
+              <a:rPr lang="en-US" dirty="0" err="1"/>
+              <a:t>tìm</a:t>
+            </a:r>
+            <a:r>
+              <a:rPr lang="en-US" dirty="0"/>
+              <a:t> </a:t>
+            </a:r>
+            <a:r>
+              <a:rPr lang="en-US" dirty="0" err="1"/>
+              <a:t>vị</a:t>
+            </a:r>
+            <a:r>
+              <a:rPr lang="en-US" dirty="0"/>
+              <a:t> </a:t>
+            </a:r>
+            <a:r>
+              <a:rPr lang="en-US" dirty="0" err="1"/>
+              <a:t>trí</a:t>
+            </a:r>
+            <a:r>
+              <a:rPr lang="en-US" dirty="0"/>
+              <a:t> con </a:t>
+            </a:r>
+            <a:r>
+              <a:rPr lang="en-US" dirty="0" err="1"/>
+              <a:t>trỏ</a:t>
+            </a:r>
+            <a:r>
+              <a:rPr lang="en-US" dirty="0"/>
+              <a:t> </a:t>
+            </a:r>
+            <a:r>
+              <a:rPr lang="en-US" dirty="0" err="1"/>
+              <a:t>i</a:t>
+            </a:r>
+            <a:r>
+              <a:rPr lang="en-US" dirty="0"/>
+              <a:t> </a:t>
+            </a:r>
+            <a:r>
+              <a:rPr lang="en-US" dirty="0" err="1"/>
+              <a:t>trỏ</a:t>
+            </a:r>
+            <a:r>
+              <a:rPr lang="en-US" dirty="0"/>
+              <a:t> </a:t>
+            </a:r>
+            <a:r>
+              <a:rPr lang="en-US" dirty="0" err="1"/>
+              <a:t>tới</a:t>
+            </a:r>
+            <a:r>
+              <a:rPr lang="en-US" dirty="0"/>
+              <a:t> </a:t>
+            </a:r>
+            <a:r>
+              <a:rPr lang="en-US" dirty="0" err="1"/>
+              <a:t>văn</a:t>
+            </a:r>
+            <a:r>
+              <a:rPr lang="en-US" dirty="0"/>
+              <a:t> </a:t>
+            </a:r>
+            <a:r>
+              <a:rPr lang="en-US" dirty="0" err="1"/>
+              <a:t>bản</a:t>
+            </a:r>
+            <a:r>
+              <a:rPr lang="en-US" dirty="0"/>
+              <a:t> txt </a:t>
+            </a:r>
+            <a:r>
+              <a:rPr lang="en-US" dirty="0" err="1"/>
+              <a:t>sau</a:t>
+            </a:r>
+            <a:r>
+              <a:rPr lang="en-US" dirty="0"/>
+              <a:t> </a:t>
+            </a:r>
+            <a:r>
+              <a:rPr lang="en-US" dirty="0" err="1"/>
+              <a:t>mỗi</a:t>
+            </a:r>
+            <a:r>
+              <a:rPr lang="en-US" dirty="0"/>
+              <a:t> </a:t>
+            </a:r>
+            <a:r>
+              <a:rPr lang="en-US" dirty="0" err="1"/>
+              <a:t>lần</a:t>
+            </a:r>
+            <a:r>
+              <a:rPr lang="en-US" dirty="0"/>
+              <a:t> </a:t>
+            </a:r>
+            <a:r>
+              <a:rPr lang="en-US" dirty="0" err="1"/>
+              <a:t>bắt</a:t>
+            </a:r>
+            <a:r>
+              <a:rPr lang="en-US" dirty="0"/>
+              <a:t> </a:t>
+            </a:r>
+            <a:r>
+              <a:rPr lang="en-US" dirty="0" err="1"/>
+              <a:t>đầu</a:t>
+            </a:r>
+            <a:r>
+              <a:rPr lang="en-US" dirty="0"/>
+              <a:t> </a:t>
+            </a:r>
+            <a:r>
+              <a:rPr lang="en-US" dirty="0" err="1"/>
+              <a:t>lại</a:t>
+            </a:r>
+            <a:r>
+              <a:rPr lang="en-US" dirty="0"/>
+              <a:t> </a:t>
+            </a:r>
+            <a:r>
+              <a:rPr lang="en-US" dirty="0" err="1"/>
+              <a:t>quá</a:t>
+            </a:r>
+            <a:r>
+              <a:rPr lang="en-US" dirty="0"/>
+              <a:t> trình đối </a:t>
+            </a:r>
+            <a:r>
+              <a:rPr lang="en-US" dirty="0" err="1"/>
+              <a:t>sánh</a:t>
+            </a:r>
+            <a:r>
+              <a:rPr lang="en-US" dirty="0"/>
+              <a:t> (</a:t>
+            </a:r>
+            <a:r>
+              <a:rPr lang="en-US" dirty="0" err="1"/>
+              <a:t>mà</a:t>
+            </a:r>
+            <a:r>
+              <a:rPr lang="en-US" dirty="0"/>
+              <a:t> </a:t>
+            </a:r>
+            <a:r>
+              <a:rPr lang="en-US" dirty="0" err="1"/>
+              <a:t>vẫn</a:t>
+            </a:r>
+            <a:r>
+              <a:rPr lang="en-US" dirty="0"/>
+              <a:t> </a:t>
+            </a:r>
+            <a:r>
+              <a:rPr lang="en-US" dirty="0" err="1"/>
+              <a:t>đảm</a:t>
+            </a:r>
+            <a:r>
+              <a:rPr lang="en-US" dirty="0"/>
+              <a:t> </a:t>
+            </a:r>
+            <a:r>
+              <a:rPr lang="en-US" dirty="0" err="1"/>
+              <a:t>bảo</a:t>
+            </a:r>
+            <a:r>
+              <a:rPr lang="en-US" dirty="0"/>
+              <a:t> </a:t>
+            </a:r>
+            <a:r>
+              <a:rPr lang="en-US" dirty="0" err="1"/>
+              <a:t>không</a:t>
+            </a:r>
+            <a:r>
+              <a:rPr lang="en-US" dirty="0"/>
+              <a:t> backup những </a:t>
+            </a:r>
+            <a:r>
+              <a:rPr lang="en-US" dirty="0" err="1"/>
+              <a:t>ký</a:t>
+            </a:r>
+            <a:r>
+              <a:rPr lang="en-US" dirty="0"/>
+              <a:t> </a:t>
+            </a:r>
+            <a:r>
+              <a:rPr lang="en-US" dirty="0" err="1"/>
+              <a:t>không</a:t>
+            </a:r>
+            <a:r>
+              <a:rPr lang="en-US" dirty="0"/>
+              <a:t> </a:t>
+            </a:r>
+            <a:r>
+              <a:rPr lang="en-US" dirty="0" err="1"/>
+              <a:t>cần</a:t>
+            </a:r>
+            <a:r>
+              <a:rPr lang="en-US" dirty="0"/>
+              <a:t> </a:t>
+            </a:r>
+            <a:r>
+              <a:rPr lang="en-US" dirty="0" err="1"/>
+              <a:t>thiết</a:t>
+            </a:r>
+            <a:r>
+              <a:rPr lang="en-US" dirty="0"/>
+              <a:t>)</a:t>
+            </a:r>
+          </a:p>
+          <a:p>
+            <a:r>
+              <a:rPr lang="en-US" dirty="0"/>
+              <a:t>Ý </a:t>
+            </a:r>
+            <a:r>
+              <a:rPr lang="en-US" dirty="0" err="1"/>
+              <a:t>tưởng</a:t>
+            </a:r>
+            <a:r>
+              <a:rPr lang="en-US" dirty="0"/>
+              <a:t> </a:t>
+            </a:r>
+            <a:r>
+              <a:rPr lang="en-US" dirty="0" err="1"/>
+              <a:t>nguyên</a:t>
+            </a:r>
+            <a:r>
+              <a:rPr lang="en-US" dirty="0"/>
+              <a:t> </a:t>
+            </a:r>
+            <a:r>
+              <a:rPr lang="en-US" dirty="0" err="1"/>
+              <a:t>thủy</a:t>
+            </a:r>
+            <a:r>
+              <a:rPr lang="en-US" dirty="0"/>
+              <a:t> của KMP </a:t>
+            </a:r>
+            <a:r>
+              <a:rPr lang="en-US" dirty="0" err="1"/>
+              <a:t>cũng</a:t>
+            </a:r>
+            <a:r>
+              <a:rPr lang="en-US" dirty="0"/>
+              <a:t> </a:t>
+            </a:r>
+            <a:r>
+              <a:rPr lang="en-US" dirty="0" err="1"/>
+              <a:t>dựa</a:t>
+            </a:r>
+            <a:r>
+              <a:rPr lang="en-US" dirty="0"/>
+              <a:t> </a:t>
+            </a:r>
+            <a:r>
+              <a:rPr lang="en-US" dirty="0" err="1"/>
+              <a:t>trên</a:t>
+            </a:r>
+            <a:r>
+              <a:rPr lang="en-US" dirty="0"/>
+              <a:t> </a:t>
+            </a:r>
+            <a:r>
+              <a:rPr lang="en-US" dirty="0" err="1"/>
+              <a:t>quy</a:t>
+            </a:r>
+            <a:r>
+              <a:rPr lang="en-US" dirty="0"/>
+              <a:t> </a:t>
+            </a:r>
+            <a:r>
+              <a:rPr lang="en-US" dirty="0" err="1"/>
+              <a:t>hoạch</a:t>
+            </a:r>
+            <a:r>
+              <a:rPr lang="en-US" dirty="0"/>
+              <a:t> </a:t>
+            </a:r>
+            <a:r>
+              <a:rPr lang="en-US" dirty="0" err="1"/>
+              <a:t>động</a:t>
+            </a:r>
+            <a:r>
+              <a:rPr lang="en-US" dirty="0"/>
+              <a:t>. </a:t>
+            </a:r>
+            <a:r>
+              <a:rPr lang="en-US" dirty="0" err="1"/>
+              <a:t>Dùng</a:t>
+            </a:r>
+            <a:r>
+              <a:rPr lang="en-US" dirty="0"/>
+              <a:t> 1 </a:t>
+            </a:r>
+            <a:r>
+              <a:rPr lang="en-US" dirty="0" err="1"/>
+              <a:t>bảng</a:t>
+            </a:r>
+            <a:r>
+              <a:rPr lang="en-US" dirty="0"/>
+              <a:t> </a:t>
+            </a:r>
+            <a:r>
+              <a:rPr lang="en-US" dirty="0" err="1"/>
+              <a:t>nhớ</a:t>
+            </a:r>
+            <a:r>
+              <a:rPr lang="en-US" dirty="0"/>
+              <a:t> </a:t>
+            </a:r>
+            <a:r>
+              <a:rPr lang="en-US" dirty="0" err="1"/>
+              <a:t>tạm</a:t>
+            </a:r>
+            <a:r>
+              <a:rPr lang="en-US" dirty="0"/>
+              <a:t>.</a:t>
             </a:r>
           </a:p>
         </p:txBody>

--- a/StringSearch.pptx
+++ b/StringSearch.pptx
@@ -5,7 +5,7 @@
     <p:sldMasterId id="2147483660" r:id="rId1"/>
   </p:sldMasterIdLst>
   <p:notesMasterIdLst>
-    <p:notesMasterId r:id="rId67"/>
+    <p:notesMasterId r:id="rId69"/>
   </p:notesMasterIdLst>
   <p:sldIdLst>
     <p:sldId id="263" r:id="rId2"/>
@@ -44,35 +44,37 @@
     <p:sldId id="296" r:id="rId35"/>
     <p:sldId id="297" r:id="rId36"/>
     <p:sldId id="298" r:id="rId37"/>
-    <p:sldId id="299" r:id="rId38"/>
-    <p:sldId id="300" r:id="rId39"/>
-    <p:sldId id="301" r:id="rId40"/>
-    <p:sldId id="302" r:id="rId41"/>
-    <p:sldId id="308" r:id="rId42"/>
-    <p:sldId id="309" r:id="rId43"/>
-    <p:sldId id="310" r:id="rId44"/>
-    <p:sldId id="311" r:id="rId45"/>
-    <p:sldId id="312" r:id="rId46"/>
-    <p:sldId id="315" r:id="rId47"/>
-    <p:sldId id="313" r:id="rId48"/>
-    <p:sldId id="316" r:id="rId49"/>
-    <p:sldId id="317" r:id="rId50"/>
-    <p:sldId id="318" r:id="rId51"/>
-    <p:sldId id="319" r:id="rId52"/>
-    <p:sldId id="320" r:id="rId53"/>
-    <p:sldId id="321" r:id="rId54"/>
-    <p:sldId id="307" r:id="rId55"/>
-    <p:sldId id="322" r:id="rId56"/>
-    <p:sldId id="323" r:id="rId57"/>
-    <p:sldId id="324" r:id="rId58"/>
-    <p:sldId id="325" r:id="rId59"/>
-    <p:sldId id="326" r:id="rId60"/>
-    <p:sldId id="327" r:id="rId61"/>
-    <p:sldId id="329" r:id="rId62"/>
-    <p:sldId id="330" r:id="rId63"/>
-    <p:sldId id="331" r:id="rId64"/>
-    <p:sldId id="332" r:id="rId65"/>
-    <p:sldId id="289" r:id="rId66"/>
+    <p:sldId id="333" r:id="rId38"/>
+    <p:sldId id="334" r:id="rId39"/>
+    <p:sldId id="299" r:id="rId40"/>
+    <p:sldId id="300" r:id="rId41"/>
+    <p:sldId id="301" r:id="rId42"/>
+    <p:sldId id="302" r:id="rId43"/>
+    <p:sldId id="308" r:id="rId44"/>
+    <p:sldId id="309" r:id="rId45"/>
+    <p:sldId id="310" r:id="rId46"/>
+    <p:sldId id="311" r:id="rId47"/>
+    <p:sldId id="312" r:id="rId48"/>
+    <p:sldId id="315" r:id="rId49"/>
+    <p:sldId id="313" r:id="rId50"/>
+    <p:sldId id="316" r:id="rId51"/>
+    <p:sldId id="317" r:id="rId52"/>
+    <p:sldId id="318" r:id="rId53"/>
+    <p:sldId id="319" r:id="rId54"/>
+    <p:sldId id="320" r:id="rId55"/>
+    <p:sldId id="321" r:id="rId56"/>
+    <p:sldId id="307" r:id="rId57"/>
+    <p:sldId id="322" r:id="rId58"/>
+    <p:sldId id="323" r:id="rId59"/>
+    <p:sldId id="324" r:id="rId60"/>
+    <p:sldId id="325" r:id="rId61"/>
+    <p:sldId id="326" r:id="rId62"/>
+    <p:sldId id="327" r:id="rId63"/>
+    <p:sldId id="329" r:id="rId64"/>
+    <p:sldId id="330" r:id="rId65"/>
+    <p:sldId id="331" r:id="rId66"/>
+    <p:sldId id="332" r:id="rId67"/>
+    <p:sldId id="289" r:id="rId68"/>
   </p:sldIdLst>
   <p:sldSz cx="9144000" cy="5143500" type="screen16x9"/>
   <p:notesSz cx="6858000" cy="9144000"/>
@@ -261,7 +263,7 @@
           <a:p>
             <a:fld id="{90328D45-CD78-E946-97C3-593DC6155472}" type="datetimeFigureOut">
               <a:rPr lang="en-US" smtClean="0"/>
-              <a:t>11/28/2022</a:t>
+              <a:t>1/29/2023</a:t>
             </a:fld>
             <a:endParaRPr lang="en-US"/>
           </a:p>
@@ -1259,7 +1261,7 @@
     </p:spTree>
     <p:extLst>
       <p:ext uri="{BB962C8B-B14F-4D97-AF65-F5344CB8AC3E}">
-        <p14:creationId xmlns:p14="http://schemas.microsoft.com/office/powerpoint/2010/main" val="3198768136"/>
+        <p14:creationId xmlns:p14="http://schemas.microsoft.com/office/powerpoint/2010/main" val="40953560"/>
       </p:ext>
     </p:extLst>
   </p:cSld>
@@ -1352,7 +1354,7 @@
     </p:spTree>
     <p:extLst>
       <p:ext uri="{BB962C8B-B14F-4D97-AF65-F5344CB8AC3E}">
-        <p14:creationId xmlns:p14="http://schemas.microsoft.com/office/powerpoint/2010/main" val="4056094766"/>
+        <p14:creationId xmlns:p14="http://schemas.microsoft.com/office/powerpoint/2010/main" val="3198768136"/>
       </p:ext>
     </p:extLst>
   </p:cSld>
@@ -1436,7 +1438,7 @@
           <a:p>
             <a:fld id="{DFF362D4-5DD5-1441-A093-8EF5773AF7CF}" type="slidenum">
               <a:rPr lang="en-US" smtClean="0"/>
-              <a:t>41</a:t>
+              <a:t>42</a:t>
             </a:fld>
             <a:endParaRPr lang="en-US"/>
           </a:p>
@@ -1445,7 +1447,7 @@
     </p:spTree>
     <p:extLst>
       <p:ext uri="{BB962C8B-B14F-4D97-AF65-F5344CB8AC3E}">
-        <p14:creationId xmlns:p14="http://schemas.microsoft.com/office/powerpoint/2010/main" val="3912855899"/>
+        <p14:creationId xmlns:p14="http://schemas.microsoft.com/office/powerpoint/2010/main" val="4056094766"/>
       </p:ext>
     </p:extLst>
   </p:cSld>
@@ -1529,7 +1531,7 @@
           <a:p>
             <a:fld id="{DFF362D4-5DD5-1441-A093-8EF5773AF7CF}" type="slidenum">
               <a:rPr lang="en-US" smtClean="0"/>
-              <a:t>42</a:t>
+              <a:t>43</a:t>
             </a:fld>
             <a:endParaRPr lang="en-US"/>
           </a:p>
@@ -1538,7 +1540,7 @@
     </p:spTree>
     <p:extLst>
       <p:ext uri="{BB962C8B-B14F-4D97-AF65-F5344CB8AC3E}">
-        <p14:creationId xmlns:p14="http://schemas.microsoft.com/office/powerpoint/2010/main" val="1352389850"/>
+        <p14:creationId xmlns:p14="http://schemas.microsoft.com/office/powerpoint/2010/main" val="3912855899"/>
       </p:ext>
     </p:extLst>
   </p:cSld>
@@ -1709,7 +1711,7 @@
           <a:p>
             <a:fld id="{DFF362D4-5DD5-1441-A093-8EF5773AF7CF}" type="slidenum">
               <a:rPr lang="en-US" smtClean="0"/>
-              <a:t>43</a:t>
+              <a:t>44</a:t>
             </a:fld>
             <a:endParaRPr lang="en-US"/>
           </a:p>
@@ -1718,7 +1720,7 @@
     </p:spTree>
     <p:extLst>
       <p:ext uri="{BB962C8B-B14F-4D97-AF65-F5344CB8AC3E}">
-        <p14:creationId xmlns:p14="http://schemas.microsoft.com/office/powerpoint/2010/main" val="470937465"/>
+        <p14:creationId xmlns:p14="http://schemas.microsoft.com/office/powerpoint/2010/main" val="1352389850"/>
       </p:ext>
     </p:extLst>
   </p:cSld>
@@ -1802,7 +1804,7 @@
           <a:p>
             <a:fld id="{DFF362D4-5DD5-1441-A093-8EF5773AF7CF}" type="slidenum">
               <a:rPr lang="en-US" smtClean="0"/>
-              <a:t>44</a:t>
+              <a:t>45</a:t>
             </a:fld>
             <a:endParaRPr lang="en-US"/>
           </a:p>
@@ -1811,7 +1813,7 @@
     </p:spTree>
     <p:extLst>
       <p:ext uri="{BB962C8B-B14F-4D97-AF65-F5344CB8AC3E}">
-        <p14:creationId xmlns:p14="http://schemas.microsoft.com/office/powerpoint/2010/main" val="2460096465"/>
+        <p14:creationId xmlns:p14="http://schemas.microsoft.com/office/powerpoint/2010/main" val="470937465"/>
       </p:ext>
     </p:extLst>
   </p:cSld>
@@ -1895,7 +1897,7 @@
           <a:p>
             <a:fld id="{DFF362D4-5DD5-1441-A093-8EF5773AF7CF}" type="slidenum">
               <a:rPr lang="en-US" smtClean="0"/>
-              <a:t>45</a:t>
+              <a:t>46</a:t>
             </a:fld>
             <a:endParaRPr lang="en-US"/>
           </a:p>
@@ -1904,7 +1906,7 @@
     </p:spTree>
     <p:extLst>
       <p:ext uri="{BB962C8B-B14F-4D97-AF65-F5344CB8AC3E}">
-        <p14:creationId xmlns:p14="http://schemas.microsoft.com/office/powerpoint/2010/main" val="273794688"/>
+        <p14:creationId xmlns:p14="http://schemas.microsoft.com/office/powerpoint/2010/main" val="2460096465"/>
       </p:ext>
     </p:extLst>
   </p:cSld>
@@ -1988,7 +1990,7 @@
           <a:p>
             <a:fld id="{DFF362D4-5DD5-1441-A093-8EF5773AF7CF}" type="slidenum">
               <a:rPr lang="en-US" smtClean="0"/>
-              <a:t>46</a:t>
+              <a:t>47</a:t>
             </a:fld>
             <a:endParaRPr lang="en-US"/>
           </a:p>
@@ -1997,7 +1999,7 @@
     </p:spTree>
     <p:extLst>
       <p:ext uri="{BB962C8B-B14F-4D97-AF65-F5344CB8AC3E}">
-        <p14:creationId xmlns:p14="http://schemas.microsoft.com/office/powerpoint/2010/main" val="3005889846"/>
+        <p14:creationId xmlns:p14="http://schemas.microsoft.com/office/powerpoint/2010/main" val="273794688"/>
       </p:ext>
     </p:extLst>
   </p:cSld>
@@ -2081,7 +2083,7 @@
           <a:p>
             <a:fld id="{DFF362D4-5DD5-1441-A093-8EF5773AF7CF}" type="slidenum">
               <a:rPr lang="en-US" smtClean="0"/>
-              <a:t>47</a:t>
+              <a:t>48</a:t>
             </a:fld>
             <a:endParaRPr lang="en-US"/>
           </a:p>
@@ -2090,7 +2092,7 @@
     </p:spTree>
     <p:extLst>
       <p:ext uri="{BB962C8B-B14F-4D97-AF65-F5344CB8AC3E}">
-        <p14:creationId xmlns:p14="http://schemas.microsoft.com/office/powerpoint/2010/main" val="52358614"/>
+        <p14:creationId xmlns:p14="http://schemas.microsoft.com/office/powerpoint/2010/main" val="3005889846"/>
       </p:ext>
     </p:extLst>
   </p:cSld>
@@ -2174,7 +2176,7 @@
           <a:p>
             <a:fld id="{DFF362D4-5DD5-1441-A093-8EF5773AF7CF}" type="slidenum">
               <a:rPr lang="en-US" smtClean="0"/>
-              <a:t>48</a:t>
+              <a:t>49</a:t>
             </a:fld>
             <a:endParaRPr lang="en-US"/>
           </a:p>
@@ -2183,7 +2185,7 @@
     </p:spTree>
     <p:extLst>
       <p:ext uri="{BB962C8B-B14F-4D97-AF65-F5344CB8AC3E}">
-        <p14:creationId xmlns:p14="http://schemas.microsoft.com/office/powerpoint/2010/main" val="2457459619"/>
+        <p14:creationId xmlns:p14="http://schemas.microsoft.com/office/powerpoint/2010/main" val="52358614"/>
       </p:ext>
     </p:extLst>
   </p:cSld>
@@ -2267,7 +2269,7 @@
           <a:p>
             <a:fld id="{DFF362D4-5DD5-1441-A093-8EF5773AF7CF}" type="slidenum">
               <a:rPr lang="en-US" smtClean="0"/>
-              <a:t>49</a:t>
+              <a:t>50</a:t>
             </a:fld>
             <a:endParaRPr lang="en-US"/>
           </a:p>
@@ -2276,7 +2278,7 @@
     </p:spTree>
     <p:extLst>
       <p:ext uri="{BB962C8B-B14F-4D97-AF65-F5344CB8AC3E}">
-        <p14:creationId xmlns:p14="http://schemas.microsoft.com/office/powerpoint/2010/main" val="607650975"/>
+        <p14:creationId xmlns:p14="http://schemas.microsoft.com/office/powerpoint/2010/main" val="2457459619"/>
       </p:ext>
     </p:extLst>
   </p:cSld>
@@ -2360,7 +2362,7 @@
           <a:p>
             <a:fld id="{DFF362D4-5DD5-1441-A093-8EF5773AF7CF}" type="slidenum">
               <a:rPr lang="en-US" smtClean="0"/>
-              <a:t>50</a:t>
+              <a:t>51</a:t>
             </a:fld>
             <a:endParaRPr lang="en-US"/>
           </a:p>
@@ -2369,7 +2371,7 @@
     </p:spTree>
     <p:extLst>
       <p:ext uri="{BB962C8B-B14F-4D97-AF65-F5344CB8AC3E}">
-        <p14:creationId xmlns:p14="http://schemas.microsoft.com/office/powerpoint/2010/main" val="2414966734"/>
+        <p14:creationId xmlns:p14="http://schemas.microsoft.com/office/powerpoint/2010/main" val="607650975"/>
       </p:ext>
     </p:extLst>
   </p:cSld>
@@ -2453,7 +2455,7 @@
           <a:p>
             <a:fld id="{DFF362D4-5DD5-1441-A093-8EF5773AF7CF}" type="slidenum">
               <a:rPr lang="en-US" smtClean="0"/>
-              <a:t>51</a:t>
+              <a:t>52</a:t>
             </a:fld>
             <a:endParaRPr lang="en-US"/>
           </a:p>
@@ -2462,7 +2464,7 @@
     </p:spTree>
     <p:extLst>
       <p:ext uri="{BB962C8B-B14F-4D97-AF65-F5344CB8AC3E}">
-        <p14:creationId xmlns:p14="http://schemas.microsoft.com/office/powerpoint/2010/main" val="783806152"/>
+        <p14:creationId xmlns:p14="http://schemas.microsoft.com/office/powerpoint/2010/main" val="2414966734"/>
       </p:ext>
     </p:extLst>
   </p:cSld>
@@ -2546,7 +2548,7 @@
           <a:p>
             <a:fld id="{DFF362D4-5DD5-1441-A093-8EF5773AF7CF}" type="slidenum">
               <a:rPr lang="en-US" smtClean="0"/>
-              <a:t>52</a:t>
+              <a:t>53</a:t>
             </a:fld>
             <a:endParaRPr lang="en-US"/>
           </a:p>
@@ -2555,7 +2557,7 @@
     </p:spTree>
     <p:extLst>
       <p:ext uri="{BB962C8B-B14F-4D97-AF65-F5344CB8AC3E}">
-        <p14:creationId xmlns:p14="http://schemas.microsoft.com/office/powerpoint/2010/main" val="456552271"/>
+        <p14:creationId xmlns:p14="http://schemas.microsoft.com/office/powerpoint/2010/main" val="783806152"/>
       </p:ext>
     </p:extLst>
   </p:cSld>
@@ -2732,7 +2734,100 @@
           <a:p>
             <a:fld id="{DFF362D4-5DD5-1441-A093-8EF5773AF7CF}" type="slidenum">
               <a:rPr lang="en-US" smtClean="0"/>
-              <a:t>53</a:t>
+              <a:t>54</a:t>
+            </a:fld>
+            <a:endParaRPr lang="en-US"/>
+          </a:p>
+        </p:txBody>
+      </p:sp>
+    </p:spTree>
+    <p:extLst>
+      <p:ext uri="{BB962C8B-B14F-4D97-AF65-F5344CB8AC3E}">
+        <p14:creationId xmlns:p14="http://schemas.microsoft.com/office/powerpoint/2010/main" val="456552271"/>
+      </p:ext>
+    </p:extLst>
+  </p:cSld>
+  <p:clrMapOvr>
+    <a:masterClrMapping/>
+  </p:clrMapOvr>
+</p:notes>
+</file>
+
+<file path=ppt/notesSlides/notesSlide31.xml><?xml version="1.0" encoding="utf-8"?>
+<p:notes xmlns:a="http://schemas.openxmlformats.org/drawingml/2006/main" xmlns:r="http://schemas.openxmlformats.org/officeDocument/2006/relationships" xmlns:p="http://schemas.openxmlformats.org/presentationml/2006/main">
+  <p:cSld>
+    <p:spTree>
+      <p:nvGrpSpPr>
+        <p:cNvPr id="1" name=""/>
+        <p:cNvGrpSpPr/>
+        <p:nvPr/>
+      </p:nvGrpSpPr>
+      <p:grpSpPr>
+        <a:xfrm>
+          <a:off x="0" y="0"/>
+          <a:ext cx="0" cy="0"/>
+          <a:chOff x="0" y="0"/>
+          <a:chExt cx="0" cy="0"/>
+        </a:xfrm>
+      </p:grpSpPr>
+      <p:sp>
+        <p:nvSpPr>
+          <p:cNvPr id="2" name="Chỗ dành sẵn cho Hình ảnh của Bản chiếu 1"/>
+          <p:cNvSpPr>
+            <a:spLocks noGrp="1" noRot="1" noChangeAspect="1"/>
+          </p:cNvSpPr>
+          <p:nvPr>
+            <p:ph type="sldImg"/>
+          </p:nvPr>
+        </p:nvSpPr>
+        <p:spPr/>
+      </p:sp>
+      <p:sp>
+        <p:nvSpPr>
+          <p:cNvPr id="3" name="Chỗ dành sẵn cho Ghi chú 2"/>
+          <p:cNvSpPr>
+            <a:spLocks noGrp="1"/>
+          </p:cNvSpPr>
+          <p:nvPr>
+            <p:ph type="body" idx="1"/>
+          </p:nvPr>
+        </p:nvSpPr>
+        <p:spPr/>
+        <p:txBody>
+          <a:bodyPr/>
+          <a:lstStyle/>
+          <a:p>
+            <a:r>
+              <a:rPr lang="en-US"/>
+              <a:t>0000120120</a:t>
+            </a:r>
+          </a:p>
+          <a:p>
+            <a:r>
+              <a:rPr lang="en-US"/>
+              <a:t>012301200</a:t>
+            </a:r>
+          </a:p>
+        </p:txBody>
+      </p:sp>
+      <p:sp>
+        <p:nvSpPr>
+          <p:cNvPr id="4" name="Chỗ dành sẵn cho Số hiệu Bản chiếu 3"/>
+          <p:cNvSpPr>
+            <a:spLocks noGrp="1"/>
+          </p:cNvSpPr>
+          <p:nvPr>
+            <p:ph type="sldNum" sz="quarter" idx="5"/>
+          </p:nvPr>
+        </p:nvSpPr>
+        <p:spPr/>
+        <p:txBody>
+          <a:bodyPr/>
+          <a:lstStyle/>
+          <a:p>
+            <a:fld id="{DFF362D4-5DD5-1441-A093-8EF5773AF7CF}" type="slidenum">
+              <a:rPr lang="en-US" smtClean="0"/>
+              <a:t>55</a:t>
             </a:fld>
             <a:endParaRPr lang="en-US"/>
           </a:p>
@@ -14599,12 +14694,12 @@
         <p:spPr>
           <a:xfrm>
             <a:off x="627331" y="2388734"/>
-            <a:ext cx="6862040" cy="1511322"/>
+            <a:ext cx="6862040" cy="2218986"/>
           </a:xfrm>
         </p:spPr>
         <p:txBody>
           <a:bodyPr>
-            <a:normAutofit lnSpcReduction="10000"/>
+            <a:normAutofit fontScale="92500" lnSpcReduction="20000"/>
           </a:bodyPr>
           <a:lstStyle/>
           <a:p>
@@ -14650,6 +14745,33 @@
             <a:r>
               <a:rPr lang="en-US"/>
               <a:t>Rabin – Karp</a:t>
+            </a:r>
+          </a:p>
+          <a:p>
+            <a:pPr marL="457200" indent="-457200">
+              <a:buAutoNum type="arabicPeriod"/>
+            </a:pPr>
+            <a:r>
+              <a:rPr lang="en-US"/>
+              <a:t>Tài Liệu Tham Khảo</a:t>
+            </a:r>
+          </a:p>
+          <a:p>
+            <a:pPr marL="457200" indent="-457200">
+              <a:buAutoNum type="arabicPeriod"/>
+            </a:pPr>
+            <a:r>
+              <a:rPr lang="en-US"/>
+              <a:t>Quizz</a:t>
+            </a:r>
+          </a:p>
+          <a:p>
+            <a:pPr marL="457200" indent="-457200">
+              <a:buAutoNum type="arabicPeriod"/>
+            </a:pPr>
+            <a:r>
+              <a:rPr lang="en-US"/>
+              <a:t>Homework</a:t>
             </a:r>
           </a:p>
         </p:txBody>
@@ -18755,7 +18877,7 @@
           <a:p>
             <a:r>
               <a:rPr lang="en-US"/>
-              <a:t>QUIZZ</a:t>
+              <a:t>Tài Liệu Tham Khảo</a:t>
             </a:r>
           </a:p>
         </p:txBody>
@@ -18823,7 +18945,7 @@
     </p:spTree>
     <p:extLst>
       <p:ext uri="{BB962C8B-B14F-4D97-AF65-F5344CB8AC3E}">
-        <p14:creationId xmlns:p14="http://schemas.microsoft.com/office/powerpoint/2010/main" val="1709552379"/>
+        <p14:creationId xmlns:p14="http://schemas.microsoft.com/office/powerpoint/2010/main" val="3515740330"/>
       </p:ext>
     </p:extLst>
   </p:cSld>
@@ -18871,24 +18993,84 @@
           <a:bodyPr/>
           <a:lstStyle/>
           <a:p>
-            <a:r>
-              <a:rPr lang="en-US"/>
-              <a:t>Tìm mảng tạm lưu các cặp prefix, suffix của các  pattern sau:</a:t>
-            </a:r>
-          </a:p>
-          <a:p>
-            <a:r>
-              <a:rPr lang="en-US"/>
-              <a:t>abcdabeabf</a:t>
-            </a:r>
-          </a:p>
-          <a:p>
-            <a:r>
-              <a:rPr lang="en-US"/>
-              <a:t>aaaabaacd</a:t>
-            </a:r>
-          </a:p>
-          <a:p>
+            <a:pPr marL="342900" indent="-342900">
+              <a:buFont typeface="+mj-lt"/>
+              <a:buAutoNum type="arabicPeriod"/>
+            </a:pPr>
+            <a:r>
+              <a:rPr lang="en-US"/>
+              <a:t>Sedgewick, R., Wayne, K. (2011). </a:t>
+            </a:r>
+            <a:r>
+              <a:rPr lang="en-US" i="1"/>
+              <a:t>Algorithms, 4th Edition</a:t>
+            </a:r>
+            <a:r>
+              <a:rPr lang="en-US"/>
+              <a:t>.. Addison-Wesley. ISBN: 978-0-321-57351-3</a:t>
+            </a:r>
+          </a:p>
+          <a:p>
+            <a:pPr marL="342900" indent="-342900">
+              <a:buFont typeface="+mj-lt"/>
+              <a:buAutoNum type="arabicPeriod"/>
+            </a:pPr>
+            <a:r>
+              <a:rPr lang="en-US"/>
+              <a:t>Thomas H. Cormen, Charles E. Leiserson, Ronald L. Rivest, and Clifford Stein. 2009. </a:t>
+            </a:r>
+            <a:r>
+              <a:rPr lang="en-US" i="1"/>
+              <a:t>Introduction to Algorithms, Third Edition </a:t>
+            </a:r>
+            <a:r>
+              <a:rPr lang="en-US"/>
+              <a:t>(3rd. ed.). The MIT Press.</a:t>
+            </a:r>
+          </a:p>
+          <a:p>
+            <a:pPr marL="342900" indent="-342900">
+              <a:buFont typeface="+mj-lt"/>
+              <a:buAutoNum type="arabicPeriod"/>
+            </a:pPr>
+            <a:r>
+              <a:rPr lang="en-US"/>
+              <a:t>Alfred V. Aho, John E. Hopcroft, and Jeffrey Ullman. 1983. </a:t>
+            </a:r>
+            <a:r>
+              <a:rPr lang="en-US" i="1"/>
+              <a:t>Data Structures and Algorithms (1st. ed.)</a:t>
+            </a:r>
+            <a:r>
+              <a:rPr lang="en-US"/>
+              <a:t>. Addison-Wesley Longman Publishing Co., Inc., USA.</a:t>
+            </a:r>
+          </a:p>
+          <a:p>
+            <a:pPr marL="342900" indent="-342900">
+              <a:buFont typeface="+mj-lt"/>
+              <a:buAutoNum type="arabicPeriod"/>
+            </a:pPr>
+            <a:r>
+              <a:rPr lang="en-US"/>
+              <a:t>LeetCode</a:t>
+            </a:r>
+          </a:p>
+          <a:p>
+            <a:pPr marL="342900" indent="-342900">
+              <a:buFont typeface="+mj-lt"/>
+              <a:buAutoNum type="arabicPeriod"/>
+            </a:pPr>
+            <a:r>
+              <a:rPr lang="en-US"/>
+              <a:t>Hackerank</a:t>
+            </a:r>
+          </a:p>
+          <a:p>
+            <a:pPr marL="342900" indent="-342900">
+              <a:buFont typeface="+mj-lt"/>
+              <a:buAutoNum type="arabicPeriod"/>
+            </a:pPr>
             <a:endParaRPr lang="en-US"/>
           </a:p>
         </p:txBody>
@@ -18949,7 +19131,7 @@
           <a:p>
             <a:r>
               <a:rPr lang="en-US"/>
-              <a:t>QUIZZ</a:t>
+              <a:t>Tài Liệu Tham Khảo</a:t>
             </a:r>
           </a:p>
         </p:txBody>
@@ -19020,7 +19202,7 @@
     </p:spTree>
     <p:extLst>
       <p:ext uri="{BB962C8B-B14F-4D97-AF65-F5344CB8AC3E}">
-        <p14:creationId xmlns:p14="http://schemas.microsoft.com/office/powerpoint/2010/main" val="431630078"/>
+        <p14:creationId xmlns:p14="http://schemas.microsoft.com/office/powerpoint/2010/main" val="3125514477"/>
       </p:ext>
     </p:extLst>
   </p:cSld>
@@ -19072,7 +19254,7 @@
           <a:p>
             <a:r>
               <a:rPr lang="en-US"/>
-              <a:t>SOLVE HOMEWORK</a:t>
+              <a:t>QUIZZ</a:t>
             </a:r>
           </a:p>
         </p:txBody>
@@ -19140,7 +19322,7 @@
     </p:spTree>
     <p:extLst>
       <p:ext uri="{BB962C8B-B14F-4D97-AF65-F5344CB8AC3E}">
-        <p14:creationId xmlns:p14="http://schemas.microsoft.com/office/powerpoint/2010/main" val="4137692353"/>
+        <p14:creationId xmlns:p14="http://schemas.microsoft.com/office/powerpoint/2010/main" val="1709552379"/>
       </p:ext>
     </p:extLst>
   </p:cSld>
@@ -19494,68 +19676,24 @@
           <a:bodyPr/>
           <a:lstStyle/>
           <a:p>
-            <a:pPr marL="0" indent="0">
-              <a:buNone/>
-            </a:pPr>
-            <a:endParaRPr lang="en-US">
-              <a:solidFill>
-                <a:srgbClr val="24292F"/>
-              </a:solidFill>
-              <a:latin typeface="ui-monospace"/>
-            </a:endParaRPr>
-          </a:p>
-          <a:p>
-            <a:r>
-              <a:rPr lang="en-US">
-                <a:solidFill>
-                  <a:srgbClr val="24292F"/>
-                </a:solidFill>
-                <a:latin typeface="ui-monospace"/>
-              </a:rPr>
-              <a:t>Index:			i    </a:t>
-            </a:r>
-          </a:p>
-          <a:p>
-            <a:r>
-              <a:rPr lang="en-US">
-                <a:solidFill>
-                  <a:srgbClr val="24292F"/>
-                </a:solidFill>
-                <a:latin typeface="ui-monospace"/>
-              </a:rPr>
-              <a:t>Pattern:			</a:t>
-            </a:r>
-            <a:r>
-              <a:rPr lang="en-US" b="0" i="0">
-                <a:solidFill>
-                  <a:srgbClr val="FF0000"/>
-                </a:solidFill>
-                <a:effectLst/>
-                <a:latin typeface="ui-monospace"/>
-              </a:rPr>
-              <a:t>a</a:t>
-            </a:r>
-            <a:r>
-              <a:rPr lang="en-US" b="0" i="0">
-                <a:solidFill>
-                  <a:srgbClr val="24292F"/>
-                </a:solidFill>
-                <a:effectLst/>
-                <a:latin typeface="ui-monospace"/>
-              </a:rPr>
-              <a:t>  a  a  a  b  a  a  c  d</a:t>
-            </a:r>
-          </a:p>
-          <a:p>
-            <a:r>
-              <a:rPr lang="en-US">
-                <a:solidFill>
-                  <a:srgbClr val="24292F"/>
-                </a:solidFill>
-                <a:latin typeface="ui-monospace"/>
-              </a:rPr>
-              <a:t>Table:				0</a:t>
-            </a:r>
+            <a:r>
+              <a:rPr lang="en-US"/>
+              <a:t>Tìm mảng tạm lưu các cặp prefix, suffix của các  pattern sau:</a:t>
+            </a:r>
+          </a:p>
+          <a:p>
+            <a:r>
+              <a:rPr lang="en-US"/>
+              <a:t>abcdabeabf</a:t>
+            </a:r>
+          </a:p>
+          <a:p>
+            <a:r>
+              <a:rPr lang="en-US"/>
+              <a:t>aaaabaacd</a:t>
+            </a:r>
+          </a:p>
+          <a:p>
             <a:endParaRPr lang="en-US"/>
           </a:p>
         </p:txBody>
@@ -19616,7 +19754,7 @@
           <a:p>
             <a:r>
               <a:rPr lang="en-US"/>
-              <a:t>HOMEWORK</a:t>
+              <a:t>QUIZZ</a:t>
             </a:r>
           </a:p>
         </p:txBody>
@@ -19680,17 +19818,14 @@
           </a:bodyPr>
           <a:lstStyle/>
           <a:p>
-            <a:r>
-              <a:rPr lang="en-US"/>
-              <a:t>Câu 1.1</a:t>
-            </a:r>
+            <a:endParaRPr lang="en-US"/>
           </a:p>
         </p:txBody>
       </p:sp>
     </p:spTree>
     <p:extLst>
       <p:ext uri="{BB962C8B-B14F-4D97-AF65-F5344CB8AC3E}">
-        <p14:creationId xmlns:p14="http://schemas.microsoft.com/office/powerpoint/2010/main" val="655020622"/>
+        <p14:creationId xmlns:p14="http://schemas.microsoft.com/office/powerpoint/2010/main" val="431630078"/>
       </p:ext>
     </p:extLst>
   </p:cSld>
@@ -19719,18 +19854,48 @@
       </p:grpSpPr>
       <p:sp>
         <p:nvSpPr>
-          <p:cNvPr id="2" name="Text Placeholder 1">
-            <a:extLst>
-              <a:ext uri="{FF2B5EF4-FFF2-40B4-BE49-F238E27FC236}">
-                <a16:creationId xmlns:a16="http://schemas.microsoft.com/office/drawing/2014/main" id="{DECCFCB2-3C7D-2F47-B231-5C5C3AFBF3DD}"/>
-              </a:ext>
-            </a:extLst>
-          </p:cNvPr>
-          <p:cNvSpPr>
-            <a:spLocks noGrp="1"/>
-          </p:cNvSpPr>
-          <p:nvPr>
-            <p:ph type="body" sz="quarter" idx="13"/>
+          <p:cNvPr id="2" name="Title 1">
+            <a:extLst>
+              <a:ext uri="{FF2B5EF4-FFF2-40B4-BE49-F238E27FC236}">
+                <a16:creationId xmlns:a16="http://schemas.microsoft.com/office/drawing/2014/main" id="{3FF39586-C589-CC40-8485-B3321DF50C47}"/>
+              </a:ext>
+            </a:extLst>
+          </p:cNvPr>
+          <p:cNvSpPr>
+            <a:spLocks noGrp="1"/>
+          </p:cNvSpPr>
+          <p:nvPr>
+            <p:ph type="ctrTitle"/>
+          </p:nvPr>
+        </p:nvSpPr>
+        <p:spPr/>
+        <p:txBody>
+          <a:bodyPr>
+            <a:normAutofit/>
+          </a:bodyPr>
+          <a:lstStyle/>
+          <a:p>
+            <a:r>
+              <a:rPr lang="en-US"/>
+              <a:t>SOLVE HOMEWORK</a:t>
+            </a:r>
+          </a:p>
+        </p:txBody>
+      </p:sp>
+      <p:sp>
+        <p:nvSpPr>
+          <p:cNvPr id="3" name="Subtitle 2">
+            <a:extLst>
+              <a:ext uri="{FF2B5EF4-FFF2-40B4-BE49-F238E27FC236}">
+                <a16:creationId xmlns:a16="http://schemas.microsoft.com/office/drawing/2014/main" id="{A1DCFFA4-9DDD-CB45-8B4D-08CF48C349FD}"/>
+              </a:ext>
+            </a:extLst>
+          </p:cNvPr>
+          <p:cNvSpPr>
+            <a:spLocks noGrp="1"/>
+          </p:cNvSpPr>
+          <p:nvPr>
+            <p:ph type="subTitle" idx="1"/>
           </p:nvPr>
         </p:nvSpPr>
         <p:spPr/>
@@ -19738,304 +19903,49 @@
           <a:bodyPr/>
           <a:lstStyle/>
           <a:p>
-            <a:pPr marL="0" indent="0">
-              <a:buNone/>
-            </a:pPr>
-            <a:endParaRPr lang="en-US">
-              <a:solidFill>
-                <a:srgbClr val="24292F"/>
-              </a:solidFill>
-              <a:latin typeface="ui-monospace"/>
-            </a:endParaRPr>
-          </a:p>
-          <a:p>
-            <a:r>
-              <a:rPr lang="en-US">
-                <a:solidFill>
-                  <a:srgbClr val="24292F"/>
-                </a:solidFill>
-                <a:latin typeface="ui-monospace"/>
-              </a:rPr>
-              <a:t>Index:			i    j</a:t>
-            </a:r>
-          </a:p>
-          <a:p>
-            <a:r>
-              <a:rPr lang="en-US">
-                <a:solidFill>
-                  <a:srgbClr val="24292F"/>
-                </a:solidFill>
-                <a:latin typeface="ui-monospace"/>
-              </a:rPr>
-              <a:t>Pattern:			</a:t>
-            </a:r>
-            <a:r>
-              <a:rPr lang="en-US" b="0" i="0">
-                <a:solidFill>
-                  <a:srgbClr val="FF0000"/>
-                </a:solidFill>
-                <a:effectLst/>
-                <a:latin typeface="ui-monospace"/>
-              </a:rPr>
-              <a:t>a</a:t>
-            </a:r>
-            <a:r>
-              <a:rPr lang="en-US" b="0" i="0">
-                <a:solidFill>
-                  <a:srgbClr val="24292F"/>
-                </a:solidFill>
-                <a:effectLst/>
-                <a:latin typeface="ui-monospace"/>
-              </a:rPr>
-              <a:t>  </a:t>
-            </a:r>
-            <a:r>
-              <a:rPr lang="en-US" b="0" i="0">
-                <a:solidFill>
-                  <a:srgbClr val="FF0000"/>
-                </a:solidFill>
-                <a:effectLst/>
-                <a:latin typeface="ui-monospace"/>
-              </a:rPr>
-              <a:t>a</a:t>
-            </a:r>
-            <a:r>
-              <a:rPr lang="en-US" b="0" i="0">
-                <a:solidFill>
-                  <a:srgbClr val="24292F"/>
-                </a:solidFill>
-                <a:effectLst/>
-                <a:latin typeface="ui-monospace"/>
-              </a:rPr>
-              <a:t>  a  a  b  a  a  c  d</a:t>
-            </a:r>
-          </a:p>
-          <a:p>
-            <a:r>
-              <a:rPr lang="en-US">
-                <a:solidFill>
-                  <a:srgbClr val="24292F"/>
-                </a:solidFill>
-                <a:latin typeface="ui-monospace"/>
-              </a:rPr>
-              <a:t>Table:				0  1</a:t>
-            </a:r>
-          </a:p>
-          <a:p>
-            <a:endParaRPr lang="en-US">
-              <a:solidFill>
-                <a:srgbClr val="24292F"/>
-              </a:solidFill>
-              <a:latin typeface="ui-monospace"/>
-            </a:endParaRPr>
-          </a:p>
-          <a:p>
-            <a:endParaRPr lang="en-US">
-              <a:solidFill>
-                <a:srgbClr val="24292F"/>
-              </a:solidFill>
-              <a:latin typeface="ui-monospace"/>
-            </a:endParaRPr>
-          </a:p>
-          <a:p>
-            <a:r>
-              <a:rPr lang="en-US">
-                <a:solidFill>
-                  <a:srgbClr val="24292F"/>
-                </a:solidFill>
-                <a:latin typeface="ui-monospace"/>
-              </a:rPr>
-              <a:t>Vì </a:t>
-            </a:r>
-            <a:r>
-              <a:rPr lang="en-US">
-                <a:solidFill>
-                  <a:srgbClr val="FF0000"/>
-                </a:solidFill>
-                <a:latin typeface="ui-monospace"/>
-              </a:rPr>
-              <a:t>Pattern [i] = Pattern [j] </a:t>
-            </a:r>
-            <a:r>
-              <a:rPr lang="en-US">
-                <a:solidFill>
-                  <a:srgbClr val="24292F"/>
-                </a:solidFill>
-                <a:latin typeface="ui-monospace"/>
-              </a:rPr>
-              <a:t>nên :</a:t>
-            </a:r>
-          </a:p>
-          <a:p>
-            <a:r>
-              <a:rPr lang="en-US">
-                <a:solidFill>
-                  <a:srgbClr val="FF0000"/>
-                </a:solidFill>
-                <a:latin typeface="ui-monospace"/>
-              </a:rPr>
-              <a:t>Table [ j ] = i + 1</a:t>
-            </a:r>
-          </a:p>
-          <a:p>
-            <a:r>
-              <a:rPr lang="en-US">
-                <a:solidFill>
-                  <a:srgbClr val="FF0000"/>
-                </a:solidFill>
-                <a:latin typeface="ui-monospace"/>
-              </a:rPr>
-              <a:t>i++ </a:t>
-            </a:r>
-            <a:r>
-              <a:rPr lang="en-US">
-                <a:solidFill>
-                  <a:srgbClr val="24292F"/>
-                </a:solidFill>
-                <a:latin typeface="ui-monospace"/>
-              </a:rPr>
-              <a:t>và </a:t>
-            </a:r>
-            <a:r>
-              <a:rPr lang="en-US">
-                <a:solidFill>
-                  <a:srgbClr val="FF0000"/>
-                </a:solidFill>
-                <a:latin typeface="ui-monospace"/>
-              </a:rPr>
-              <a:t>j++</a:t>
-            </a:r>
-          </a:p>
-        </p:txBody>
-      </p:sp>
-      <p:sp>
-        <p:nvSpPr>
-          <p:cNvPr id="3" name="Slide Number Placeholder 2">
-            <a:extLst>
-              <a:ext uri="{FF2B5EF4-FFF2-40B4-BE49-F238E27FC236}">
-                <a16:creationId xmlns:a16="http://schemas.microsoft.com/office/drawing/2014/main" id="{A4B06411-EE63-D346-9F05-B1E2F7CB38B2}"/>
-              </a:ext>
-            </a:extLst>
-          </p:cNvPr>
-          <p:cNvSpPr>
-            <a:spLocks noGrp="1"/>
-          </p:cNvSpPr>
-          <p:nvPr>
-            <p:ph type="sldNum" sz="quarter" idx="4"/>
-          </p:nvPr>
-        </p:nvSpPr>
-        <p:spPr/>
-        <p:txBody>
-          <a:bodyPr/>
-          <a:lstStyle/>
-          <a:p>
-            <a:fld id="{3DD97BEB-BAEF-0344-9D5C-EC73E478698A}" type="slidenum">
-              <a:rPr lang="en-US" smtClean="0"/>
-              <a:pPr/>
-              <a:t>41</a:t>
-            </a:fld>
-            <a:r>
-              <a:rPr lang="en-US"/>
-              <a:t> </a:t>
-            </a:r>
-          </a:p>
-        </p:txBody>
-      </p:sp>
-      <p:sp>
-        <p:nvSpPr>
-          <p:cNvPr id="4" name="Title 3">
-            <a:extLst>
-              <a:ext uri="{FF2B5EF4-FFF2-40B4-BE49-F238E27FC236}">
-                <a16:creationId xmlns:a16="http://schemas.microsoft.com/office/drawing/2014/main" id="{B4900F60-7C0D-8B48-910B-EB4B5D459E2B}"/>
-              </a:ext>
-            </a:extLst>
-          </p:cNvPr>
-          <p:cNvSpPr>
-            <a:spLocks noGrp="1"/>
-          </p:cNvSpPr>
-          <p:nvPr>
-            <p:ph type="title"/>
-          </p:nvPr>
-        </p:nvSpPr>
-        <p:spPr/>
-        <p:txBody>
-          <a:bodyPr/>
-          <a:lstStyle/>
-          <a:p>
-            <a:r>
-              <a:rPr lang="en-US"/>
-              <a:t>HOMEWORK</a:t>
-            </a:r>
-          </a:p>
-        </p:txBody>
-      </p:sp>
-      <p:sp>
-        <p:nvSpPr>
-          <p:cNvPr id="8" name="TextBox 7">
-            <a:extLst>
-              <a:ext uri="{FF2B5EF4-FFF2-40B4-BE49-F238E27FC236}">
-                <a16:creationId xmlns:a16="http://schemas.microsoft.com/office/drawing/2014/main" id="{4EF991D4-3210-6D74-22D0-D30FD808EFC4}"/>
-              </a:ext>
-            </a:extLst>
-          </p:cNvPr>
-          <p:cNvSpPr txBox="1"/>
-          <p:nvPr/>
+            <a:endParaRPr lang="en-US"/>
+          </a:p>
+        </p:txBody>
+      </p:sp>
+      <p:sp>
+        <p:nvSpPr>
+          <p:cNvPr id="4" name="Text Placeholder 3">
+            <a:extLst>
+              <a:ext uri="{FF2B5EF4-FFF2-40B4-BE49-F238E27FC236}">
+                <a16:creationId xmlns:a16="http://schemas.microsoft.com/office/drawing/2014/main" id="{38EE6D21-C466-6849-8A91-2ED93BE9C362}"/>
+              </a:ext>
+            </a:extLst>
+          </p:cNvPr>
+          <p:cNvSpPr>
+            <a:spLocks noGrp="1"/>
+          </p:cNvSpPr>
+          <p:nvPr>
+            <p:ph type="body" sz="quarter" idx="15"/>
+          </p:nvPr>
         </p:nvSpPr>
         <p:spPr>
           <a:xfrm>
-            <a:off x="628650" y="4730186"/>
-            <a:ext cx="1144782" cy="378627"/>
+            <a:off x="628650" y="4692591"/>
+            <a:ext cx="6898821" cy="297023"/>
           </a:xfrm>
-          <a:prstGeom prst="rect">
-            <a:avLst/>
-          </a:prstGeom>
-          <a:noFill/>
         </p:spPr>
         <p:txBody>
-          <a:bodyPr wrap="square" rtlCol="0">
-            <a:spAutoFit/>
+          <a:bodyPr>
+            <a:normAutofit fontScale="92500" lnSpcReduction="20000"/>
           </a:bodyPr>
           <a:lstStyle/>
           <a:p>
-            <a:pPr algn="ctr"/>
             <a:r>
               <a:rPr lang="en-US"/>
               <a:t>Nhóm 7</a:t>
             </a:r>
-          </a:p>
-        </p:txBody>
-      </p:sp>
-      <p:sp>
-        <p:nvSpPr>
-          <p:cNvPr id="7" name="Chỗ dành sẵn cho Văn bản 6">
-            <a:extLst>
-              <a:ext uri="{FF2B5EF4-FFF2-40B4-BE49-F238E27FC236}">
-                <a16:creationId xmlns:a16="http://schemas.microsoft.com/office/drawing/2014/main" id="{76A9151B-6189-75A3-9C34-DCB45DA7E3CA}"/>
-              </a:ext>
-            </a:extLst>
-          </p:cNvPr>
-          <p:cNvSpPr>
-            <a:spLocks noGrp="1"/>
-          </p:cNvSpPr>
-          <p:nvPr>
-            <p:ph type="body" sz="quarter" idx="15"/>
-          </p:nvPr>
-        </p:nvSpPr>
-        <p:spPr/>
-        <p:txBody>
-          <a:bodyPr>
-            <a:normAutofit fontScale="85000" lnSpcReduction="20000"/>
-          </a:bodyPr>
-          <a:lstStyle/>
-          <a:p>
-            <a:endParaRPr lang="en-US"/>
           </a:p>
         </p:txBody>
       </p:sp>
     </p:spTree>
     <p:extLst>
       <p:ext uri="{BB962C8B-B14F-4D97-AF65-F5344CB8AC3E}">
-        <p14:creationId xmlns:p14="http://schemas.microsoft.com/office/powerpoint/2010/main" val="3753389056"/>
+        <p14:creationId xmlns:p14="http://schemas.microsoft.com/office/powerpoint/2010/main" val="4137692353"/>
       </p:ext>
     </p:extLst>
   </p:cSld>
@@ -20101,7 +20011,7 @@
                 </a:solidFill>
                 <a:latin typeface="ui-monospace"/>
               </a:rPr>
-              <a:t>Index:			    i    j</a:t>
+              <a:t>Index:			i    </a:t>
             </a:r>
           </a:p>
           <a:p>
@@ -20116,10 +20026,13 @@
             </a:r>
             <a:r>
               <a:rPr lang="en-US" b="0" i="0">
+                <a:solidFill>
+                  <a:srgbClr val="FF0000"/>
+                </a:solidFill>
                 <a:effectLst/>
                 <a:latin typeface="ui-monospace"/>
               </a:rPr>
-              <a:t>a </a:t>
+              <a:t>a</a:t>
             </a:r>
             <a:r>
               <a:rPr lang="en-US" b="0" i="0">
@@ -20129,146 +20042,19 @@
                 <a:effectLst/>
                 <a:latin typeface="ui-monospace"/>
               </a:rPr>
-              <a:t> </a:t>
-            </a:r>
-            <a:r>
-              <a:rPr lang="en-US" b="0" i="0">
-                <a:solidFill>
-                  <a:srgbClr val="FF0000"/>
-                </a:solidFill>
-                <a:effectLst/>
-                <a:latin typeface="ui-monospace"/>
-              </a:rPr>
-              <a:t>a</a:t>
-            </a:r>
-            <a:r>
-              <a:rPr lang="en-US" b="0" i="0">
+              <a:t>  a  a  a  b  a  a  c  d</a:t>
+            </a:r>
+          </a:p>
+          <a:p>
+            <a:r>
+              <a:rPr lang="en-US">
                 <a:solidFill>
                   <a:srgbClr val="24292F"/>
                 </a:solidFill>
-                <a:effectLst/>
-                <a:latin typeface="ui-monospace"/>
-              </a:rPr>
-              <a:t>  </a:t>
-            </a:r>
-            <a:r>
-              <a:rPr lang="en-US" b="0" i="0">
-                <a:solidFill>
-                  <a:srgbClr val="FF0000"/>
-                </a:solidFill>
-                <a:effectLst/>
-                <a:latin typeface="ui-monospace"/>
-              </a:rPr>
-              <a:t>a</a:t>
-            </a:r>
-            <a:r>
-              <a:rPr lang="en-US" b="0" i="0">
-                <a:solidFill>
-                  <a:srgbClr val="24292F"/>
-                </a:solidFill>
-                <a:effectLst/>
-                <a:latin typeface="ui-monospace"/>
-              </a:rPr>
-              <a:t>  a  b  a  a  c  d</a:t>
-            </a:r>
-          </a:p>
-          <a:p>
-            <a:r>
-              <a:rPr lang="en-US">
-                <a:solidFill>
-                  <a:srgbClr val="24292F"/>
-                </a:solidFill>
-                <a:latin typeface="ui-monospace"/>
-              </a:rPr>
-              <a:t>Table:				0  1  2</a:t>
-            </a:r>
-          </a:p>
-          <a:p>
-            <a:endParaRPr lang="en-US">
-              <a:solidFill>
-                <a:srgbClr val="24292F"/>
-              </a:solidFill>
-              <a:latin typeface="ui-monospace"/>
-            </a:endParaRPr>
-          </a:p>
-          <a:p>
-            <a:endParaRPr lang="en-US">
-              <a:solidFill>
-                <a:srgbClr val="24292F"/>
-              </a:solidFill>
-              <a:latin typeface="ui-monospace"/>
-            </a:endParaRPr>
-          </a:p>
-          <a:p>
-            <a:r>
-              <a:rPr lang="en-US">
-                <a:solidFill>
-                  <a:srgbClr val="24292F"/>
-                </a:solidFill>
-                <a:latin typeface="ui-monospace"/>
-              </a:rPr>
-              <a:t>Vì </a:t>
-            </a:r>
-            <a:r>
-              <a:rPr lang="en-US">
-                <a:solidFill>
-                  <a:srgbClr val="FF0000"/>
-                </a:solidFill>
-                <a:latin typeface="ui-monospace"/>
-              </a:rPr>
-              <a:t>Pattern [i] = Pattern [j] </a:t>
-            </a:r>
-            <a:r>
-              <a:rPr lang="en-US">
-                <a:solidFill>
-                  <a:srgbClr val="24292F"/>
-                </a:solidFill>
-                <a:latin typeface="ui-monospace"/>
-              </a:rPr>
-              <a:t>nên :</a:t>
-            </a:r>
-          </a:p>
-          <a:p>
-            <a:r>
-              <a:rPr lang="en-US">
-                <a:solidFill>
-                  <a:srgbClr val="FF0000"/>
-                </a:solidFill>
-                <a:latin typeface="ui-monospace"/>
-              </a:rPr>
-              <a:t>Table [ j ] = i + 1</a:t>
-            </a:r>
-          </a:p>
-          <a:p>
-            <a:r>
-              <a:rPr lang="en-US">
-                <a:solidFill>
-                  <a:srgbClr val="FF0000"/>
-                </a:solidFill>
-                <a:latin typeface="ui-monospace"/>
-              </a:rPr>
-              <a:t>i++ </a:t>
-            </a:r>
-            <a:r>
-              <a:rPr lang="en-US">
-                <a:solidFill>
-                  <a:srgbClr val="24292F"/>
-                </a:solidFill>
-                <a:latin typeface="ui-monospace"/>
-              </a:rPr>
-              <a:t>và </a:t>
-            </a:r>
-            <a:r>
-              <a:rPr lang="en-US">
-                <a:solidFill>
-                  <a:srgbClr val="FF0000"/>
-                </a:solidFill>
-                <a:latin typeface="ui-monospace"/>
-              </a:rPr>
-              <a:t>j++</a:t>
-            </a:r>
-          </a:p>
-          <a:p>
+                <a:latin typeface="ui-monospace"/>
+              </a:rPr>
+              <a:t>Table:				0</a:t>
+            </a:r>
             <a:endParaRPr lang="en-US"/>
           </a:p>
         </p:txBody>
@@ -20393,14 +20179,17 @@
           </a:bodyPr>
           <a:lstStyle/>
           <a:p>
-            <a:endParaRPr lang="en-US"/>
+            <a:r>
+              <a:rPr lang="en-US"/>
+              <a:t>Câu 1.1</a:t>
+            </a:r>
           </a:p>
         </p:txBody>
       </p:sp>
     </p:spTree>
     <p:extLst>
       <p:ext uri="{BB962C8B-B14F-4D97-AF65-F5344CB8AC3E}">
-        <p14:creationId xmlns:p14="http://schemas.microsoft.com/office/powerpoint/2010/main" val="886799316"/>
+        <p14:creationId xmlns:p14="http://schemas.microsoft.com/office/powerpoint/2010/main" val="655020622"/>
       </p:ext>
     </p:extLst>
   </p:cSld>
@@ -20466,7 +20255,7 @@
                 </a:solidFill>
                 <a:latin typeface="ui-monospace"/>
               </a:rPr>
-              <a:t>Index:			        i    j</a:t>
+              <a:t>Index:			i    j</a:t>
             </a:r>
           </a:p>
           <a:p>
@@ -20481,10 +20270,13 @@
             </a:r>
             <a:r>
               <a:rPr lang="en-US" b="0" i="0">
+                <a:solidFill>
+                  <a:srgbClr val="FF0000"/>
+                </a:solidFill>
                 <a:effectLst/>
                 <a:latin typeface="ui-monospace"/>
               </a:rPr>
-              <a:t>a </a:t>
+              <a:t>a</a:t>
             </a:r>
             <a:r>
               <a:rPr lang="en-US" b="0" i="0">
@@ -20494,10 +20286,13 @@
                 <a:effectLst/>
                 <a:latin typeface="ui-monospace"/>
               </a:rPr>
-              <a:t> </a:t>
+              <a:t>  </a:t>
             </a:r>
             <a:r>
               <a:rPr lang="en-US" b="0" i="0">
+                <a:solidFill>
+                  <a:srgbClr val="FF0000"/>
+                </a:solidFill>
                 <a:effectLst/>
                 <a:latin typeface="ui-monospace"/>
               </a:rPr>
@@ -20511,58 +20306,18 @@
                 <a:effectLst/>
                 <a:latin typeface="ui-monospace"/>
               </a:rPr>
-              <a:t>  </a:t>
-            </a:r>
-            <a:r>
-              <a:rPr lang="en-US" b="0" i="0">
-                <a:solidFill>
-                  <a:srgbClr val="FF0000"/>
-                </a:solidFill>
-                <a:effectLst/>
-                <a:latin typeface="ui-monospace"/>
-              </a:rPr>
-              <a:t>a</a:t>
-            </a:r>
-            <a:r>
-              <a:rPr lang="en-US" b="0" i="0">
+              <a:t>  a  a  b  a  a  c  d</a:t>
+            </a:r>
+          </a:p>
+          <a:p>
+            <a:r>
+              <a:rPr lang="en-US">
                 <a:solidFill>
                   <a:srgbClr val="24292F"/>
                 </a:solidFill>
-                <a:effectLst/>
-                <a:latin typeface="ui-monospace"/>
-              </a:rPr>
-              <a:t>  </a:t>
-            </a:r>
-            <a:r>
-              <a:rPr lang="en-US" b="0" i="0">
-                <a:solidFill>
-                  <a:srgbClr val="FF0000"/>
-                </a:solidFill>
-                <a:effectLst/>
-                <a:latin typeface="ui-monospace"/>
-              </a:rPr>
-              <a:t>a</a:t>
-            </a:r>
-            <a:r>
-              <a:rPr lang="en-US" b="0" i="0">
-                <a:solidFill>
-                  <a:srgbClr val="24292F"/>
-                </a:solidFill>
-                <a:effectLst/>
-                <a:latin typeface="ui-monospace"/>
-              </a:rPr>
-              <a:t>  b  a  a  c  d</a:t>
-            </a:r>
-          </a:p>
-          <a:p>
-            <a:r>
-              <a:rPr lang="en-US">
-                <a:solidFill>
-                  <a:srgbClr val="24292F"/>
-                </a:solidFill>
-                <a:latin typeface="ui-monospace"/>
-              </a:rPr>
-              <a:t>Table:				0  1  2  3</a:t>
+                <a:latin typeface="ui-monospace"/>
+              </a:rPr>
+              <a:t>Table:				0  1</a:t>
             </a:r>
           </a:p>
           <a:p>
@@ -20649,17 +20404,6 @@
               </a:rPr>
               <a:t>j++</a:t>
             </a:r>
-          </a:p>
-          <a:p>
-            <a:endParaRPr lang="en-US">
-              <a:solidFill>
-                <a:srgbClr val="FF0000"/>
-              </a:solidFill>
-              <a:latin typeface="ui-monospace"/>
-            </a:endParaRPr>
-          </a:p>
-          <a:p>
-            <a:endParaRPr lang="en-US"/>
           </a:p>
         </p:txBody>
       </p:sp>
@@ -20790,7 +20534,7 @@
     </p:spTree>
     <p:extLst>
       <p:ext uri="{BB962C8B-B14F-4D97-AF65-F5344CB8AC3E}">
-        <p14:creationId xmlns:p14="http://schemas.microsoft.com/office/powerpoint/2010/main" val="3865420042"/>
+        <p14:creationId xmlns:p14="http://schemas.microsoft.com/office/powerpoint/2010/main" val="3753389056"/>
       </p:ext>
     </p:extLst>
   </p:cSld>
@@ -20856,7 +20600,7 @@
                 </a:solidFill>
                 <a:latin typeface="ui-monospace"/>
               </a:rPr>
-              <a:t>Index:			             i   j</a:t>
+              <a:t>Index:			    i    j</a:t>
             </a:r>
           </a:p>
           <a:p>
@@ -20888,6 +20632,9 @@
             </a:r>
             <a:r>
               <a:rPr lang="en-US" b="0" i="0">
+                <a:solidFill>
+                  <a:srgbClr val="FF0000"/>
+                </a:solidFill>
                 <a:effectLst/>
                 <a:latin typeface="ui-monospace"/>
               </a:rPr>
@@ -20905,6 +20652,9 @@
             </a:r>
             <a:r>
               <a:rPr lang="en-US" b="0" i="0">
+                <a:solidFill>
+                  <a:srgbClr val="FF0000"/>
+                </a:solidFill>
                 <a:effectLst/>
                 <a:latin typeface="ui-monospace"/>
               </a:rPr>
@@ -20918,80 +20668,18 @@
                 <a:effectLst/>
                 <a:latin typeface="ui-monospace"/>
               </a:rPr>
-              <a:t>  </a:t>
-            </a:r>
-            <a:r>
-              <a:rPr lang="en-US" b="0" i="0">
-                <a:solidFill>
-                  <a:srgbClr val="FF0000"/>
-                </a:solidFill>
-                <a:effectLst/>
-                <a:latin typeface="ui-monospace"/>
-              </a:rPr>
-              <a:t>a</a:t>
-            </a:r>
-            <a:r>
-              <a:rPr lang="en-US" b="0" i="0">
+              <a:t>  a  b  a  a  c  d</a:t>
+            </a:r>
+          </a:p>
+          <a:p>
+            <a:r>
+              <a:rPr lang="en-US">
                 <a:solidFill>
                   <a:srgbClr val="24292F"/>
                 </a:solidFill>
-                <a:effectLst/>
-                <a:latin typeface="ui-monospace"/>
-              </a:rPr>
-              <a:t>  </a:t>
-            </a:r>
-            <a:r>
-              <a:rPr lang="en-US" b="0" i="0">
-                <a:solidFill>
-                  <a:srgbClr val="FF0000"/>
-                </a:solidFill>
-                <a:effectLst/>
-                <a:latin typeface="ui-monospace"/>
-              </a:rPr>
-              <a:t>b</a:t>
-            </a:r>
-            <a:r>
-              <a:rPr lang="en-US" b="0" i="0">
-                <a:solidFill>
-                  <a:srgbClr val="24292F"/>
-                </a:solidFill>
-                <a:effectLst/>
-                <a:latin typeface="ui-monospace"/>
-              </a:rPr>
-              <a:t>  a  a  c  d</a:t>
-            </a:r>
-          </a:p>
-          <a:p>
-            <a:r>
-              <a:rPr lang="en-US">
-                <a:solidFill>
-                  <a:srgbClr val="24292F"/>
-                </a:solidFill>
-                <a:latin typeface="ui-monospace"/>
-              </a:rPr>
-              <a:t>Table:				0  1  2  3</a:t>
-            </a:r>
-          </a:p>
-          <a:p>
-            <a:r>
-              <a:rPr lang="en-US">
-                <a:solidFill>
-                  <a:srgbClr val="24292F"/>
-                </a:solidFill>
-                <a:latin typeface="ui-monospace"/>
-              </a:rPr>
-              <a:t>Index of Table:	              </a:t>
-            </a:r>
-            <a:r>
-              <a:rPr lang="en-US">
-                <a:solidFill>
-                  <a:schemeClr val="accent2">
-                    <a:lumMod val="75000"/>
-                  </a:schemeClr>
-                </a:solidFill>
-                <a:latin typeface="ui-monospace"/>
-              </a:rPr>
-              <a:t>0  1  2  3  4  5  6  7  8</a:t>
+                <a:latin typeface="ui-monospace"/>
+              </a:rPr>
+              <a:t>Table:				0  1  2</a:t>
             </a:r>
           </a:p>
           <a:p>
@@ -21027,13 +20715,7 @@
                 </a:solidFill>
                 <a:latin typeface="ui-monospace"/>
               </a:rPr>
-              <a:t>Pattern [i] != Pattern [j] </a:t>
-            </a:r>
-            <a:r>
-              <a:rPr lang="en-US">
-                <a:latin typeface="ui-monospace"/>
-              </a:rPr>
-              <a:t>, xét i</a:t>
+              <a:t>Pattern [i] = Pattern [j] </a:t>
             </a:r>
             <a:r>
               <a:rPr lang="en-US">
@@ -21042,10 +20724,30 @@
                 </a:solidFill>
                 <a:latin typeface="ui-monospace"/>
               </a:rPr>
-              <a:t>:</a:t>
-            </a:r>
-          </a:p>
-          <a:p>
+              <a:t>nên :</a:t>
+            </a:r>
+          </a:p>
+          <a:p>
+            <a:r>
+              <a:rPr lang="en-US">
+                <a:solidFill>
+                  <a:srgbClr val="FF0000"/>
+                </a:solidFill>
+                <a:latin typeface="ui-monospace"/>
+              </a:rPr>
+              <a:t>Table [ j ] = i + 1</a:t>
+            </a:r>
+          </a:p>
+          <a:p>
+            <a:r>
+              <a:rPr lang="en-US">
+                <a:solidFill>
+                  <a:srgbClr val="FF0000"/>
+                </a:solidFill>
+                <a:latin typeface="ui-monospace"/>
+              </a:rPr>
+              <a:t>i++ </a:t>
+            </a:r>
             <a:r>
               <a:rPr lang="en-US">
                 <a:solidFill>
@@ -21053,7 +20755,7 @@
                 </a:solidFill>
                 <a:latin typeface="ui-monospace"/>
               </a:rPr>
-              <a:t>Vì </a:t>
+              <a:t>và </a:t>
             </a:r>
             <a:r>
               <a:rPr lang="en-US">
@@ -21062,17 +20764,10 @@
                 </a:solidFill>
                 <a:latin typeface="ui-monospace"/>
               </a:rPr>
-              <a:t>i != 0 </a:t>
-            </a:r>
-            <a:r>
-              <a:rPr lang="en-US">
-                <a:solidFill>
-                  <a:srgbClr val="24292F"/>
-                </a:solidFill>
-                <a:latin typeface="ui-monospace"/>
-              </a:rPr>
-              <a:t>nên i = table [i-1] = table [3 - 1] = table [2] = 2;</a:t>
-            </a:r>
+              <a:t>j++</a:t>
+            </a:r>
+          </a:p>
+          <a:p>
             <a:endParaRPr lang="en-US"/>
           </a:p>
         </p:txBody>
@@ -21204,7 +20899,7 @@
     </p:spTree>
     <p:extLst>
       <p:ext uri="{BB962C8B-B14F-4D97-AF65-F5344CB8AC3E}">
-        <p14:creationId xmlns:p14="http://schemas.microsoft.com/office/powerpoint/2010/main" val="518117415"/>
+        <p14:creationId xmlns:p14="http://schemas.microsoft.com/office/powerpoint/2010/main" val="886799316"/>
       </p:ext>
     </p:extLst>
   </p:cSld>
@@ -21270,7 +20965,7 @@
                 </a:solidFill>
                 <a:latin typeface="ui-monospace"/>
               </a:rPr>
-              <a:t>Index:			         i       j</a:t>
+              <a:t>Index:			        i    j</a:t>
             </a:r>
           </a:p>
           <a:p>
@@ -21339,6 +21034,9 @@
             </a:r>
             <a:r>
               <a:rPr lang="en-US" b="0" i="0">
+                <a:solidFill>
+                  <a:srgbClr val="FF0000"/>
+                </a:solidFill>
                 <a:effectLst/>
                 <a:latin typeface="ui-monospace"/>
               </a:rPr>
@@ -21352,60 +21050,18 @@
                 <a:effectLst/>
                 <a:latin typeface="ui-monospace"/>
               </a:rPr>
-              <a:t>  </a:t>
-            </a:r>
-            <a:r>
-              <a:rPr lang="en-US" b="0" i="0">
-                <a:solidFill>
-                  <a:srgbClr val="FF0000"/>
-                </a:solidFill>
-                <a:effectLst/>
-                <a:latin typeface="ui-monospace"/>
-              </a:rPr>
-              <a:t>b</a:t>
-            </a:r>
-            <a:r>
-              <a:rPr lang="en-US" b="0" i="0">
+              <a:t>  b  a  a  c  d</a:t>
+            </a:r>
+          </a:p>
+          <a:p>
+            <a:r>
+              <a:rPr lang="en-US">
                 <a:solidFill>
                   <a:srgbClr val="24292F"/>
                 </a:solidFill>
-                <a:effectLst/>
-                <a:latin typeface="ui-monospace"/>
-              </a:rPr>
-              <a:t>  a  a  c  d</a:t>
-            </a:r>
-          </a:p>
-          <a:p>
-            <a:r>
-              <a:rPr lang="en-US">
-                <a:solidFill>
-                  <a:srgbClr val="24292F"/>
-                </a:solidFill>
                 <a:latin typeface="ui-monospace"/>
               </a:rPr>
               <a:t>Table:				0  1  2  3</a:t>
-            </a:r>
-          </a:p>
-          <a:p>
-            <a:r>
-              <a:rPr lang="en-US">
-                <a:solidFill>
-                  <a:srgbClr val="24292F"/>
-                </a:solidFill>
-                <a:latin typeface="ui-monospace"/>
-              </a:rPr>
-              <a:t>Index of Table:	              </a:t>
-            </a:r>
-            <a:r>
-              <a:rPr lang="en-US">
-                <a:solidFill>
-                  <a:schemeClr val="accent2">
-                    <a:lumMod val="75000"/>
-                  </a:schemeClr>
-                </a:solidFill>
-                <a:latin typeface="ui-monospace"/>
-              </a:rPr>
-              <a:t>0  1  2  3  4  5  6  7  8</a:t>
             </a:r>
           </a:p>
           <a:p>
@@ -21441,13 +21097,7 @@
                 </a:solidFill>
                 <a:latin typeface="ui-monospace"/>
               </a:rPr>
-              <a:t>Pattern [i] != Pattern [j] </a:t>
-            </a:r>
-            <a:r>
-              <a:rPr lang="en-US">
-                <a:latin typeface="ui-monospace"/>
-              </a:rPr>
-              <a:t>, xét i</a:t>
+              <a:t>Pattern [i] = Pattern [j] </a:t>
             </a:r>
             <a:r>
               <a:rPr lang="en-US">
@@ -21456,10 +21106,30 @@
                 </a:solidFill>
                 <a:latin typeface="ui-monospace"/>
               </a:rPr>
-              <a:t>:</a:t>
-            </a:r>
-          </a:p>
-          <a:p>
+              <a:t>nên :</a:t>
+            </a:r>
+          </a:p>
+          <a:p>
+            <a:r>
+              <a:rPr lang="en-US">
+                <a:solidFill>
+                  <a:srgbClr val="FF0000"/>
+                </a:solidFill>
+                <a:latin typeface="ui-monospace"/>
+              </a:rPr>
+              <a:t>Table [ j ] = i + 1</a:t>
+            </a:r>
+          </a:p>
+          <a:p>
+            <a:r>
+              <a:rPr lang="en-US">
+                <a:solidFill>
+                  <a:srgbClr val="FF0000"/>
+                </a:solidFill>
+                <a:latin typeface="ui-monospace"/>
+              </a:rPr>
+              <a:t>i++ </a:t>
+            </a:r>
             <a:r>
               <a:rPr lang="en-US">
                 <a:solidFill>
@@ -21467,7 +21137,7 @@
                 </a:solidFill>
                 <a:latin typeface="ui-monospace"/>
               </a:rPr>
-              <a:t>Vì </a:t>
+              <a:t>và </a:t>
             </a:r>
             <a:r>
               <a:rPr lang="en-US">
@@ -21476,17 +21146,18 @@
                 </a:solidFill>
                 <a:latin typeface="ui-monospace"/>
               </a:rPr>
-              <a:t>i != 0 </a:t>
-            </a:r>
-            <a:r>
-              <a:rPr lang="en-US">
-                <a:solidFill>
-                  <a:srgbClr val="24292F"/>
-                </a:solidFill>
-                <a:latin typeface="ui-monospace"/>
-              </a:rPr>
-              <a:t>nên i = table [i-1] = table [2 - 1] = table [1] = 1;</a:t>
-            </a:r>
+              <a:t>j++</a:t>
+            </a:r>
+          </a:p>
+          <a:p>
+            <a:endParaRPr lang="en-US">
+              <a:solidFill>
+                <a:srgbClr val="FF0000"/>
+              </a:solidFill>
+              <a:latin typeface="ui-monospace"/>
+            </a:endParaRPr>
+          </a:p>
+          <a:p>
             <a:endParaRPr lang="en-US"/>
           </a:p>
         </p:txBody>
@@ -21618,7 +21289,7 @@
     </p:spTree>
     <p:extLst>
       <p:ext uri="{BB962C8B-B14F-4D97-AF65-F5344CB8AC3E}">
-        <p14:creationId xmlns:p14="http://schemas.microsoft.com/office/powerpoint/2010/main" val="1984065444"/>
+        <p14:creationId xmlns:p14="http://schemas.microsoft.com/office/powerpoint/2010/main" val="3865420042"/>
       </p:ext>
     </p:extLst>
   </p:cSld>
@@ -21684,7 +21355,7 @@
                 </a:solidFill>
                 <a:latin typeface="ui-monospace"/>
               </a:rPr>
-              <a:t>Index:			     i           j</a:t>
+              <a:t>Index:			             i   j</a:t>
             </a:r>
           </a:p>
           <a:p>
@@ -21716,9 +21387,6 @@
             </a:r>
             <a:r>
               <a:rPr lang="en-US" b="0" i="0">
-                <a:solidFill>
-                  <a:srgbClr val="FF0000"/>
-                </a:solidFill>
                 <a:effectLst/>
                 <a:latin typeface="ui-monospace"/>
               </a:rPr>
@@ -21753,6 +21421,9 @@
             </a:r>
             <a:r>
               <a:rPr lang="en-US" b="0" i="0">
+                <a:solidFill>
+                  <a:srgbClr val="FF0000"/>
+                </a:solidFill>
                 <a:effectLst/>
                 <a:latin typeface="ui-monospace"/>
               </a:rPr>
@@ -21899,7 +21570,7 @@
                 </a:solidFill>
                 <a:latin typeface="ui-monospace"/>
               </a:rPr>
-              <a:t>nên i = table [i-1] = table [1 - 1] = table [0] = 0;</a:t>
+              <a:t>nên i = table [i-1] = table [3 - 1] = table [2] = 2;</a:t>
             </a:r>
             <a:endParaRPr lang="en-US"/>
           </a:p>
@@ -22032,7 +21703,7 @@
     </p:spTree>
     <p:extLst>
       <p:ext uri="{BB962C8B-B14F-4D97-AF65-F5344CB8AC3E}">
-        <p14:creationId xmlns:p14="http://schemas.microsoft.com/office/powerpoint/2010/main" val="3004655544"/>
+        <p14:creationId xmlns:p14="http://schemas.microsoft.com/office/powerpoint/2010/main" val="518117415"/>
       </p:ext>
     </p:extLst>
   </p:cSld>
@@ -22098,7 +21769,7 @@
                 </a:solidFill>
                 <a:latin typeface="ui-monospace"/>
               </a:rPr>
-              <a:t>Index:			 i               j</a:t>
+              <a:t>Index:			         i       j</a:t>
             </a:r>
           </a:p>
           <a:p>
@@ -22110,23 +21781,13 @@
                 <a:latin typeface="ui-monospace"/>
               </a:rPr>
               <a:t>Pattern:			</a:t>
-            </a:r>
-            <a:r>
-              <a:rPr lang="en-US" b="0" i="0">
-                <a:solidFill>
-                  <a:srgbClr val="FF0000"/>
-                </a:solidFill>
-                <a:effectLst/>
-                <a:latin typeface="ui-monospace"/>
-              </a:rPr>
-              <a:t>a</a:t>
             </a:r>
             <a:r>
               <a:rPr lang="en-US" b="0" i="0">
                 <a:effectLst/>
                 <a:latin typeface="ui-monospace"/>
               </a:rPr>
-              <a:t> </a:t>
+              <a:t>a </a:t>
             </a:r>
             <a:r>
               <a:rPr lang="en-US" b="0" i="0">
@@ -22157,6 +21818,9 @@
             </a:r>
             <a:r>
               <a:rPr lang="en-US" b="0" i="0">
+                <a:solidFill>
+                  <a:srgbClr val="FF0000"/>
+                </a:solidFill>
                 <a:effectLst/>
                 <a:latin typeface="ui-monospace"/>
               </a:rPr>
@@ -22218,7 +21882,7 @@
                 </a:solidFill>
                 <a:latin typeface="ui-monospace"/>
               </a:rPr>
-              <a:t>Table:				0  1  2  3  0</a:t>
+              <a:t>Table:				0  1  2  3</a:t>
             </a:r>
           </a:p>
           <a:p>
@@ -22311,7 +21975,7 @@
                 </a:solidFill>
                 <a:latin typeface="ui-monospace"/>
               </a:rPr>
-              <a:t>i == 0 </a:t>
+              <a:t>i != 0 </a:t>
             </a:r>
             <a:r>
               <a:rPr lang="en-US">
@@ -22320,37 +21984,9 @@
                 </a:solidFill>
                 <a:latin typeface="ui-monospace"/>
               </a:rPr>
-              <a:t>nên </a:t>
-            </a:r>
-            <a:r>
-              <a:rPr lang="en-US">
-                <a:solidFill>
-                  <a:srgbClr val="FF0000"/>
-                </a:solidFill>
-                <a:latin typeface="ui-monospace"/>
-              </a:rPr>
-              <a:t>table [j] = 0 </a:t>
-            </a:r>
-            <a:r>
-              <a:rPr lang="en-US">
-                <a:latin typeface="ui-monospace"/>
-              </a:rPr>
-              <a:t>và</a:t>
-            </a:r>
-            <a:r>
-              <a:rPr lang="en-US">
-                <a:solidFill>
-                  <a:srgbClr val="FF0000"/>
-                </a:solidFill>
-                <a:latin typeface="ui-monospace"/>
-              </a:rPr>
-              <a:t> j++</a:t>
-            </a:r>
-            <a:endParaRPr lang="en-US">
-              <a:solidFill>
-                <a:srgbClr val="FF0000"/>
-              </a:solidFill>
-            </a:endParaRPr>
+              <a:t>nên i = table [i-1] = table [2 - 1] = table [1] = 1;</a:t>
+            </a:r>
+            <a:endParaRPr lang="en-US"/>
           </a:p>
         </p:txBody>
       </p:sp>
@@ -22481,7 +22117,7 @@
     </p:spTree>
     <p:extLst>
       <p:ext uri="{BB962C8B-B14F-4D97-AF65-F5344CB8AC3E}">
-        <p14:creationId xmlns:p14="http://schemas.microsoft.com/office/powerpoint/2010/main" val="627516013"/>
+        <p14:creationId xmlns:p14="http://schemas.microsoft.com/office/powerpoint/2010/main" val="1984065444"/>
       </p:ext>
     </p:extLst>
   </p:cSld>
@@ -22526,9 +22162,7 @@
         </p:nvSpPr>
         <p:spPr/>
         <p:txBody>
-          <a:bodyPr>
-            <a:normAutofit lnSpcReduction="10000"/>
-          </a:bodyPr>
+          <a:bodyPr/>
           <a:lstStyle/>
           <a:p>
             <a:pPr marL="0" indent="0">
@@ -22549,7 +22183,7 @@
                 </a:solidFill>
                 <a:latin typeface="ui-monospace"/>
               </a:rPr>
-              <a:t>Index:			 i                   j</a:t>
+              <a:t>Index:			     i           j</a:t>
             </a:r>
           </a:p>
           <a:p>
@@ -22561,33 +22195,43 @@
                 <a:latin typeface="ui-monospace"/>
               </a:rPr>
               <a:t>Pattern:			</a:t>
-            </a:r>
-            <a:r>
-              <a:rPr lang="en-US" b="0" i="0">
-                <a:solidFill>
-                  <a:srgbClr val="FF0000"/>
-                </a:solidFill>
-                <a:effectLst/>
-                <a:latin typeface="ui-monospace"/>
-              </a:rPr>
-              <a:t>a</a:t>
             </a:r>
             <a:r>
               <a:rPr lang="en-US" b="0" i="0">
                 <a:effectLst/>
                 <a:latin typeface="ui-monospace"/>
               </a:rPr>
+              <a:t>a </a:t>
+            </a:r>
+            <a:r>
+              <a:rPr lang="en-US" b="0" i="0">
+                <a:solidFill>
+                  <a:srgbClr val="24292F"/>
+                </a:solidFill>
+                <a:effectLst/>
+                <a:latin typeface="ui-monospace"/>
+              </a:rPr>
               <a:t> </a:t>
             </a:r>
             <a:r>
               <a:rPr lang="en-US" b="0" i="0">
                 <a:solidFill>
+                  <a:srgbClr val="FF0000"/>
+                </a:solidFill>
+                <a:effectLst/>
+                <a:latin typeface="ui-monospace"/>
+              </a:rPr>
+              <a:t>a</a:t>
+            </a:r>
+            <a:r>
+              <a:rPr lang="en-US" b="0" i="0">
+                <a:solidFill>
                   <a:srgbClr val="24292F"/>
                 </a:solidFill>
                 <a:effectLst/>
                 <a:latin typeface="ui-monospace"/>
               </a:rPr>
-              <a:t> </a:t>
+              <a:t>  </a:t>
             </a:r>
             <a:r>
               <a:rPr lang="en-US" b="0" i="0">
@@ -22625,10 +22269,13 @@
             </a:r>
             <a:r>
               <a:rPr lang="en-US" b="0" i="0">
+                <a:solidFill>
+                  <a:srgbClr val="FF0000"/>
+                </a:solidFill>
                 <a:effectLst/>
                 <a:latin typeface="ui-monospace"/>
               </a:rPr>
-              <a:t>a</a:t>
+              <a:t>b</a:t>
             </a:r>
             <a:r>
               <a:rPr lang="en-US" b="0" i="0">
@@ -22638,55 +22285,18 @@
                 <a:effectLst/>
                 <a:latin typeface="ui-monospace"/>
               </a:rPr>
-              <a:t>  </a:t>
-            </a:r>
-            <a:r>
-              <a:rPr lang="en-US" b="0" i="0">
-                <a:effectLst/>
-                <a:latin typeface="ui-monospace"/>
-              </a:rPr>
-              <a:t>b</a:t>
-            </a:r>
-            <a:r>
-              <a:rPr lang="en-US" b="0" i="0">
+              <a:t>  a  a  c  d</a:t>
+            </a:r>
+          </a:p>
+          <a:p>
+            <a:r>
+              <a:rPr lang="en-US">
                 <a:solidFill>
                   <a:srgbClr val="24292F"/>
                 </a:solidFill>
-                <a:effectLst/>
-                <a:latin typeface="ui-monospace"/>
-              </a:rPr>
-              <a:t>  </a:t>
-            </a:r>
-            <a:r>
-              <a:rPr lang="en-US" b="0" i="0">
-                <a:solidFill>
-                  <a:srgbClr val="FF0000"/>
-                </a:solidFill>
-                <a:effectLst/>
-                <a:latin typeface="ui-monospace"/>
-              </a:rPr>
-              <a:t>a</a:t>
-            </a:r>
-            <a:r>
-              <a:rPr lang="en-US" b="0" i="0">
-                <a:solidFill>
-                  <a:srgbClr val="24292F"/>
-                </a:solidFill>
-                <a:effectLst/>
-                <a:latin typeface="ui-monospace"/>
-              </a:rPr>
-              <a:t>  a  c  d</a:t>
-            </a:r>
-          </a:p>
-          <a:p>
-            <a:r>
-              <a:rPr lang="en-US">
-                <a:solidFill>
-                  <a:srgbClr val="24292F"/>
-                </a:solidFill>
-                <a:latin typeface="ui-monospace"/>
-              </a:rPr>
-              <a:t>Table:				0  1  2  3  0  1</a:t>
+                <a:latin typeface="ui-monospace"/>
+              </a:rPr>
+              <a:t>Table:				0  1  2  3</a:t>
             </a:r>
           </a:p>
           <a:p>
@@ -22744,7 +22354,13 @@
                 </a:solidFill>
                 <a:latin typeface="ui-monospace"/>
               </a:rPr>
-              <a:t>Pattern [i] == Pattern [j] </a:t>
+              <a:t>Pattern [i] != Pattern [j] </a:t>
+            </a:r>
+            <a:r>
+              <a:rPr lang="en-US">
+                <a:latin typeface="ui-monospace"/>
+              </a:rPr>
+              <a:t>, xét i</a:t>
             </a:r>
             <a:r>
               <a:rPr lang="en-US">
@@ -22753,10 +22369,19 @@
                 </a:solidFill>
                 <a:latin typeface="ui-monospace"/>
               </a:rPr>
-              <a:t>nên :</a:t>
-            </a:r>
-          </a:p>
-          <a:p>
+              <a:t>:</a:t>
+            </a:r>
+          </a:p>
+          <a:p>
+            <a:r>
+              <a:rPr lang="en-US">
+                <a:solidFill>
+                  <a:srgbClr val="24292F"/>
+                </a:solidFill>
+                <a:latin typeface="ui-monospace"/>
+              </a:rPr>
+              <a:t>Vì </a:t>
+            </a:r>
             <a:r>
               <a:rPr lang="en-US">
                 <a:solidFill>
@@ -22764,18 +22389,7 @@
                 </a:solidFill>
                 <a:latin typeface="ui-monospace"/>
               </a:rPr>
-              <a:t>Table [ j ] = i + 1 = 1</a:t>
-            </a:r>
-          </a:p>
-          <a:p>
-            <a:r>
-              <a:rPr lang="en-US">
-                <a:solidFill>
-                  <a:srgbClr val="FF0000"/>
-                </a:solidFill>
-                <a:latin typeface="ui-monospace"/>
-              </a:rPr>
-              <a:t>i++ </a:t>
+              <a:t>i != 0 </a:t>
             </a:r>
             <a:r>
               <a:rPr lang="en-US">
@@ -22784,17 +22398,9 @@
                 </a:solidFill>
                 <a:latin typeface="ui-monospace"/>
               </a:rPr>
-              <a:t>và </a:t>
-            </a:r>
-            <a:r>
-              <a:rPr lang="en-US">
-                <a:solidFill>
-                  <a:srgbClr val="FF0000"/>
-                </a:solidFill>
-                <a:latin typeface="ui-monospace"/>
-              </a:rPr>
-              <a:t>j++</a:t>
-            </a:r>
+              <a:t>nên i = table [i-1] = table [1 - 1] = table [0] = 0;</a:t>
+            </a:r>
+            <a:endParaRPr lang="en-US"/>
           </a:p>
         </p:txBody>
       </p:sp>
@@ -22925,7 +22531,7 @@
     </p:spTree>
     <p:extLst>
       <p:ext uri="{BB962C8B-B14F-4D97-AF65-F5344CB8AC3E}">
-        <p14:creationId xmlns:p14="http://schemas.microsoft.com/office/powerpoint/2010/main" val="2983109389"/>
+        <p14:creationId xmlns:p14="http://schemas.microsoft.com/office/powerpoint/2010/main" val="3004655544"/>
       </p:ext>
     </p:extLst>
   </p:cSld>
@@ -22970,9 +22576,7 @@
         </p:nvSpPr>
         <p:spPr/>
         <p:txBody>
-          <a:bodyPr>
-            <a:normAutofit lnSpcReduction="10000"/>
-          </a:bodyPr>
+          <a:bodyPr/>
           <a:lstStyle/>
           <a:p>
             <a:pPr marL="0" indent="0">
@@ -22993,7 +22597,7 @@
                 </a:solidFill>
                 <a:latin typeface="ui-monospace"/>
               </a:rPr>
-              <a:t>Index:			     i                   j</a:t>
+              <a:t>Index:			 i               j</a:t>
             </a:r>
           </a:p>
           <a:p>
@@ -23005,13 +22609,23 @@
                 <a:latin typeface="ui-monospace"/>
               </a:rPr>
               <a:t>Pattern:			</a:t>
+            </a:r>
+            <a:r>
+              <a:rPr lang="en-US" b="0" i="0">
+                <a:solidFill>
+                  <a:srgbClr val="FF0000"/>
+                </a:solidFill>
+                <a:effectLst/>
+                <a:latin typeface="ui-monospace"/>
+              </a:rPr>
+              <a:t>a</a:t>
             </a:r>
             <a:r>
               <a:rPr lang="en-US" b="0" i="0">
                 <a:effectLst/>
                 <a:latin typeface="ui-monospace"/>
               </a:rPr>
-              <a:t>a </a:t>
+              <a:t> </a:t>
             </a:r>
             <a:r>
               <a:rPr lang="en-US" b="0" i="0">
@@ -23022,26 +22636,6 @@
                 <a:latin typeface="ui-monospace"/>
               </a:rPr>
               <a:t> </a:t>
-            </a:r>
-            <a:r>
-              <a:rPr lang="en-US" b="0" i="0">
-                <a:solidFill>
-                  <a:srgbClr val="FF0000"/>
-                </a:solidFill>
-                <a:effectLst/>
-                <a:latin typeface="ui-monospace"/>
-              </a:rPr>
-              <a:t>a</a:t>
-            </a:r>
-            <a:r>
-              <a:rPr lang="en-US" b="0" i="0">
-                <a:solidFill>
-                  <a:srgbClr val="24292F"/>
-                </a:solidFill>
-                <a:effectLst/>
-                <a:latin typeface="ui-monospace"/>
-              </a:rPr>
-              <a:t>  </a:t>
             </a:r>
             <a:r>
               <a:rPr lang="en-US" b="0" i="0">
@@ -23082,6 +22676,26 @@
                 <a:effectLst/>
                 <a:latin typeface="ui-monospace"/>
               </a:rPr>
+              <a:t>a</a:t>
+            </a:r>
+            <a:r>
+              <a:rPr lang="en-US" b="0" i="0">
+                <a:solidFill>
+                  <a:srgbClr val="24292F"/>
+                </a:solidFill>
+                <a:effectLst/>
+                <a:latin typeface="ui-monospace"/>
+              </a:rPr>
+              <a:t>  </a:t>
+            </a:r>
+            <a:r>
+              <a:rPr lang="en-US" b="0" i="0">
+                <a:solidFill>
+                  <a:srgbClr val="FF0000"/>
+                </a:solidFill>
+                <a:effectLst/>
+                <a:latin typeface="ui-monospace"/>
+              </a:rPr>
               <a:t>b</a:t>
             </a:r>
             <a:r>
@@ -23092,55 +22706,18 @@
                 <a:effectLst/>
                 <a:latin typeface="ui-monospace"/>
               </a:rPr>
-              <a:t>  </a:t>
-            </a:r>
-            <a:r>
-              <a:rPr lang="en-US" b="0" i="0">
-                <a:effectLst/>
-                <a:latin typeface="ui-monospace"/>
-              </a:rPr>
-              <a:t>a</a:t>
-            </a:r>
-            <a:r>
-              <a:rPr lang="en-US" b="0" i="0">
+              <a:t>  a  a  c  d</a:t>
+            </a:r>
+          </a:p>
+          <a:p>
+            <a:r>
+              <a:rPr lang="en-US">
                 <a:solidFill>
                   <a:srgbClr val="24292F"/>
                 </a:solidFill>
-                <a:effectLst/>
-                <a:latin typeface="ui-monospace"/>
-              </a:rPr>
-              <a:t>  </a:t>
-            </a:r>
-            <a:r>
-              <a:rPr lang="en-US" b="0" i="0">
-                <a:solidFill>
-                  <a:srgbClr val="FF0000"/>
-                </a:solidFill>
-                <a:effectLst/>
-                <a:latin typeface="ui-monospace"/>
-              </a:rPr>
-              <a:t>a</a:t>
-            </a:r>
-            <a:r>
-              <a:rPr lang="en-US" b="0" i="0">
-                <a:solidFill>
-                  <a:srgbClr val="24292F"/>
-                </a:solidFill>
-                <a:effectLst/>
-                <a:latin typeface="ui-monospace"/>
-              </a:rPr>
-              <a:t>  c  d</a:t>
-            </a:r>
-          </a:p>
-          <a:p>
-            <a:r>
-              <a:rPr lang="en-US">
-                <a:solidFill>
-                  <a:srgbClr val="24292F"/>
-                </a:solidFill>
-                <a:latin typeface="ui-monospace"/>
-              </a:rPr>
-              <a:t>Table:				0  1  2  3  0  1  2</a:t>
+                <a:latin typeface="ui-monospace"/>
+              </a:rPr>
+              <a:t>Table:				0  1  2  3  0</a:t>
             </a:r>
           </a:p>
           <a:p>
@@ -23198,7 +22775,13 @@
                 </a:solidFill>
                 <a:latin typeface="ui-monospace"/>
               </a:rPr>
-              <a:t>Pattern [i] == Pattern [j] </a:t>
+              <a:t>Pattern [i] != Pattern [j] </a:t>
+            </a:r>
+            <a:r>
+              <a:rPr lang="en-US">
+                <a:latin typeface="ui-monospace"/>
+              </a:rPr>
+              <a:t>, xét i</a:t>
             </a:r>
             <a:r>
               <a:rPr lang="en-US">
@@ -23207,10 +22790,19 @@
                 </a:solidFill>
                 <a:latin typeface="ui-monospace"/>
               </a:rPr>
-              <a:t>nên :</a:t>
-            </a:r>
-          </a:p>
-          <a:p>
+              <a:t>:</a:t>
+            </a:r>
+          </a:p>
+          <a:p>
+            <a:r>
+              <a:rPr lang="en-US">
+                <a:solidFill>
+                  <a:srgbClr val="24292F"/>
+                </a:solidFill>
+                <a:latin typeface="ui-monospace"/>
+              </a:rPr>
+              <a:t>Vì </a:t>
+            </a:r>
             <a:r>
               <a:rPr lang="en-US">
                 <a:solidFill>
@@ -23218,10 +22810,17 @@
                 </a:solidFill>
                 <a:latin typeface="ui-monospace"/>
               </a:rPr>
-              <a:t>Table [ j ] = i + 1 = 2</a:t>
-            </a:r>
-          </a:p>
-          <a:p>
+              <a:t>i == 0 </a:t>
+            </a:r>
+            <a:r>
+              <a:rPr lang="en-US">
+                <a:solidFill>
+                  <a:srgbClr val="24292F"/>
+                </a:solidFill>
+                <a:latin typeface="ui-monospace"/>
+              </a:rPr>
+              <a:t>nên </a:t>
+            </a:r>
             <a:r>
               <a:rPr lang="en-US">
                 <a:solidFill>
@@ -23229,16 +22828,13 @@
                 </a:solidFill>
                 <a:latin typeface="ui-monospace"/>
               </a:rPr>
-              <a:t>i++ </a:t>
-            </a:r>
-            <a:r>
-              <a:rPr lang="en-US">
-                <a:solidFill>
-                  <a:srgbClr val="24292F"/>
-                </a:solidFill>
-                <a:latin typeface="ui-monospace"/>
-              </a:rPr>
-              <a:t>và </a:t>
+              <a:t>table [j] = 0 </a:t>
+            </a:r>
+            <a:r>
+              <a:rPr lang="en-US">
+                <a:latin typeface="ui-monospace"/>
+              </a:rPr>
+              <a:t>và</a:t>
             </a:r>
             <a:r>
               <a:rPr lang="en-US">
@@ -23247,8 +22843,13 @@
                 </a:solidFill>
                 <a:latin typeface="ui-monospace"/>
               </a:rPr>
-              <a:t>j++</a:t>
-            </a:r>
+              <a:t> j++</a:t>
+            </a:r>
+            <a:endParaRPr lang="en-US">
+              <a:solidFill>
+                <a:srgbClr val="FF0000"/>
+              </a:solidFill>
+            </a:endParaRPr>
           </a:p>
         </p:txBody>
       </p:sp>
@@ -23379,7 +22980,7 @@
     </p:spTree>
     <p:extLst>
       <p:ext uri="{BB962C8B-B14F-4D97-AF65-F5344CB8AC3E}">
-        <p14:creationId xmlns:p14="http://schemas.microsoft.com/office/powerpoint/2010/main" val="3465317850"/>
+        <p14:creationId xmlns:p14="http://schemas.microsoft.com/office/powerpoint/2010/main" val="627516013"/>
       </p:ext>
     </p:extLst>
   </p:cSld>
@@ -23741,7 +23342,7 @@
         <p:spPr/>
         <p:txBody>
           <a:bodyPr>
-            <a:normAutofit/>
+            <a:normAutofit lnSpcReduction="10000"/>
           </a:bodyPr>
           <a:lstStyle/>
           <a:p>
@@ -23763,7 +23364,7 @@
                 </a:solidFill>
                 <a:latin typeface="ui-monospace"/>
               </a:rPr>
-              <a:t>Index:			         i                   j</a:t>
+              <a:t>Index:			 i                   j</a:t>
             </a:r>
           </a:p>
           <a:p>
@@ -23775,13 +23376,23 @@
                 <a:latin typeface="ui-monospace"/>
               </a:rPr>
               <a:t>Pattern:			</a:t>
+            </a:r>
+            <a:r>
+              <a:rPr lang="en-US" b="0" i="0">
+                <a:solidFill>
+                  <a:srgbClr val="FF0000"/>
+                </a:solidFill>
+                <a:effectLst/>
+                <a:latin typeface="ui-monospace"/>
+              </a:rPr>
+              <a:t>a</a:t>
             </a:r>
             <a:r>
               <a:rPr lang="en-US" b="0" i="0">
                 <a:effectLst/>
                 <a:latin typeface="ui-monospace"/>
               </a:rPr>
-              <a:t>a </a:t>
+              <a:t> </a:t>
             </a:r>
             <a:r>
               <a:rPr lang="en-US" b="0" i="0">
@@ -23812,9 +23423,6 @@
             </a:r>
             <a:r>
               <a:rPr lang="en-US" b="0" i="0">
-                <a:solidFill>
-                  <a:srgbClr val="FF0000"/>
-                </a:solidFill>
                 <a:effectLst/>
                 <a:latin typeface="ui-monospace"/>
               </a:rPr>
@@ -23866,6 +23474,9 @@
             </a:r>
             <a:r>
               <a:rPr lang="en-US" b="0" i="0">
+                <a:solidFill>
+                  <a:srgbClr val="FF0000"/>
+                </a:solidFill>
                 <a:effectLst/>
                 <a:latin typeface="ui-monospace"/>
               </a:rPr>
@@ -23879,55 +23490,18 @@
                 <a:effectLst/>
                 <a:latin typeface="ui-monospace"/>
               </a:rPr>
-              <a:t>  </a:t>
-            </a:r>
-            <a:r>
-              <a:rPr lang="en-US" b="0" i="0">
-                <a:effectLst/>
-                <a:latin typeface="ui-monospace"/>
-              </a:rPr>
-              <a:t>a</a:t>
-            </a:r>
-            <a:r>
-              <a:rPr lang="en-US" b="0" i="0">
+              <a:t>  a  c  d</a:t>
+            </a:r>
+          </a:p>
+          <a:p>
+            <a:r>
+              <a:rPr lang="en-US">
                 <a:solidFill>
                   <a:srgbClr val="24292F"/>
                 </a:solidFill>
-                <a:effectLst/>
-                <a:latin typeface="ui-monospace"/>
-              </a:rPr>
-              <a:t>  </a:t>
-            </a:r>
-            <a:r>
-              <a:rPr lang="en-US" b="0" i="0">
-                <a:solidFill>
-                  <a:srgbClr val="FF0000"/>
-                </a:solidFill>
-                <a:effectLst/>
-                <a:latin typeface="ui-monospace"/>
-              </a:rPr>
-              <a:t>c</a:t>
-            </a:r>
-            <a:r>
-              <a:rPr lang="en-US" b="0" i="0">
-                <a:solidFill>
-                  <a:srgbClr val="24292F"/>
-                </a:solidFill>
-                <a:effectLst/>
-                <a:latin typeface="ui-monospace"/>
-              </a:rPr>
-              <a:t>  d</a:t>
-            </a:r>
-          </a:p>
-          <a:p>
-            <a:r>
-              <a:rPr lang="en-US">
-                <a:solidFill>
-                  <a:srgbClr val="24292F"/>
-                </a:solidFill>
-                <a:latin typeface="ui-monospace"/>
-              </a:rPr>
-              <a:t>Table:				0  1  2  3  0  1  2</a:t>
+                <a:latin typeface="ui-monospace"/>
+              </a:rPr>
+              <a:t>Table:				0  1  2  3  0  1</a:t>
             </a:r>
           </a:p>
           <a:p>
@@ -23985,13 +23559,7 @@
                 </a:solidFill>
                 <a:latin typeface="ui-monospace"/>
               </a:rPr>
-              <a:t>Pattern [i] != Pattern [j] </a:t>
-            </a:r>
-            <a:r>
-              <a:rPr lang="en-US">
-                <a:latin typeface="ui-monospace"/>
-              </a:rPr>
-              <a:t>, xét i</a:t>
+              <a:t>Pattern [i] == Pattern [j] </a:t>
             </a:r>
             <a:r>
               <a:rPr lang="en-US">
@@ -24000,10 +23568,30 @@
                 </a:solidFill>
                 <a:latin typeface="ui-monospace"/>
               </a:rPr>
-              <a:t>:</a:t>
-            </a:r>
-          </a:p>
-          <a:p>
+              <a:t>nên :</a:t>
+            </a:r>
+          </a:p>
+          <a:p>
+            <a:r>
+              <a:rPr lang="en-US">
+                <a:solidFill>
+                  <a:srgbClr val="FF0000"/>
+                </a:solidFill>
+                <a:latin typeface="ui-monospace"/>
+              </a:rPr>
+              <a:t>Table [ j ] = i + 1 = 1</a:t>
+            </a:r>
+          </a:p>
+          <a:p>
+            <a:r>
+              <a:rPr lang="en-US">
+                <a:solidFill>
+                  <a:srgbClr val="FF0000"/>
+                </a:solidFill>
+                <a:latin typeface="ui-monospace"/>
+              </a:rPr>
+              <a:t>i++ </a:t>
+            </a:r>
             <a:r>
               <a:rPr lang="en-US">
                 <a:solidFill>
@@ -24011,7 +23599,7 @@
                 </a:solidFill>
                 <a:latin typeface="ui-monospace"/>
               </a:rPr>
-              <a:t>Vì </a:t>
+              <a:t>và </a:t>
             </a:r>
             <a:r>
               <a:rPr lang="en-US">
@@ -24020,18 +23608,8 @@
                 </a:solidFill>
                 <a:latin typeface="ui-monospace"/>
               </a:rPr>
-              <a:t>i != 0 </a:t>
-            </a:r>
-            <a:r>
-              <a:rPr lang="en-US">
-                <a:solidFill>
-                  <a:srgbClr val="24292F"/>
-                </a:solidFill>
-                <a:latin typeface="ui-monospace"/>
-              </a:rPr>
-              <a:t>nên i = table [i-1] = table [2 - 1] = table [1] = 1;</a:t>
-            </a:r>
-            <a:endParaRPr lang="en-US"/>
+              <a:t>j++</a:t>
+            </a:r>
           </a:p>
         </p:txBody>
       </p:sp>
@@ -24162,7 +23740,7 @@
     </p:spTree>
     <p:extLst>
       <p:ext uri="{BB962C8B-B14F-4D97-AF65-F5344CB8AC3E}">
-        <p14:creationId xmlns:p14="http://schemas.microsoft.com/office/powerpoint/2010/main" val="2337802403"/>
+        <p14:creationId xmlns:p14="http://schemas.microsoft.com/office/powerpoint/2010/main" val="2983109389"/>
       </p:ext>
     </p:extLst>
   </p:cSld>
@@ -24208,7 +23786,7 @@
         <p:spPr/>
         <p:txBody>
           <a:bodyPr>
-            <a:normAutofit/>
+            <a:normAutofit lnSpcReduction="10000"/>
           </a:bodyPr>
           <a:lstStyle/>
           <a:p>
@@ -24230,7 +23808,7 @@
                 </a:solidFill>
                 <a:latin typeface="ui-monospace"/>
               </a:rPr>
-              <a:t>Index:			     i                       j</a:t>
+              <a:t>Index:			     i                   j</a:t>
             </a:r>
           </a:p>
           <a:p>
@@ -24350,6 +23928,9 @@
             </a:r>
             <a:r>
               <a:rPr lang="en-US" b="0" i="0">
+                <a:solidFill>
+                  <a:srgbClr val="FF0000"/>
+                </a:solidFill>
                 <a:effectLst/>
                 <a:latin typeface="ui-monospace"/>
               </a:rPr>
@@ -24363,27 +23944,7 @@
                 <a:effectLst/>
                 <a:latin typeface="ui-monospace"/>
               </a:rPr>
-              <a:t>  </a:t>
-            </a:r>
-            <a:r>
-              <a:rPr lang="en-US" b="0" i="0">
-                <a:solidFill>
-                  <a:srgbClr val="FF0000"/>
-                </a:solidFill>
-                <a:effectLst/>
-                <a:latin typeface="ui-monospace"/>
-              </a:rPr>
-              <a:t>c</a:t>
-            </a:r>
-            <a:r>
-              <a:rPr lang="en-US" b="0" i="0">
-                <a:solidFill>
-                  <a:srgbClr val="24292F"/>
-                </a:solidFill>
-                <a:effectLst/>
-                <a:latin typeface="ui-monospace"/>
-              </a:rPr>
-              <a:t>  d</a:t>
+              <a:t>  c  d</a:t>
             </a:r>
           </a:p>
           <a:p>
@@ -24452,13 +24013,7 @@
                 </a:solidFill>
                 <a:latin typeface="ui-monospace"/>
               </a:rPr>
-              <a:t>Pattern [i] != Pattern [j] </a:t>
-            </a:r>
-            <a:r>
-              <a:rPr lang="en-US">
-                <a:latin typeface="ui-monospace"/>
-              </a:rPr>
-              <a:t>, xét i</a:t>
+              <a:t>Pattern [i] == Pattern [j] </a:t>
             </a:r>
             <a:r>
               <a:rPr lang="en-US">
@@ -24467,10 +24022,30 @@
                 </a:solidFill>
                 <a:latin typeface="ui-monospace"/>
               </a:rPr>
-              <a:t>:</a:t>
-            </a:r>
-          </a:p>
-          <a:p>
+              <a:t>nên :</a:t>
+            </a:r>
+          </a:p>
+          <a:p>
+            <a:r>
+              <a:rPr lang="en-US">
+                <a:solidFill>
+                  <a:srgbClr val="FF0000"/>
+                </a:solidFill>
+                <a:latin typeface="ui-monospace"/>
+              </a:rPr>
+              <a:t>Table [ j ] = i + 1 = 2</a:t>
+            </a:r>
+          </a:p>
+          <a:p>
+            <a:r>
+              <a:rPr lang="en-US">
+                <a:solidFill>
+                  <a:srgbClr val="FF0000"/>
+                </a:solidFill>
+                <a:latin typeface="ui-monospace"/>
+              </a:rPr>
+              <a:t>i++ </a:t>
+            </a:r>
             <a:r>
               <a:rPr lang="en-US">
                 <a:solidFill>
@@ -24478,7 +24053,7 @@
                 </a:solidFill>
                 <a:latin typeface="ui-monospace"/>
               </a:rPr>
-              <a:t>Vì </a:t>
+              <a:t>và </a:t>
             </a:r>
             <a:r>
               <a:rPr lang="en-US">
@@ -24487,18 +24062,8 @@
                 </a:solidFill>
                 <a:latin typeface="ui-monospace"/>
               </a:rPr>
-              <a:t>i != 0 </a:t>
-            </a:r>
-            <a:r>
-              <a:rPr lang="en-US">
-                <a:solidFill>
-                  <a:srgbClr val="24292F"/>
-                </a:solidFill>
-                <a:latin typeface="ui-monospace"/>
-              </a:rPr>
-              <a:t>nên i = table [i-1] = table [1 - 1] = table [0] = 0;</a:t>
-            </a:r>
-            <a:endParaRPr lang="en-US"/>
+              <a:t>j++</a:t>
+            </a:r>
           </a:p>
         </p:txBody>
       </p:sp>
@@ -24629,7 +24194,7 @@
     </p:spTree>
     <p:extLst>
       <p:ext uri="{BB962C8B-B14F-4D97-AF65-F5344CB8AC3E}">
-        <p14:creationId xmlns:p14="http://schemas.microsoft.com/office/powerpoint/2010/main" val="616107724"/>
+        <p14:creationId xmlns:p14="http://schemas.microsoft.com/office/powerpoint/2010/main" val="3465317850"/>
       </p:ext>
     </p:extLst>
   </p:cSld>
@@ -24697,7 +24262,7 @@
                 </a:solidFill>
                 <a:latin typeface="ui-monospace"/>
               </a:rPr>
-              <a:t>Index:			 i                           j</a:t>
+              <a:t>Index:			         i                   j</a:t>
             </a:r>
           </a:p>
           <a:p>
@@ -24709,23 +24274,13 @@
                 <a:latin typeface="ui-monospace"/>
               </a:rPr>
               <a:t>Pattern:			</a:t>
-            </a:r>
-            <a:r>
-              <a:rPr lang="en-US" b="0" i="0">
-                <a:solidFill>
-                  <a:srgbClr val="FF0000"/>
-                </a:solidFill>
-                <a:effectLst/>
-                <a:latin typeface="ui-monospace"/>
-              </a:rPr>
-              <a:t>a</a:t>
             </a:r>
             <a:r>
               <a:rPr lang="en-US" b="0" i="0">
                 <a:effectLst/>
                 <a:latin typeface="ui-monospace"/>
               </a:rPr>
-              <a:t> </a:t>
+              <a:t>a </a:t>
             </a:r>
             <a:r>
               <a:rPr lang="en-US" b="0" i="0">
@@ -24756,6 +24311,9 @@
             </a:r>
             <a:r>
               <a:rPr lang="en-US" b="0" i="0">
+                <a:solidFill>
+                  <a:srgbClr val="FF0000"/>
+                </a:solidFill>
                 <a:effectLst/>
                 <a:latin typeface="ui-monospace"/>
               </a:rPr>
@@ -24868,7 +24426,7 @@
                 </a:solidFill>
                 <a:latin typeface="ui-monospace"/>
               </a:rPr>
-              <a:t>Table:				0  1  2  3  0  1  2  0</a:t>
+              <a:t>Table:				0  1  2  3  0  1  2</a:t>
             </a:r>
           </a:p>
           <a:p>
@@ -24961,7 +24519,7 @@
                 </a:solidFill>
                 <a:latin typeface="ui-monospace"/>
               </a:rPr>
-              <a:t>i == 0 </a:t>
+              <a:t>i != 0 </a:t>
             </a:r>
             <a:r>
               <a:rPr lang="en-US">
@@ -24970,40 +24528,9 @@
                 </a:solidFill>
                 <a:latin typeface="ui-monospace"/>
               </a:rPr>
-              <a:t>nên </a:t>
-            </a:r>
-            <a:r>
-              <a:rPr lang="en-US">
-                <a:solidFill>
-                  <a:srgbClr val="FF0000"/>
-                </a:solidFill>
-                <a:latin typeface="ui-monospace"/>
-              </a:rPr>
-              <a:t>table [ j ] = 0 </a:t>
-            </a:r>
-            <a:r>
-              <a:rPr lang="en-US">
-                <a:solidFill>
-                  <a:srgbClr val="24292F"/>
-                </a:solidFill>
-                <a:latin typeface="ui-monospace"/>
-              </a:rPr>
-              <a:t>và </a:t>
-            </a:r>
-            <a:r>
-              <a:rPr lang="en-US">
-                <a:solidFill>
-                  <a:srgbClr val="FF0000"/>
-                </a:solidFill>
-                <a:latin typeface="ui-monospace"/>
-              </a:rPr>
-              <a:t>j++</a:t>
-            </a:r>
-            <a:endParaRPr lang="en-US">
-              <a:solidFill>
-                <a:srgbClr val="FF0000"/>
-              </a:solidFill>
-            </a:endParaRPr>
+              <a:t>nên i = table [i-1] = table [2 - 1] = table [1] = 1;</a:t>
+            </a:r>
+            <a:endParaRPr lang="en-US"/>
           </a:p>
         </p:txBody>
       </p:sp>
@@ -25134,7 +24661,7 @@
     </p:spTree>
     <p:extLst>
       <p:ext uri="{BB962C8B-B14F-4D97-AF65-F5344CB8AC3E}">
-        <p14:creationId xmlns:p14="http://schemas.microsoft.com/office/powerpoint/2010/main" val="2611726902"/>
+        <p14:creationId xmlns:p14="http://schemas.microsoft.com/office/powerpoint/2010/main" val="2337802403"/>
       </p:ext>
     </p:extLst>
   </p:cSld>
@@ -25202,7 +24729,7 @@
                 </a:solidFill>
                 <a:latin typeface="ui-monospace"/>
               </a:rPr>
-              <a:t>Index:			 i                                j</a:t>
+              <a:t>Index:			     i                       j</a:t>
             </a:r>
           </a:p>
           <a:p>
@@ -25214,33 +24741,43 @@
                 <a:latin typeface="ui-monospace"/>
               </a:rPr>
               <a:t>Pattern:			</a:t>
-            </a:r>
-            <a:r>
-              <a:rPr lang="en-US" b="0" i="0">
-                <a:solidFill>
-                  <a:srgbClr val="FF0000"/>
-                </a:solidFill>
-                <a:effectLst/>
-                <a:latin typeface="ui-monospace"/>
-              </a:rPr>
-              <a:t>a</a:t>
             </a:r>
             <a:r>
               <a:rPr lang="en-US" b="0" i="0">
                 <a:effectLst/>
                 <a:latin typeface="ui-monospace"/>
               </a:rPr>
+              <a:t>a </a:t>
+            </a:r>
+            <a:r>
+              <a:rPr lang="en-US" b="0" i="0">
+                <a:solidFill>
+                  <a:srgbClr val="24292F"/>
+                </a:solidFill>
+                <a:effectLst/>
+                <a:latin typeface="ui-monospace"/>
+              </a:rPr>
               <a:t> </a:t>
             </a:r>
             <a:r>
               <a:rPr lang="en-US" b="0" i="0">
                 <a:solidFill>
+                  <a:srgbClr val="FF0000"/>
+                </a:solidFill>
+                <a:effectLst/>
+                <a:latin typeface="ui-monospace"/>
+              </a:rPr>
+              <a:t>a</a:t>
+            </a:r>
+            <a:r>
+              <a:rPr lang="en-US" b="0" i="0">
+                <a:solidFill>
                   <a:srgbClr val="24292F"/>
                 </a:solidFill>
                 <a:effectLst/>
                 <a:latin typeface="ui-monospace"/>
               </a:rPr>
-              <a:t> </a:t>
+              <a:t>  </a:t>
             </a:r>
             <a:r>
               <a:rPr lang="en-US" b="0" i="0">
@@ -25281,7 +24818,7 @@
                 <a:effectLst/>
                 <a:latin typeface="ui-monospace"/>
               </a:rPr>
-              <a:t>a</a:t>
+              <a:t>b</a:t>
             </a:r>
             <a:r>
               <a:rPr lang="en-US" b="0" i="0">
@@ -25298,7 +24835,7 @@
                 <a:effectLst/>
                 <a:latin typeface="ui-monospace"/>
               </a:rPr>
-              <a:t>b</a:t>
+              <a:t>a</a:t>
             </a:r>
             <a:r>
               <a:rPr lang="en-US" b="0" i="0">
@@ -25329,10 +24866,13 @@
             </a:r>
             <a:r>
               <a:rPr lang="en-US" b="0" i="0">
+                <a:solidFill>
+                  <a:srgbClr val="FF0000"/>
+                </a:solidFill>
                 <a:effectLst/>
                 <a:latin typeface="ui-monospace"/>
               </a:rPr>
-              <a:t>a</a:t>
+              <a:t>c</a:t>
             </a:r>
             <a:r>
               <a:rPr lang="en-US" b="0" i="0">
@@ -25342,45 +24882,18 @@
                 <a:effectLst/>
                 <a:latin typeface="ui-monospace"/>
               </a:rPr>
-              <a:t>  </a:t>
-            </a:r>
-            <a:r>
-              <a:rPr lang="en-US" b="0" i="0">
-                <a:effectLst/>
-                <a:latin typeface="ui-monospace"/>
-              </a:rPr>
-              <a:t>c</a:t>
-            </a:r>
-            <a:r>
-              <a:rPr lang="en-US" b="0" i="0">
+              <a:t>  d</a:t>
+            </a:r>
+          </a:p>
+          <a:p>
+            <a:r>
+              <a:rPr lang="en-US">
                 <a:solidFill>
                   <a:srgbClr val="24292F"/>
                 </a:solidFill>
-                <a:effectLst/>
-                <a:latin typeface="ui-monospace"/>
-              </a:rPr>
-              <a:t>  </a:t>
-            </a:r>
-            <a:r>
-              <a:rPr lang="en-US" b="0" i="0">
-                <a:solidFill>
-                  <a:srgbClr val="FF0000"/>
-                </a:solidFill>
-                <a:effectLst/>
-                <a:latin typeface="ui-monospace"/>
-              </a:rPr>
-              <a:t>d</a:t>
-            </a:r>
-          </a:p>
-          <a:p>
-            <a:r>
-              <a:rPr lang="en-US">
-                <a:solidFill>
-                  <a:srgbClr val="24292F"/>
-                </a:solidFill>
-                <a:latin typeface="ui-monospace"/>
-              </a:rPr>
-              <a:t>Table:				0  1  2  3  0  1  2  0  0</a:t>
+                <a:latin typeface="ui-monospace"/>
+              </a:rPr>
+              <a:t>Table:				0  1  2  3  0  1  2</a:t>
             </a:r>
           </a:p>
           <a:p>
@@ -25473,7 +24986,7 @@
                 </a:solidFill>
                 <a:latin typeface="ui-monospace"/>
               </a:rPr>
-              <a:t>i == 0 </a:t>
+              <a:t>i != 0 </a:t>
             </a:r>
             <a:r>
               <a:rPr lang="en-US">
@@ -25482,40 +24995,7 @@
                 </a:solidFill>
                 <a:latin typeface="ui-monospace"/>
               </a:rPr>
-              <a:t>nên </a:t>
-            </a:r>
-            <a:r>
-              <a:rPr lang="en-US">
-                <a:solidFill>
-                  <a:srgbClr val="FF0000"/>
-                </a:solidFill>
-                <a:latin typeface="ui-monospace"/>
-              </a:rPr>
-              <a:t>table [ j ] = 0 </a:t>
-            </a:r>
-            <a:r>
-              <a:rPr lang="en-US">
-                <a:solidFill>
-                  <a:srgbClr val="24292F"/>
-                </a:solidFill>
-                <a:latin typeface="ui-monospace"/>
-              </a:rPr>
-              <a:t>và </a:t>
-            </a:r>
-            <a:r>
-              <a:rPr lang="en-US">
-                <a:solidFill>
-                  <a:srgbClr val="FF0000"/>
-                </a:solidFill>
-                <a:latin typeface="ui-monospace"/>
-              </a:rPr>
-              <a:t>j++.   </a:t>
-            </a:r>
-            <a:r>
-              <a:rPr lang="en-US">
-                <a:latin typeface="ui-monospace"/>
-              </a:rPr>
-              <a:t>Kết thúc</a:t>
+              <a:t>nên i = table [i-1] = table [1 - 1] = table [0] = 0;</a:t>
             </a:r>
             <a:endParaRPr lang="en-US"/>
           </a:p>
@@ -25648,7 +25128,7 @@
     </p:spTree>
     <p:extLst>
       <p:ext uri="{BB962C8B-B14F-4D97-AF65-F5344CB8AC3E}">
-        <p14:creationId xmlns:p14="http://schemas.microsoft.com/office/powerpoint/2010/main" val="3345029177"/>
+        <p14:creationId xmlns:p14="http://schemas.microsoft.com/office/powerpoint/2010/main" val="616107724"/>
       </p:ext>
     </p:extLst>
   </p:cSld>
@@ -25680,7 +25160,7 @@
           <p:cNvPr id="2" name="Text Placeholder 1">
             <a:extLst>
               <a:ext uri="{FF2B5EF4-FFF2-40B4-BE49-F238E27FC236}">
-                <a16:creationId xmlns:a16="http://schemas.microsoft.com/office/drawing/2014/main" id="{2FE4DE6D-C7C3-CAFE-363D-570470AE854B}"/>
+                <a16:creationId xmlns:a16="http://schemas.microsoft.com/office/drawing/2014/main" id="{DECCFCB2-3C7D-2F47-B231-5C5C3AFBF3DD}"/>
               </a:ext>
             </a:extLst>
           </p:cNvPr>
@@ -25693,9 +25173,14 @@
         </p:nvSpPr>
         <p:spPr/>
         <p:txBody>
-          <a:bodyPr/>
-          <a:lstStyle/>
-          <a:p>
+          <a:bodyPr>
+            <a:normAutofit/>
+          </a:bodyPr>
+          <a:lstStyle/>
+          <a:p>
+            <a:pPr marL="0" indent="0">
+              <a:buNone/>
+            </a:pPr>
             <a:endParaRPr lang="en-US">
               <a:solidFill>
                 <a:srgbClr val="24292F"/>
@@ -25711,7 +25196,7 @@
                 </a:solidFill>
                 <a:latin typeface="ui-monospace"/>
               </a:rPr>
-              <a:t>Index:			i    </a:t>
+              <a:t>Index:			 i                           j</a:t>
             </a:r>
           </a:p>
           <a:p>
@@ -25732,6 +25217,81 @@
                 <a:effectLst/>
                 <a:latin typeface="ui-monospace"/>
               </a:rPr>
+              <a:t>a</a:t>
+            </a:r>
+            <a:r>
+              <a:rPr lang="en-US" b="0" i="0">
+                <a:effectLst/>
+                <a:latin typeface="ui-monospace"/>
+              </a:rPr>
+              <a:t> </a:t>
+            </a:r>
+            <a:r>
+              <a:rPr lang="en-US" b="0" i="0">
+                <a:solidFill>
+                  <a:srgbClr val="24292F"/>
+                </a:solidFill>
+                <a:effectLst/>
+                <a:latin typeface="ui-monospace"/>
+              </a:rPr>
+              <a:t> </a:t>
+            </a:r>
+            <a:r>
+              <a:rPr lang="en-US" b="0" i="0">
+                <a:effectLst/>
+                <a:latin typeface="ui-monospace"/>
+              </a:rPr>
+              <a:t>a</a:t>
+            </a:r>
+            <a:r>
+              <a:rPr lang="en-US" b="0" i="0">
+                <a:solidFill>
+                  <a:srgbClr val="24292F"/>
+                </a:solidFill>
+                <a:effectLst/>
+                <a:latin typeface="ui-monospace"/>
+              </a:rPr>
+              <a:t>  </a:t>
+            </a:r>
+            <a:r>
+              <a:rPr lang="en-US" b="0" i="0">
+                <a:effectLst/>
+                <a:latin typeface="ui-monospace"/>
+              </a:rPr>
+              <a:t>a</a:t>
+            </a:r>
+            <a:r>
+              <a:rPr lang="en-US" b="0" i="0">
+                <a:solidFill>
+                  <a:srgbClr val="24292F"/>
+                </a:solidFill>
+                <a:effectLst/>
+                <a:latin typeface="ui-monospace"/>
+              </a:rPr>
+              <a:t>  </a:t>
+            </a:r>
+            <a:r>
+              <a:rPr lang="en-US" b="0" i="0">
+                <a:effectLst/>
+                <a:latin typeface="ui-monospace"/>
+              </a:rPr>
+              <a:t>a</a:t>
+            </a:r>
+            <a:r>
+              <a:rPr lang="en-US" b="0" i="0">
+                <a:solidFill>
+                  <a:srgbClr val="24292F"/>
+                </a:solidFill>
+                <a:effectLst/>
+                <a:latin typeface="ui-monospace"/>
+              </a:rPr>
+              <a:t>  </a:t>
+            </a:r>
+            <a:r>
+              <a:rPr lang="en-US" b="0" i="0">
+                <a:effectLst/>
+                <a:latin typeface="ui-monospace"/>
+              </a:rPr>
               <a:t>b</a:t>
             </a:r>
             <a:r>
@@ -25742,29 +25302,83 @@
                 <a:effectLst/>
                 <a:latin typeface="ui-monospace"/>
               </a:rPr>
-              <a:t>  c  e  e  b  c  a  d  e  e</a:t>
-            </a:r>
-          </a:p>
-          <a:p>
-            <a:r>
-              <a:rPr lang="en-US">
+              <a:t>  </a:t>
+            </a:r>
+            <a:r>
+              <a:rPr lang="en-US" b="0" i="0">
+                <a:effectLst/>
+                <a:latin typeface="ui-monospace"/>
+              </a:rPr>
+              <a:t>a</a:t>
+            </a:r>
+            <a:r>
+              <a:rPr lang="en-US" b="0" i="0">
                 <a:solidFill>
                   <a:srgbClr val="24292F"/>
                 </a:solidFill>
-                <a:latin typeface="ui-monospace"/>
-              </a:rPr>
-              <a:t>Table:				0</a:t>
-            </a:r>
-          </a:p>
-          <a:p>
-            <a:r>
-              <a:rPr lang="en-US">
+                <a:effectLst/>
+                <a:latin typeface="ui-monospace"/>
+              </a:rPr>
+              <a:t>  </a:t>
+            </a:r>
+            <a:r>
+              <a:rPr lang="en-US" b="0" i="0">
+                <a:effectLst/>
+                <a:latin typeface="ui-monospace"/>
+              </a:rPr>
+              <a:t>a</a:t>
+            </a:r>
+            <a:r>
+              <a:rPr lang="en-US" b="0" i="0">
                 <a:solidFill>
                   <a:srgbClr val="24292F"/>
                 </a:solidFill>
-                <a:latin typeface="ui-monospace"/>
-              </a:rPr>
-              <a:t>Index of Table:		</a:t>
+                <a:effectLst/>
+                <a:latin typeface="ui-monospace"/>
+              </a:rPr>
+              <a:t>  </a:t>
+            </a:r>
+            <a:r>
+              <a:rPr lang="en-US" b="0" i="0">
+                <a:solidFill>
+                  <a:srgbClr val="FF0000"/>
+                </a:solidFill>
+                <a:effectLst/>
+                <a:latin typeface="ui-monospace"/>
+              </a:rPr>
+              <a:t>c</a:t>
+            </a:r>
+            <a:r>
+              <a:rPr lang="en-US" b="0" i="0">
+                <a:solidFill>
+                  <a:srgbClr val="24292F"/>
+                </a:solidFill>
+                <a:effectLst/>
+                <a:latin typeface="ui-monospace"/>
+              </a:rPr>
+              <a:t>  d</a:t>
+            </a:r>
+          </a:p>
+          <a:p>
+            <a:r>
+              <a:rPr lang="en-US">
+                <a:solidFill>
+                  <a:srgbClr val="24292F"/>
+                </a:solidFill>
+                <a:latin typeface="ui-monospace"/>
+              </a:rPr>
+              <a:t>Table:				0  1  2  3  0  1  2  0</a:t>
+            </a:r>
+          </a:p>
+          <a:p>
+            <a:r>
+              <a:rPr lang="en-US">
+                <a:solidFill>
+                  <a:srgbClr val="24292F"/>
+                </a:solidFill>
+                <a:latin typeface="ui-monospace"/>
+              </a:rPr>
+              <a:t>Index of Table:	              </a:t>
             </a:r>
             <a:r>
               <a:rPr lang="en-US">
@@ -25775,12 +25389,120 @@
                 </a:solidFill>
                 <a:latin typeface="ui-monospace"/>
               </a:rPr>
-              <a:t>0  1  2  3  4  5  6  7  8  9</a:t>
-            </a:r>
-            <a:endParaRPr lang="en-US"/>
-          </a:p>
-          <a:p>
-            <a:endParaRPr lang="en-US"/>
+              <a:t>0  1  2  3  4  5  6  7  8</a:t>
+            </a:r>
+          </a:p>
+          <a:p>
+            <a:endParaRPr lang="en-US">
+              <a:solidFill>
+                <a:srgbClr val="24292F"/>
+              </a:solidFill>
+              <a:latin typeface="ui-monospace"/>
+            </a:endParaRPr>
+          </a:p>
+          <a:p>
+            <a:endParaRPr lang="en-US">
+              <a:solidFill>
+                <a:srgbClr val="24292F"/>
+              </a:solidFill>
+              <a:latin typeface="ui-monospace"/>
+            </a:endParaRPr>
+          </a:p>
+          <a:p>
+            <a:r>
+              <a:rPr lang="en-US">
+                <a:solidFill>
+                  <a:srgbClr val="24292F"/>
+                </a:solidFill>
+                <a:latin typeface="ui-monospace"/>
+              </a:rPr>
+              <a:t>Vì </a:t>
+            </a:r>
+            <a:r>
+              <a:rPr lang="en-US">
+                <a:solidFill>
+                  <a:srgbClr val="FF0000"/>
+                </a:solidFill>
+                <a:latin typeface="ui-monospace"/>
+              </a:rPr>
+              <a:t>Pattern [i] != Pattern [j] </a:t>
+            </a:r>
+            <a:r>
+              <a:rPr lang="en-US">
+                <a:latin typeface="ui-monospace"/>
+              </a:rPr>
+              <a:t>, xét i</a:t>
+            </a:r>
+            <a:r>
+              <a:rPr lang="en-US">
+                <a:solidFill>
+                  <a:srgbClr val="24292F"/>
+                </a:solidFill>
+                <a:latin typeface="ui-monospace"/>
+              </a:rPr>
+              <a:t>:</a:t>
+            </a:r>
+          </a:p>
+          <a:p>
+            <a:r>
+              <a:rPr lang="en-US">
+                <a:solidFill>
+                  <a:srgbClr val="24292F"/>
+                </a:solidFill>
+                <a:latin typeface="ui-monospace"/>
+              </a:rPr>
+              <a:t>Vì </a:t>
+            </a:r>
+            <a:r>
+              <a:rPr lang="en-US">
+                <a:solidFill>
+                  <a:srgbClr val="FF0000"/>
+                </a:solidFill>
+                <a:latin typeface="ui-monospace"/>
+              </a:rPr>
+              <a:t>i == 0 </a:t>
+            </a:r>
+            <a:r>
+              <a:rPr lang="en-US">
+                <a:solidFill>
+                  <a:srgbClr val="24292F"/>
+                </a:solidFill>
+                <a:latin typeface="ui-monospace"/>
+              </a:rPr>
+              <a:t>nên </a:t>
+            </a:r>
+            <a:r>
+              <a:rPr lang="en-US">
+                <a:solidFill>
+                  <a:srgbClr val="FF0000"/>
+                </a:solidFill>
+                <a:latin typeface="ui-monospace"/>
+              </a:rPr>
+              <a:t>table [ j ] = 0 </a:t>
+            </a:r>
+            <a:r>
+              <a:rPr lang="en-US">
+                <a:solidFill>
+                  <a:srgbClr val="24292F"/>
+                </a:solidFill>
+                <a:latin typeface="ui-monospace"/>
+              </a:rPr>
+              <a:t>và </a:t>
+            </a:r>
+            <a:r>
+              <a:rPr lang="en-US">
+                <a:solidFill>
+                  <a:srgbClr val="FF0000"/>
+                </a:solidFill>
+                <a:latin typeface="ui-monospace"/>
+              </a:rPr>
+              <a:t>j++</a:t>
+            </a:r>
+            <a:endParaRPr lang="en-US">
+              <a:solidFill>
+                <a:srgbClr val="FF0000"/>
+              </a:solidFill>
+            </a:endParaRPr>
           </a:p>
         </p:txBody>
       </p:sp>
@@ -25789,7 +25511,7 @@
           <p:cNvPr id="3" name="Slide Number Placeholder 2">
             <a:extLst>
               <a:ext uri="{FF2B5EF4-FFF2-40B4-BE49-F238E27FC236}">
-                <a16:creationId xmlns:a16="http://schemas.microsoft.com/office/drawing/2014/main" id="{9D4E181B-A753-B316-955B-F4876790B18B}"/>
+                <a16:creationId xmlns:a16="http://schemas.microsoft.com/office/drawing/2014/main" id="{A4B06411-EE63-D346-9F05-B1E2F7CB38B2}"/>
               </a:ext>
             </a:extLst>
           </p:cNvPr>
@@ -25822,7 +25544,7 @@
           <p:cNvPr id="4" name="Title 3">
             <a:extLst>
               <a:ext uri="{FF2B5EF4-FFF2-40B4-BE49-F238E27FC236}">
-                <a16:creationId xmlns:a16="http://schemas.microsoft.com/office/drawing/2014/main" id="{65894EF2-3620-EA63-CC72-7D2D22BE7B84}"/>
+                <a16:creationId xmlns:a16="http://schemas.microsoft.com/office/drawing/2014/main" id="{B4900F60-7C0D-8B48-910B-EB4B5D459E2B}"/>
               </a:ext>
             </a:extLst>
           </p:cNvPr>
@@ -25847,40 +25569,10 @@
       </p:sp>
       <p:sp>
         <p:nvSpPr>
-          <p:cNvPr id="5" name="Text Placeholder 4">
-            <a:extLst>
-              <a:ext uri="{FF2B5EF4-FFF2-40B4-BE49-F238E27FC236}">
-                <a16:creationId xmlns:a16="http://schemas.microsoft.com/office/drawing/2014/main" id="{A8FF5749-99F5-B417-F0C3-BA41B2F0AA39}"/>
-              </a:ext>
-            </a:extLst>
-          </p:cNvPr>
-          <p:cNvSpPr>
-            <a:spLocks noGrp="1"/>
-          </p:cNvSpPr>
-          <p:nvPr>
-            <p:ph type="body" sz="quarter" idx="15"/>
-          </p:nvPr>
-        </p:nvSpPr>
-        <p:spPr/>
-        <p:txBody>
-          <a:bodyPr>
-            <a:normAutofit fontScale="85000" lnSpcReduction="20000"/>
-          </a:bodyPr>
-          <a:lstStyle/>
-          <a:p>
-            <a:r>
-              <a:rPr lang="en-US"/>
-              <a:t>Câu 1.2</a:t>
-            </a:r>
-          </a:p>
-        </p:txBody>
-      </p:sp>
-      <p:sp>
-        <p:nvSpPr>
           <p:cNvPr id="8" name="TextBox 7">
             <a:extLst>
               <a:ext uri="{FF2B5EF4-FFF2-40B4-BE49-F238E27FC236}">
-                <a16:creationId xmlns:a16="http://schemas.microsoft.com/office/drawing/2014/main" id="{804A0353-A2CD-DD5B-8D19-1B44EAB208F5}"/>
+                <a16:creationId xmlns:a16="http://schemas.microsoft.com/office/drawing/2014/main" id="{4EF991D4-3210-6D74-22D0-D30FD808EFC4}"/>
               </a:ext>
             </a:extLst>
           </p:cNvPr>
@@ -25911,10 +25603,37 @@
           </a:p>
         </p:txBody>
       </p:sp>
+      <p:sp>
+        <p:nvSpPr>
+          <p:cNvPr id="7" name="Chỗ dành sẵn cho Văn bản 6">
+            <a:extLst>
+              <a:ext uri="{FF2B5EF4-FFF2-40B4-BE49-F238E27FC236}">
+                <a16:creationId xmlns:a16="http://schemas.microsoft.com/office/drawing/2014/main" id="{76A9151B-6189-75A3-9C34-DCB45DA7E3CA}"/>
+              </a:ext>
+            </a:extLst>
+          </p:cNvPr>
+          <p:cNvSpPr>
+            <a:spLocks noGrp="1"/>
+          </p:cNvSpPr>
+          <p:nvPr>
+            <p:ph type="body" sz="quarter" idx="15"/>
+          </p:nvPr>
+        </p:nvSpPr>
+        <p:spPr/>
+        <p:txBody>
+          <a:bodyPr>
+            <a:normAutofit fontScale="85000" lnSpcReduction="20000"/>
+          </a:bodyPr>
+          <a:lstStyle/>
+          <a:p>
+            <a:endParaRPr lang="en-US"/>
+          </a:p>
+        </p:txBody>
+      </p:sp>
     </p:spTree>
     <p:extLst>
       <p:ext uri="{BB962C8B-B14F-4D97-AF65-F5344CB8AC3E}">
-        <p14:creationId xmlns:p14="http://schemas.microsoft.com/office/powerpoint/2010/main" val="1506573185"/>
+        <p14:creationId xmlns:p14="http://schemas.microsoft.com/office/powerpoint/2010/main" val="2611726902"/>
       </p:ext>
     </p:extLst>
   </p:cSld>
@@ -25946,7 +25665,7 @@
           <p:cNvPr id="2" name="Text Placeholder 1">
             <a:extLst>
               <a:ext uri="{FF2B5EF4-FFF2-40B4-BE49-F238E27FC236}">
-                <a16:creationId xmlns:a16="http://schemas.microsoft.com/office/drawing/2014/main" id="{2FE4DE6D-C7C3-CAFE-363D-570470AE854B}"/>
+                <a16:creationId xmlns:a16="http://schemas.microsoft.com/office/drawing/2014/main" id="{DECCFCB2-3C7D-2F47-B231-5C5C3AFBF3DD}"/>
               </a:ext>
             </a:extLst>
           </p:cNvPr>
@@ -25959,9 +25678,14 @@
         </p:nvSpPr>
         <p:spPr/>
         <p:txBody>
-          <a:bodyPr/>
-          <a:lstStyle/>
-          <a:p>
+          <a:bodyPr>
+            <a:normAutofit/>
+          </a:bodyPr>
+          <a:lstStyle/>
+          <a:p>
+            <a:pPr marL="0" indent="0">
+              <a:buNone/>
+            </a:pPr>
             <a:endParaRPr lang="en-US">
               <a:solidFill>
                 <a:srgbClr val="24292F"/>
@@ -25977,7 +25701,7 @@
                 </a:solidFill>
                 <a:latin typeface="ui-monospace"/>
               </a:rPr>
-              <a:t>Index:			i    j   </a:t>
+              <a:t>Index:			 i                                j</a:t>
             </a:r>
           </a:p>
           <a:p>
@@ -25998,6 +25722,81 @@
                 <a:effectLst/>
                 <a:latin typeface="ui-monospace"/>
               </a:rPr>
+              <a:t>a</a:t>
+            </a:r>
+            <a:r>
+              <a:rPr lang="en-US" b="0" i="0">
+                <a:effectLst/>
+                <a:latin typeface="ui-monospace"/>
+              </a:rPr>
+              <a:t> </a:t>
+            </a:r>
+            <a:r>
+              <a:rPr lang="en-US" b="0" i="0">
+                <a:solidFill>
+                  <a:srgbClr val="24292F"/>
+                </a:solidFill>
+                <a:effectLst/>
+                <a:latin typeface="ui-monospace"/>
+              </a:rPr>
+              <a:t> </a:t>
+            </a:r>
+            <a:r>
+              <a:rPr lang="en-US" b="0" i="0">
+                <a:effectLst/>
+                <a:latin typeface="ui-monospace"/>
+              </a:rPr>
+              <a:t>a</a:t>
+            </a:r>
+            <a:r>
+              <a:rPr lang="en-US" b="0" i="0">
+                <a:solidFill>
+                  <a:srgbClr val="24292F"/>
+                </a:solidFill>
+                <a:effectLst/>
+                <a:latin typeface="ui-monospace"/>
+              </a:rPr>
+              <a:t>  </a:t>
+            </a:r>
+            <a:r>
+              <a:rPr lang="en-US" b="0" i="0">
+                <a:effectLst/>
+                <a:latin typeface="ui-monospace"/>
+              </a:rPr>
+              <a:t>a</a:t>
+            </a:r>
+            <a:r>
+              <a:rPr lang="en-US" b="0" i="0">
+                <a:solidFill>
+                  <a:srgbClr val="24292F"/>
+                </a:solidFill>
+                <a:effectLst/>
+                <a:latin typeface="ui-monospace"/>
+              </a:rPr>
+              <a:t>  </a:t>
+            </a:r>
+            <a:r>
+              <a:rPr lang="en-US" b="0" i="0">
+                <a:effectLst/>
+                <a:latin typeface="ui-monospace"/>
+              </a:rPr>
+              <a:t>a</a:t>
+            </a:r>
+            <a:r>
+              <a:rPr lang="en-US" b="0" i="0">
+                <a:solidFill>
+                  <a:srgbClr val="24292F"/>
+                </a:solidFill>
+                <a:effectLst/>
+                <a:latin typeface="ui-monospace"/>
+              </a:rPr>
+              <a:t>  </a:t>
+            </a:r>
+            <a:r>
+              <a:rPr lang="en-US" b="0" i="0">
+                <a:effectLst/>
+                <a:latin typeface="ui-monospace"/>
+              </a:rPr>
               <a:t>b</a:t>
             </a:r>
             <a:r>
@@ -26012,23 +25811,75 @@
             </a:r>
             <a:r>
               <a:rPr lang="en-US" b="0" i="0">
+                <a:effectLst/>
+                <a:latin typeface="ui-monospace"/>
+              </a:rPr>
+              <a:t>a</a:t>
+            </a:r>
+            <a:r>
+              <a:rPr lang="en-US" b="0" i="0">
+                <a:solidFill>
+                  <a:srgbClr val="24292F"/>
+                </a:solidFill>
+                <a:effectLst/>
+                <a:latin typeface="ui-monospace"/>
+              </a:rPr>
+              <a:t>  </a:t>
+            </a:r>
+            <a:r>
+              <a:rPr lang="en-US" b="0" i="0">
+                <a:effectLst/>
+                <a:latin typeface="ui-monospace"/>
+              </a:rPr>
+              <a:t>a</a:t>
+            </a:r>
+            <a:r>
+              <a:rPr lang="en-US" b="0" i="0">
+                <a:solidFill>
+                  <a:srgbClr val="24292F"/>
+                </a:solidFill>
+                <a:effectLst/>
+                <a:latin typeface="ui-monospace"/>
+              </a:rPr>
+              <a:t>  </a:t>
+            </a:r>
+            <a:r>
+              <a:rPr lang="en-US" b="0" i="0">
+                <a:effectLst/>
+                <a:latin typeface="ui-monospace"/>
+              </a:rPr>
+              <a:t>c</a:t>
+            </a:r>
+            <a:r>
+              <a:rPr lang="en-US" b="0" i="0">
+                <a:solidFill>
+                  <a:srgbClr val="24292F"/>
+                </a:solidFill>
+                <a:effectLst/>
+                <a:latin typeface="ui-monospace"/>
+              </a:rPr>
+              <a:t>  </a:t>
+            </a:r>
+            <a:r>
+              <a:rPr lang="en-US" b="0" i="0">
                 <a:solidFill>
                   <a:srgbClr val="FF0000"/>
                 </a:solidFill>
                 <a:effectLst/>
                 <a:latin typeface="ui-monospace"/>
               </a:rPr>
-              <a:t>c</a:t>
-            </a:r>
-            <a:r>
-              <a:rPr lang="en-US" b="0" i="0">
+              <a:t>d</a:t>
+            </a:r>
+          </a:p>
+          <a:p>
+            <a:r>
+              <a:rPr lang="en-US">
                 <a:solidFill>
                   <a:srgbClr val="24292F"/>
                 </a:solidFill>
-                <a:effectLst/>
-                <a:latin typeface="ui-monospace"/>
-              </a:rPr>
-              <a:t>  e  e  b  c  a  d  e  e</a:t>
+                <a:latin typeface="ui-monospace"/>
+              </a:rPr>
+              <a:t>Table:				0  1  2  3  0  1  2  0  0</a:t>
             </a:r>
           </a:p>
           <a:p>
@@ -26039,18 +25890,7 @@
                 </a:solidFill>
                 <a:latin typeface="ui-monospace"/>
               </a:rPr>
-              <a:t>Table:				0  0</a:t>
-            </a:r>
-          </a:p>
-          <a:p>
-            <a:r>
-              <a:rPr lang="en-US">
-                <a:solidFill>
-                  <a:srgbClr val="24292F"/>
-                </a:solidFill>
-                <a:latin typeface="ui-monospace"/>
-              </a:rPr>
-              <a:t>Index of Table:		</a:t>
+              <a:t>Index of Table:	              </a:t>
             </a:r>
             <a:r>
               <a:rPr lang="en-US">
@@ -26061,15 +25901,13 @@
                 </a:solidFill>
                 <a:latin typeface="ui-monospace"/>
               </a:rPr>
-              <a:t>0  1  2  3  4  5  6  7  8  9</a:t>
+              <a:t>0  1  2  3  4  5  6  7  8</a:t>
             </a:r>
           </a:p>
           <a:p>
             <a:endParaRPr lang="en-US">
               <a:solidFill>
-                <a:schemeClr val="accent2">
-                  <a:lumMod val="75000"/>
-                </a:schemeClr>
+                <a:srgbClr val="24292F"/>
               </a:solidFill>
               <a:latin typeface="ui-monospace"/>
             </a:endParaRPr>
@@ -26077,9 +25915,7 @@
           <a:p>
             <a:endParaRPr lang="en-US">
               <a:solidFill>
-                <a:schemeClr val="accent2">
-                  <a:lumMod val="75000"/>
-                </a:schemeClr>
+                <a:srgbClr val="24292F"/>
               </a:solidFill>
               <a:latin typeface="ui-monospace"/>
             </a:endParaRPr>
@@ -26172,20 +26008,16 @@
                 </a:solidFill>
                 <a:latin typeface="ui-monospace"/>
               </a:rPr>
-              <a:t>j++</a:t>
-            </a:r>
-            <a:endParaRPr lang="en-US">
-              <a:solidFill>
-                <a:srgbClr val="FF0000"/>
-              </a:solidFill>
-            </a:endParaRPr>
-          </a:p>
-          <a:p>
+              <a:t>j++.   </a:t>
+            </a:r>
+            <a:r>
+              <a:rPr lang="en-US">
+                <a:latin typeface="ui-monospace"/>
+              </a:rPr>
+              <a:t>Kết thúc</a:t>
+            </a:r>
             <a:endParaRPr lang="en-US"/>
           </a:p>
-          <a:p>
-            <a:endParaRPr lang="en-US"/>
-          </a:p>
         </p:txBody>
       </p:sp>
       <p:sp>
@@ -26193,7 +26025,7 @@
           <p:cNvPr id="3" name="Slide Number Placeholder 2">
             <a:extLst>
               <a:ext uri="{FF2B5EF4-FFF2-40B4-BE49-F238E27FC236}">
-                <a16:creationId xmlns:a16="http://schemas.microsoft.com/office/drawing/2014/main" id="{9D4E181B-A753-B316-955B-F4876790B18B}"/>
+                <a16:creationId xmlns:a16="http://schemas.microsoft.com/office/drawing/2014/main" id="{A4B06411-EE63-D346-9F05-B1E2F7CB38B2}"/>
               </a:ext>
             </a:extLst>
           </p:cNvPr>
@@ -26226,7 +26058,7 @@
           <p:cNvPr id="4" name="Title 3">
             <a:extLst>
               <a:ext uri="{FF2B5EF4-FFF2-40B4-BE49-F238E27FC236}">
-                <a16:creationId xmlns:a16="http://schemas.microsoft.com/office/drawing/2014/main" id="{65894EF2-3620-EA63-CC72-7D2D22BE7B84}"/>
+                <a16:creationId xmlns:a16="http://schemas.microsoft.com/office/drawing/2014/main" id="{B4900F60-7C0D-8B48-910B-EB4B5D459E2B}"/>
               </a:ext>
             </a:extLst>
           </p:cNvPr>
@@ -26251,40 +26083,10 @@
       </p:sp>
       <p:sp>
         <p:nvSpPr>
-          <p:cNvPr id="5" name="Text Placeholder 4">
-            <a:extLst>
-              <a:ext uri="{FF2B5EF4-FFF2-40B4-BE49-F238E27FC236}">
-                <a16:creationId xmlns:a16="http://schemas.microsoft.com/office/drawing/2014/main" id="{A8FF5749-99F5-B417-F0C3-BA41B2F0AA39}"/>
-              </a:ext>
-            </a:extLst>
-          </p:cNvPr>
-          <p:cNvSpPr>
-            <a:spLocks noGrp="1"/>
-          </p:cNvSpPr>
-          <p:nvPr>
-            <p:ph type="body" sz="quarter" idx="15"/>
-          </p:nvPr>
-        </p:nvSpPr>
-        <p:spPr/>
-        <p:txBody>
-          <a:bodyPr>
-            <a:normAutofit fontScale="85000" lnSpcReduction="20000"/>
-          </a:bodyPr>
-          <a:lstStyle/>
-          <a:p>
-            <a:r>
-              <a:rPr lang="en-US"/>
-              <a:t>Câu 1.2</a:t>
-            </a:r>
-          </a:p>
-        </p:txBody>
-      </p:sp>
-      <p:sp>
-        <p:nvSpPr>
           <p:cNvPr id="8" name="TextBox 7">
             <a:extLst>
               <a:ext uri="{FF2B5EF4-FFF2-40B4-BE49-F238E27FC236}">
-                <a16:creationId xmlns:a16="http://schemas.microsoft.com/office/drawing/2014/main" id="{804A0353-A2CD-DD5B-8D19-1B44EAB208F5}"/>
+                <a16:creationId xmlns:a16="http://schemas.microsoft.com/office/drawing/2014/main" id="{4EF991D4-3210-6D74-22D0-D30FD808EFC4}"/>
               </a:ext>
             </a:extLst>
           </p:cNvPr>
@@ -26315,10 +26117,37 @@
           </a:p>
         </p:txBody>
       </p:sp>
+      <p:sp>
+        <p:nvSpPr>
+          <p:cNvPr id="7" name="Chỗ dành sẵn cho Văn bản 6">
+            <a:extLst>
+              <a:ext uri="{FF2B5EF4-FFF2-40B4-BE49-F238E27FC236}">
+                <a16:creationId xmlns:a16="http://schemas.microsoft.com/office/drawing/2014/main" id="{76A9151B-6189-75A3-9C34-DCB45DA7E3CA}"/>
+              </a:ext>
+            </a:extLst>
+          </p:cNvPr>
+          <p:cNvSpPr>
+            <a:spLocks noGrp="1"/>
+          </p:cNvSpPr>
+          <p:nvPr>
+            <p:ph type="body" sz="quarter" idx="15"/>
+          </p:nvPr>
+        </p:nvSpPr>
+        <p:spPr/>
+        <p:txBody>
+          <a:bodyPr>
+            <a:normAutofit fontScale="85000" lnSpcReduction="20000"/>
+          </a:bodyPr>
+          <a:lstStyle/>
+          <a:p>
+            <a:endParaRPr lang="en-US"/>
+          </a:p>
+        </p:txBody>
+      </p:sp>
     </p:spTree>
     <p:extLst>
       <p:ext uri="{BB962C8B-B14F-4D97-AF65-F5344CB8AC3E}">
-        <p14:creationId xmlns:p14="http://schemas.microsoft.com/office/powerpoint/2010/main" val="1998959550"/>
+        <p14:creationId xmlns:p14="http://schemas.microsoft.com/office/powerpoint/2010/main" val="3345029177"/>
       </p:ext>
     </p:extLst>
   </p:cSld>
@@ -26381,7 +26210,7 @@
                 </a:solidFill>
                 <a:latin typeface="ui-monospace"/>
               </a:rPr>
-              <a:t>Index:			i        j   </a:t>
+              <a:t>Index:			i    </a:t>
             </a:r>
           </a:p>
           <a:p>
@@ -26412,55 +26241,18 @@
                 <a:effectLst/>
                 <a:latin typeface="ui-monospace"/>
               </a:rPr>
-              <a:t>  </a:t>
-            </a:r>
-            <a:r>
-              <a:rPr lang="en-US" b="0" i="0">
-                <a:effectLst/>
-                <a:latin typeface="ui-monospace"/>
-              </a:rPr>
-              <a:t>c</a:t>
-            </a:r>
-            <a:r>
-              <a:rPr lang="en-US" b="0" i="0">
+              <a:t>  c  e  e  b  c  a  d  e  e</a:t>
+            </a:r>
+          </a:p>
+          <a:p>
+            <a:r>
+              <a:rPr lang="en-US">
                 <a:solidFill>
                   <a:srgbClr val="24292F"/>
                 </a:solidFill>
-                <a:effectLst/>
-                <a:latin typeface="ui-monospace"/>
-              </a:rPr>
-              <a:t>  </a:t>
-            </a:r>
-            <a:r>
-              <a:rPr lang="en-US" b="0" i="0">
-                <a:solidFill>
-                  <a:srgbClr val="FF0000"/>
-                </a:solidFill>
-                <a:effectLst/>
-                <a:latin typeface="ui-monospace"/>
-              </a:rPr>
-              <a:t>e</a:t>
-            </a:r>
-            <a:r>
-              <a:rPr lang="en-US" b="0" i="0">
-                <a:solidFill>
-                  <a:srgbClr val="24292F"/>
-                </a:solidFill>
-                <a:effectLst/>
-                <a:latin typeface="ui-monospace"/>
-              </a:rPr>
-              <a:t>  e  b  c  a  d  e  e</a:t>
-            </a:r>
-          </a:p>
-          <a:p>
-            <a:r>
-              <a:rPr lang="en-US">
-                <a:solidFill>
-                  <a:srgbClr val="24292F"/>
-                </a:solidFill>
-                <a:latin typeface="ui-monospace"/>
-              </a:rPr>
-              <a:t>Table:				0  0  0</a:t>
+                <a:latin typeface="ui-monospace"/>
+              </a:rPr>
+              <a:t>Table:				0</a:t>
             </a:r>
           </a:p>
           <a:p>
@@ -26484,124 +26276,6 @@
               </a:rPr>
               <a:t>0  1  2  3  4  5  6  7  8  9</a:t>
             </a:r>
-          </a:p>
-          <a:p>
-            <a:endParaRPr lang="en-US">
-              <a:solidFill>
-                <a:schemeClr val="accent2">
-                  <a:lumMod val="75000"/>
-                </a:schemeClr>
-              </a:solidFill>
-              <a:latin typeface="ui-monospace"/>
-            </a:endParaRPr>
-          </a:p>
-          <a:p>
-            <a:endParaRPr lang="en-US">
-              <a:solidFill>
-                <a:schemeClr val="accent2">
-                  <a:lumMod val="75000"/>
-                </a:schemeClr>
-              </a:solidFill>
-              <a:latin typeface="ui-monospace"/>
-            </a:endParaRPr>
-          </a:p>
-          <a:p>
-            <a:r>
-              <a:rPr lang="en-US">
-                <a:solidFill>
-                  <a:srgbClr val="24292F"/>
-                </a:solidFill>
-                <a:latin typeface="ui-monospace"/>
-              </a:rPr>
-              <a:t>Vì </a:t>
-            </a:r>
-            <a:r>
-              <a:rPr lang="en-US">
-                <a:solidFill>
-                  <a:srgbClr val="FF0000"/>
-                </a:solidFill>
-                <a:latin typeface="ui-monospace"/>
-              </a:rPr>
-              <a:t>Pattern [i] != Pattern [j] </a:t>
-            </a:r>
-            <a:r>
-              <a:rPr lang="en-US">
-                <a:latin typeface="ui-monospace"/>
-              </a:rPr>
-              <a:t>, xét i</a:t>
-            </a:r>
-            <a:r>
-              <a:rPr lang="en-US">
-                <a:solidFill>
-                  <a:srgbClr val="24292F"/>
-                </a:solidFill>
-                <a:latin typeface="ui-monospace"/>
-              </a:rPr>
-              <a:t>:</a:t>
-            </a:r>
-          </a:p>
-          <a:p>
-            <a:r>
-              <a:rPr lang="en-US">
-                <a:solidFill>
-                  <a:srgbClr val="24292F"/>
-                </a:solidFill>
-                <a:latin typeface="ui-monospace"/>
-              </a:rPr>
-              <a:t>Vì </a:t>
-            </a:r>
-            <a:r>
-              <a:rPr lang="en-US">
-                <a:solidFill>
-                  <a:srgbClr val="FF0000"/>
-                </a:solidFill>
-                <a:latin typeface="ui-monospace"/>
-              </a:rPr>
-              <a:t>i == 0 </a:t>
-            </a:r>
-            <a:r>
-              <a:rPr lang="en-US">
-                <a:solidFill>
-                  <a:srgbClr val="24292F"/>
-                </a:solidFill>
-                <a:latin typeface="ui-monospace"/>
-              </a:rPr>
-              <a:t>nên </a:t>
-            </a:r>
-            <a:r>
-              <a:rPr lang="en-US">
-                <a:solidFill>
-                  <a:srgbClr val="FF0000"/>
-                </a:solidFill>
-                <a:latin typeface="ui-monospace"/>
-              </a:rPr>
-              <a:t>table [ j ] = 0 </a:t>
-            </a:r>
-            <a:r>
-              <a:rPr lang="en-US">
-                <a:solidFill>
-                  <a:srgbClr val="24292F"/>
-                </a:solidFill>
-                <a:latin typeface="ui-monospace"/>
-              </a:rPr>
-              <a:t>và </a:t>
-            </a:r>
-            <a:r>
-              <a:rPr lang="en-US">
-                <a:solidFill>
-                  <a:srgbClr val="FF0000"/>
-                </a:solidFill>
-                <a:latin typeface="ui-monospace"/>
-              </a:rPr>
-              <a:t>j++</a:t>
-            </a:r>
-            <a:endParaRPr lang="en-US">
-              <a:solidFill>
-                <a:srgbClr val="FF0000"/>
-              </a:solidFill>
-            </a:endParaRPr>
-          </a:p>
-          <a:p>
             <a:endParaRPr lang="en-US"/>
           </a:p>
           <a:p>
@@ -26739,7 +26413,7 @@
     </p:spTree>
     <p:extLst>
       <p:ext uri="{BB962C8B-B14F-4D97-AF65-F5344CB8AC3E}">
-        <p14:creationId xmlns:p14="http://schemas.microsoft.com/office/powerpoint/2010/main" val="2483176537"/>
+        <p14:creationId xmlns:p14="http://schemas.microsoft.com/office/powerpoint/2010/main" val="1506573185"/>
       </p:ext>
     </p:extLst>
   </p:cSld>
@@ -26802,7 +26476,7 @@
                 </a:solidFill>
                 <a:latin typeface="ui-monospace"/>
               </a:rPr>
-              <a:t>Index:			i            j   </a:t>
+              <a:t>Index:			i    j   </a:t>
             </a:r>
           </a:p>
           <a:p>
@@ -26837,6 +26511,9 @@
             </a:r>
             <a:r>
               <a:rPr lang="en-US" b="0" i="0">
+                <a:solidFill>
+                  <a:srgbClr val="FF0000"/>
+                </a:solidFill>
                 <a:effectLst/>
                 <a:latin typeface="ui-monospace"/>
               </a:rPr>
@@ -26850,38 +26527,18 @@
                 <a:effectLst/>
                 <a:latin typeface="ui-monospace"/>
               </a:rPr>
-              <a:t>  e  </a:t>
-            </a:r>
-            <a:r>
-              <a:rPr lang="en-US" b="0" i="0">
-                <a:solidFill>
-                  <a:srgbClr val="FF0000"/>
-                </a:solidFill>
-                <a:effectLst/>
-                <a:latin typeface="ui-monospace"/>
-              </a:rPr>
-              <a:t>e</a:t>
-            </a:r>
-            <a:r>
-              <a:rPr lang="en-US" b="0" i="0">
+              <a:t>  e  e  b  c  a  d  e  e</a:t>
+            </a:r>
+          </a:p>
+          <a:p>
+            <a:r>
+              <a:rPr lang="en-US">
                 <a:solidFill>
                   <a:srgbClr val="24292F"/>
                 </a:solidFill>
-                <a:effectLst/>
-                <a:latin typeface="ui-monospace"/>
-              </a:rPr>
-              <a:t>  b  c  a  d  e  e</a:t>
-            </a:r>
-          </a:p>
-          <a:p>
-            <a:r>
-              <a:rPr lang="en-US">
-                <a:solidFill>
-                  <a:srgbClr val="24292F"/>
-                </a:solidFill>
-                <a:latin typeface="ui-monospace"/>
-              </a:rPr>
-              <a:t>Table:				0  0  0  0</a:t>
+                <a:latin typeface="ui-monospace"/>
+              </a:rPr>
+              <a:t>Table:				0  0</a:t>
             </a:r>
           </a:p>
           <a:p>
@@ -27160,7 +26817,7 @@
     </p:spTree>
     <p:extLst>
       <p:ext uri="{BB962C8B-B14F-4D97-AF65-F5344CB8AC3E}">
-        <p14:creationId xmlns:p14="http://schemas.microsoft.com/office/powerpoint/2010/main" val="3310426099"/>
+        <p14:creationId xmlns:p14="http://schemas.microsoft.com/office/powerpoint/2010/main" val="1998959550"/>
       </p:ext>
     </p:extLst>
   </p:cSld>
@@ -27205,9 +26862,7 @@
         </p:nvSpPr>
         <p:spPr/>
         <p:txBody>
-          <a:bodyPr>
-            <a:normAutofit lnSpcReduction="10000"/>
-          </a:bodyPr>
+          <a:bodyPr/>
           <a:lstStyle/>
           <a:p>
             <a:endParaRPr lang="en-US">
@@ -27225,7 +26880,7 @@
                 </a:solidFill>
                 <a:latin typeface="ui-monospace"/>
               </a:rPr>
-              <a:t>Index:			i                j   </a:t>
+              <a:t>Index:			i        j   </a:t>
             </a:r>
           </a:p>
           <a:p>
@@ -27273,7 +26928,7 @@
                 <a:effectLst/>
                 <a:latin typeface="ui-monospace"/>
               </a:rPr>
-              <a:t>  e  e  </a:t>
+              <a:t>  </a:t>
             </a:r>
             <a:r>
               <a:rPr lang="en-US" b="0" i="0">
@@ -27283,7 +26938,7 @@
                 <a:effectLst/>
                 <a:latin typeface="ui-monospace"/>
               </a:rPr>
-              <a:t>b</a:t>
+              <a:t>e</a:t>
             </a:r>
             <a:r>
               <a:rPr lang="en-US" b="0" i="0">
@@ -27293,7 +26948,7 @@
                 <a:effectLst/>
                 <a:latin typeface="ui-monospace"/>
               </a:rPr>
-              <a:t>  c  a  d  e  e</a:t>
+              <a:t>  e  b  c  a  d  e  e</a:t>
             </a:r>
           </a:p>
           <a:p>
@@ -27304,7 +26959,7 @@
                 </a:solidFill>
                 <a:latin typeface="ui-monospace"/>
               </a:rPr>
-              <a:t>Table:				0  0  0  0  1</a:t>
+              <a:t>Table:				0  0  0</a:t>
             </a:r>
           </a:p>
           <a:p>
@@ -27366,7 +27021,13 @@
                 </a:solidFill>
                 <a:latin typeface="ui-monospace"/>
               </a:rPr>
-              <a:t>Pattern [i] == Pattern [j] </a:t>
+              <a:t>Pattern [i] != Pattern [j] </a:t>
+            </a:r>
+            <a:r>
+              <a:rPr lang="en-US">
+                <a:latin typeface="ui-monospace"/>
+              </a:rPr>
+              <a:t>, xét i</a:t>
             </a:r>
             <a:r>
               <a:rPr lang="en-US">
@@ -27375,10 +27036,19 @@
                 </a:solidFill>
                 <a:latin typeface="ui-monospace"/>
               </a:rPr>
-              <a:t>nên :</a:t>
-            </a:r>
-          </a:p>
-          <a:p>
+              <a:t>:</a:t>
+            </a:r>
+          </a:p>
+          <a:p>
+            <a:r>
+              <a:rPr lang="en-US">
+                <a:solidFill>
+                  <a:srgbClr val="24292F"/>
+                </a:solidFill>
+                <a:latin typeface="ui-monospace"/>
+              </a:rPr>
+              <a:t>Vì </a:t>
+            </a:r>
             <a:r>
               <a:rPr lang="en-US">
                 <a:solidFill>
@@ -27386,10 +27056,17 @@
                 </a:solidFill>
                 <a:latin typeface="ui-monospace"/>
               </a:rPr>
-              <a:t>Table [ j ] = i + 1 = 1</a:t>
-            </a:r>
-          </a:p>
-          <a:p>
+              <a:t>i == 0 </a:t>
+            </a:r>
+            <a:r>
+              <a:rPr lang="en-US">
+                <a:solidFill>
+                  <a:srgbClr val="24292F"/>
+                </a:solidFill>
+                <a:latin typeface="ui-monospace"/>
+              </a:rPr>
+              <a:t>nên </a:t>
+            </a:r>
             <a:r>
               <a:rPr lang="en-US">
                 <a:solidFill>
@@ -27397,7 +27074,7 @@
                 </a:solidFill>
                 <a:latin typeface="ui-monospace"/>
               </a:rPr>
-              <a:t>i++ </a:t>
+              <a:t>table [ j ] = 0 </a:t>
             </a:r>
             <a:r>
               <a:rPr lang="en-US">
@@ -27417,6 +27094,11 @@
               </a:rPr>
               <a:t>j++</a:t>
             </a:r>
+            <a:endParaRPr lang="en-US">
+              <a:solidFill>
+                <a:srgbClr val="FF0000"/>
+              </a:solidFill>
+            </a:endParaRPr>
           </a:p>
           <a:p>
             <a:endParaRPr lang="en-US"/>
@@ -27556,7 +27238,7 @@
     </p:spTree>
     <p:extLst>
       <p:ext uri="{BB962C8B-B14F-4D97-AF65-F5344CB8AC3E}">
-        <p14:creationId xmlns:p14="http://schemas.microsoft.com/office/powerpoint/2010/main" val="3302665636"/>
+        <p14:creationId xmlns:p14="http://schemas.microsoft.com/office/powerpoint/2010/main" val="2483176537"/>
       </p:ext>
     </p:extLst>
   </p:cSld>
@@ -27601,9 +27283,7 @@
         </p:nvSpPr>
         <p:spPr/>
         <p:txBody>
-          <a:bodyPr>
-            <a:normAutofit lnSpcReduction="10000"/>
-          </a:bodyPr>
+          <a:bodyPr/>
           <a:lstStyle/>
           <a:p>
             <a:endParaRPr lang="en-US">
@@ -27621,7 +27301,7 @@
                 </a:solidFill>
                 <a:latin typeface="ui-monospace"/>
               </a:rPr>
-              <a:t>Index:			     i                j   </a:t>
+              <a:t>Index:			i            j   </a:t>
             </a:r>
           </a:p>
           <a:p>
@@ -27633,13 +27313,33 @@
                 <a:latin typeface="ui-monospace"/>
               </a:rPr>
               <a:t>Pattern:			</a:t>
+            </a:r>
+            <a:r>
+              <a:rPr lang="en-US" b="0" i="0">
+                <a:solidFill>
+                  <a:srgbClr val="FF0000"/>
+                </a:solidFill>
+                <a:effectLst/>
+                <a:latin typeface="ui-monospace"/>
+              </a:rPr>
+              <a:t>b</a:t>
+            </a:r>
+            <a:r>
+              <a:rPr lang="en-US" b="0" i="0">
+                <a:solidFill>
+                  <a:srgbClr val="24292F"/>
+                </a:solidFill>
+                <a:effectLst/>
+                <a:latin typeface="ui-monospace"/>
+              </a:rPr>
+              <a:t>  </a:t>
             </a:r>
             <a:r>
               <a:rPr lang="en-US" b="0" i="0">
                 <a:effectLst/>
                 <a:latin typeface="ui-monospace"/>
               </a:rPr>
-              <a:t>b</a:t>
+              <a:t>c</a:t>
             </a:r>
             <a:r>
               <a:rPr lang="en-US" b="0" i="0">
@@ -27649,7 +27349,7 @@
                 <a:effectLst/>
                 <a:latin typeface="ui-monospace"/>
               </a:rPr>
-              <a:t>  </a:t>
+              <a:t>  e  </a:t>
             </a:r>
             <a:r>
               <a:rPr lang="en-US" b="0" i="0">
@@ -27659,7 +27359,7 @@
                 <a:effectLst/>
                 <a:latin typeface="ui-monospace"/>
               </a:rPr>
-              <a:t>c</a:t>
+              <a:t>e</a:t>
             </a:r>
             <a:r>
               <a:rPr lang="en-US" b="0" i="0">
@@ -27669,38 +27369,18 @@
                 <a:effectLst/>
                 <a:latin typeface="ui-monospace"/>
               </a:rPr>
-              <a:t>  e  e  b  </a:t>
-            </a:r>
-            <a:r>
-              <a:rPr lang="en-US" b="0" i="0">
-                <a:solidFill>
-                  <a:srgbClr val="FF0000"/>
-                </a:solidFill>
-                <a:effectLst/>
-                <a:latin typeface="ui-monospace"/>
-              </a:rPr>
-              <a:t>c</a:t>
-            </a:r>
-            <a:r>
-              <a:rPr lang="en-US" b="0" i="0">
+              <a:t>  b  c  a  d  e  e</a:t>
+            </a:r>
+          </a:p>
+          <a:p>
+            <a:r>
+              <a:rPr lang="en-US">
                 <a:solidFill>
                   <a:srgbClr val="24292F"/>
                 </a:solidFill>
-                <a:effectLst/>
-                <a:latin typeface="ui-monospace"/>
-              </a:rPr>
-              <a:t>  a  d  e  e</a:t>
-            </a:r>
-          </a:p>
-          <a:p>
-            <a:r>
-              <a:rPr lang="en-US">
-                <a:solidFill>
-                  <a:srgbClr val="24292F"/>
-                </a:solidFill>
-                <a:latin typeface="ui-monospace"/>
-              </a:rPr>
-              <a:t>Table:				0  0  0  0  1  2</a:t>
+                <a:latin typeface="ui-monospace"/>
+              </a:rPr>
+              <a:t>Table:				0  0  0  0</a:t>
             </a:r>
           </a:p>
           <a:p>
@@ -27762,7 +27442,13 @@
                 </a:solidFill>
                 <a:latin typeface="ui-monospace"/>
               </a:rPr>
-              <a:t>Pattern [i] == Pattern [j] </a:t>
+              <a:t>Pattern [i] != Pattern [j] </a:t>
+            </a:r>
+            <a:r>
+              <a:rPr lang="en-US">
+                <a:latin typeface="ui-monospace"/>
+              </a:rPr>
+              <a:t>, xét i</a:t>
             </a:r>
             <a:r>
               <a:rPr lang="en-US">
@@ -27771,10 +27457,19 @@
                 </a:solidFill>
                 <a:latin typeface="ui-monospace"/>
               </a:rPr>
-              <a:t>nên :</a:t>
-            </a:r>
-          </a:p>
-          <a:p>
+              <a:t>:</a:t>
+            </a:r>
+          </a:p>
+          <a:p>
+            <a:r>
+              <a:rPr lang="en-US">
+                <a:solidFill>
+                  <a:srgbClr val="24292F"/>
+                </a:solidFill>
+                <a:latin typeface="ui-monospace"/>
+              </a:rPr>
+              <a:t>Vì </a:t>
+            </a:r>
             <a:r>
               <a:rPr lang="en-US">
                 <a:solidFill>
@@ -27782,10 +27477,17 @@
                 </a:solidFill>
                 <a:latin typeface="ui-monospace"/>
               </a:rPr>
-              <a:t>Table [ j ] = i + 1 = 12</a:t>
-            </a:r>
-          </a:p>
-          <a:p>
+              <a:t>i == 0 </a:t>
+            </a:r>
+            <a:r>
+              <a:rPr lang="en-US">
+                <a:solidFill>
+                  <a:srgbClr val="24292F"/>
+                </a:solidFill>
+                <a:latin typeface="ui-monospace"/>
+              </a:rPr>
+              <a:t>nên </a:t>
+            </a:r>
             <a:r>
               <a:rPr lang="en-US">
                 <a:solidFill>
@@ -27793,7 +27495,7 @@
                 </a:solidFill>
                 <a:latin typeface="ui-monospace"/>
               </a:rPr>
-              <a:t>i++ </a:t>
+              <a:t>table [ j ] = 0 </a:t>
             </a:r>
             <a:r>
               <a:rPr lang="en-US">
@@ -27813,6 +27515,11 @@
               </a:rPr>
               <a:t>j++</a:t>
             </a:r>
+            <a:endParaRPr lang="en-US">
+              <a:solidFill>
+                <a:srgbClr val="FF0000"/>
+              </a:solidFill>
+            </a:endParaRPr>
           </a:p>
           <a:p>
             <a:endParaRPr lang="en-US"/>
@@ -27952,7 +27659,7 @@
     </p:spTree>
     <p:extLst>
       <p:ext uri="{BB962C8B-B14F-4D97-AF65-F5344CB8AC3E}">
-        <p14:creationId xmlns:p14="http://schemas.microsoft.com/office/powerpoint/2010/main" val="3002462257"/>
+        <p14:creationId xmlns:p14="http://schemas.microsoft.com/office/powerpoint/2010/main" val="3310426099"/>
       </p:ext>
     </p:extLst>
   </p:cSld>
@@ -28246,7 +27953,9 @@
         </p:nvSpPr>
         <p:spPr/>
         <p:txBody>
-          <a:bodyPr/>
+          <a:bodyPr>
+            <a:normAutofit lnSpcReduction="10000"/>
+          </a:bodyPr>
           <a:lstStyle/>
           <a:p>
             <a:endParaRPr lang="en-US">
@@ -28264,7 +27973,7 @@
                 </a:solidFill>
                 <a:latin typeface="ui-monospace"/>
               </a:rPr>
-              <a:t>Index:			         i                j   </a:t>
+              <a:t>Index:			i                j   </a:t>
             </a:r>
           </a:p>
           <a:p>
@@ -28276,12 +27985,52 @@
                 <a:latin typeface="ui-monospace"/>
               </a:rPr>
               <a:t>Pattern:			</a:t>
+            </a:r>
+            <a:r>
+              <a:rPr lang="en-US" b="0" i="0">
+                <a:solidFill>
+                  <a:srgbClr val="FF0000"/>
+                </a:solidFill>
+                <a:effectLst/>
+                <a:latin typeface="ui-monospace"/>
+              </a:rPr>
+              <a:t>b</a:t>
+            </a:r>
+            <a:r>
+              <a:rPr lang="en-US" b="0" i="0">
+                <a:solidFill>
+                  <a:srgbClr val="24292F"/>
+                </a:solidFill>
+                <a:effectLst/>
+                <a:latin typeface="ui-monospace"/>
+              </a:rPr>
+              <a:t>  </a:t>
             </a:r>
             <a:r>
               <a:rPr lang="en-US" b="0" i="0">
                 <a:effectLst/>
                 <a:latin typeface="ui-monospace"/>
               </a:rPr>
+              <a:t>c</a:t>
+            </a:r>
+            <a:r>
+              <a:rPr lang="en-US" b="0" i="0">
+                <a:solidFill>
+                  <a:srgbClr val="24292F"/>
+                </a:solidFill>
+                <a:effectLst/>
+                <a:latin typeface="ui-monospace"/>
+              </a:rPr>
+              <a:t>  e  e  </a:t>
+            </a:r>
+            <a:r>
+              <a:rPr lang="en-US" b="0" i="0">
+                <a:solidFill>
+                  <a:srgbClr val="FF0000"/>
+                </a:solidFill>
+                <a:effectLst/>
+                <a:latin typeface="ui-monospace"/>
+              </a:rPr>
               <a:t>b</a:t>
             </a:r>
             <a:r>
@@ -28292,75 +28041,18 @@
                 <a:effectLst/>
                 <a:latin typeface="ui-monospace"/>
               </a:rPr>
-              <a:t>  </a:t>
-            </a:r>
-            <a:r>
-              <a:rPr lang="en-US" b="0" i="0">
-                <a:effectLst/>
-                <a:latin typeface="ui-monospace"/>
-              </a:rPr>
-              <a:t>c</a:t>
-            </a:r>
-            <a:r>
-              <a:rPr lang="en-US" b="0" i="0">
+              <a:t>  c  a  d  e  e</a:t>
+            </a:r>
+          </a:p>
+          <a:p>
+            <a:r>
+              <a:rPr lang="en-US">
                 <a:solidFill>
                   <a:srgbClr val="24292F"/>
                 </a:solidFill>
-                <a:effectLst/>
-                <a:latin typeface="ui-monospace"/>
-              </a:rPr>
-              <a:t>  </a:t>
-            </a:r>
-            <a:r>
-              <a:rPr lang="en-US" b="0" i="0">
-                <a:solidFill>
-                  <a:srgbClr val="FF0000"/>
-                </a:solidFill>
-                <a:effectLst/>
-                <a:latin typeface="ui-monospace"/>
-              </a:rPr>
-              <a:t>e</a:t>
-            </a:r>
-            <a:r>
-              <a:rPr lang="en-US" b="0" i="0">
-                <a:solidFill>
-                  <a:srgbClr val="24292F"/>
-                </a:solidFill>
-                <a:effectLst/>
-                <a:latin typeface="ui-monospace"/>
-              </a:rPr>
-              <a:t>  e  b  c  </a:t>
-            </a:r>
-            <a:r>
-              <a:rPr lang="en-US" b="0" i="0">
-                <a:solidFill>
-                  <a:srgbClr val="FF0000"/>
-                </a:solidFill>
-                <a:effectLst/>
-                <a:latin typeface="ui-monospace"/>
-              </a:rPr>
-              <a:t>a</a:t>
-            </a:r>
-            <a:r>
-              <a:rPr lang="en-US" b="0" i="0">
-                <a:solidFill>
-                  <a:srgbClr val="24292F"/>
-                </a:solidFill>
-                <a:effectLst/>
-                <a:latin typeface="ui-monospace"/>
-              </a:rPr>
-              <a:t>  d  e  e</a:t>
-            </a:r>
-          </a:p>
-          <a:p>
-            <a:r>
-              <a:rPr lang="en-US">
-                <a:solidFill>
-                  <a:srgbClr val="24292F"/>
-                </a:solidFill>
-                <a:latin typeface="ui-monospace"/>
-              </a:rPr>
-              <a:t>Table:				0  0  0  0  1  2</a:t>
+                <a:latin typeface="ui-monospace"/>
+              </a:rPr>
+              <a:t>Table:				0  0  0  0  1</a:t>
             </a:r>
           </a:p>
           <a:p>
@@ -28422,13 +28114,7 @@
                 </a:solidFill>
                 <a:latin typeface="ui-monospace"/>
               </a:rPr>
-              <a:t>Pattern [i] != Pattern [j] </a:t>
-            </a:r>
-            <a:r>
-              <a:rPr lang="en-US">
-                <a:latin typeface="ui-monospace"/>
-              </a:rPr>
-              <a:t>, xét i</a:t>
+              <a:t>Pattern [i] == Pattern [j] </a:t>
             </a:r>
             <a:r>
               <a:rPr lang="en-US">
@@ -28437,10 +28123,30 @@
                 </a:solidFill>
                 <a:latin typeface="ui-monospace"/>
               </a:rPr>
-              <a:t>:</a:t>
-            </a:r>
-          </a:p>
-          <a:p>
+              <a:t>nên :</a:t>
+            </a:r>
+          </a:p>
+          <a:p>
+            <a:r>
+              <a:rPr lang="en-US">
+                <a:solidFill>
+                  <a:srgbClr val="FF0000"/>
+                </a:solidFill>
+                <a:latin typeface="ui-monospace"/>
+              </a:rPr>
+              <a:t>Table [ j ] = i + 1 = 1</a:t>
+            </a:r>
+          </a:p>
+          <a:p>
+            <a:r>
+              <a:rPr lang="en-US">
+                <a:solidFill>
+                  <a:srgbClr val="FF0000"/>
+                </a:solidFill>
+                <a:latin typeface="ui-monospace"/>
+              </a:rPr>
+              <a:t>i++ </a:t>
+            </a:r>
             <a:r>
               <a:rPr lang="en-US">
                 <a:solidFill>
@@ -28448,7 +28154,7 @@
                 </a:solidFill>
                 <a:latin typeface="ui-monospace"/>
               </a:rPr>
-              <a:t>Vì </a:t>
+              <a:t>và </a:t>
             </a:r>
             <a:r>
               <a:rPr lang="en-US">
@@ -28457,18 +28163,8 @@
                 </a:solidFill>
                 <a:latin typeface="ui-monospace"/>
               </a:rPr>
-              <a:t>i != 0 </a:t>
-            </a:r>
-            <a:r>
-              <a:rPr lang="en-US">
-                <a:solidFill>
-                  <a:srgbClr val="24292F"/>
-                </a:solidFill>
-                <a:latin typeface="ui-monospace"/>
-              </a:rPr>
-              <a:t>nên i = table [i-1] = table [2 - 1] = table [1] = 0;</a:t>
-            </a:r>
-            <a:endParaRPr lang="en-US"/>
+              <a:t>j++</a:t>
+            </a:r>
           </a:p>
           <a:p>
             <a:endParaRPr lang="en-US"/>
@@ -28608,7 +28304,7 @@
     </p:spTree>
     <p:extLst>
       <p:ext uri="{BB962C8B-B14F-4D97-AF65-F5344CB8AC3E}">
-        <p14:creationId xmlns:p14="http://schemas.microsoft.com/office/powerpoint/2010/main" val="3173261495"/>
+        <p14:creationId xmlns:p14="http://schemas.microsoft.com/office/powerpoint/2010/main" val="3302665636"/>
       </p:ext>
     </p:extLst>
   </p:cSld>
@@ -28653,7 +28349,9 @@
         </p:nvSpPr>
         <p:spPr/>
         <p:txBody>
-          <a:bodyPr/>
+          <a:bodyPr>
+            <a:normAutofit lnSpcReduction="10000"/>
+          </a:bodyPr>
           <a:lstStyle/>
           <a:p>
             <a:endParaRPr lang="en-US">
@@ -28671,7 +28369,7 @@
                 </a:solidFill>
                 <a:latin typeface="ui-monospace"/>
               </a:rPr>
-              <a:t>Index:			 i                       j   </a:t>
+              <a:t>Index:			     i                j   </a:t>
             </a:r>
           </a:p>
           <a:p>
@@ -28683,32 +28381,32 @@
                 <a:latin typeface="ui-monospace"/>
               </a:rPr>
               <a:t>Pattern:			</a:t>
-            </a:r>
-            <a:r>
-              <a:rPr lang="en-US" b="0" i="0">
-                <a:solidFill>
-                  <a:srgbClr val="FF0000"/>
-                </a:solidFill>
-                <a:effectLst/>
-                <a:latin typeface="ui-monospace"/>
-              </a:rPr>
-              <a:t>b</a:t>
-            </a:r>
-            <a:r>
-              <a:rPr lang="en-US" b="0" i="0">
-                <a:solidFill>
-                  <a:srgbClr val="24292F"/>
-                </a:solidFill>
-                <a:effectLst/>
-                <a:latin typeface="ui-monospace"/>
-              </a:rPr>
-              <a:t>  </a:t>
             </a:r>
             <a:r>
               <a:rPr lang="en-US" b="0" i="0">
                 <a:effectLst/>
                 <a:latin typeface="ui-monospace"/>
               </a:rPr>
+              <a:t>b</a:t>
+            </a:r>
+            <a:r>
+              <a:rPr lang="en-US" b="0" i="0">
+                <a:solidFill>
+                  <a:srgbClr val="24292F"/>
+                </a:solidFill>
+                <a:effectLst/>
+                <a:latin typeface="ui-monospace"/>
+              </a:rPr>
+              <a:t>  </a:t>
+            </a:r>
+            <a:r>
+              <a:rPr lang="en-US" b="0" i="0">
+                <a:solidFill>
+                  <a:srgbClr val="FF0000"/>
+                </a:solidFill>
+                <a:effectLst/>
+                <a:latin typeface="ui-monospace"/>
+              </a:rPr>
               <a:t>c</a:t>
             </a:r>
             <a:r>
@@ -28719,7 +28417,7 @@
                 <a:effectLst/>
                 <a:latin typeface="ui-monospace"/>
               </a:rPr>
-              <a:t>  e  e  b  c  </a:t>
+              <a:t>  e  e  b  </a:t>
             </a:r>
             <a:r>
               <a:rPr lang="en-US" b="0" i="0">
@@ -28729,7 +28427,7 @@
                 <a:effectLst/>
                 <a:latin typeface="ui-monospace"/>
               </a:rPr>
-              <a:t>a</a:t>
+              <a:t>c</a:t>
             </a:r>
             <a:r>
               <a:rPr lang="en-US" b="0" i="0">
@@ -28739,7 +28437,7 @@
                 <a:effectLst/>
                 <a:latin typeface="ui-monospace"/>
               </a:rPr>
-              <a:t>  d  e  e</a:t>
+              <a:t>  a  d  e  e</a:t>
             </a:r>
           </a:p>
           <a:p>
@@ -28750,7 +28448,7 @@
                 </a:solidFill>
                 <a:latin typeface="ui-monospace"/>
               </a:rPr>
-              <a:t>Table:				0  0  0  0  1  2  0</a:t>
+              <a:t>Table:				0  0  0  0  1  2</a:t>
             </a:r>
           </a:p>
           <a:p>
@@ -28812,13 +28510,7 @@
                 </a:solidFill>
                 <a:latin typeface="ui-monospace"/>
               </a:rPr>
-              <a:t>Pattern [i] != Pattern [j] </a:t>
-            </a:r>
-            <a:r>
-              <a:rPr lang="en-US">
-                <a:latin typeface="ui-monospace"/>
-              </a:rPr>
-              <a:t>, xét i</a:t>
+              <a:t>Pattern [i] == Pattern [j] </a:t>
             </a:r>
             <a:r>
               <a:rPr lang="en-US">
@@ -28827,10 +28519,30 @@
                 </a:solidFill>
                 <a:latin typeface="ui-monospace"/>
               </a:rPr>
-              <a:t>:</a:t>
-            </a:r>
-          </a:p>
-          <a:p>
+              <a:t>nên :</a:t>
+            </a:r>
+          </a:p>
+          <a:p>
+            <a:r>
+              <a:rPr lang="en-US">
+                <a:solidFill>
+                  <a:srgbClr val="FF0000"/>
+                </a:solidFill>
+                <a:latin typeface="ui-monospace"/>
+              </a:rPr>
+              <a:t>Table [ j ] = i + 1 = 12</a:t>
+            </a:r>
+          </a:p>
+          <a:p>
+            <a:r>
+              <a:rPr lang="en-US">
+                <a:solidFill>
+                  <a:srgbClr val="FF0000"/>
+                </a:solidFill>
+                <a:latin typeface="ui-monospace"/>
+              </a:rPr>
+              <a:t>i++ </a:t>
+            </a:r>
             <a:r>
               <a:rPr lang="en-US">
                 <a:solidFill>
@@ -28838,7 +28550,7 @@
                 </a:solidFill>
                 <a:latin typeface="ui-monospace"/>
               </a:rPr>
-              <a:t>Vì </a:t>
+              <a:t>và </a:t>
             </a:r>
             <a:r>
               <a:rPr lang="en-US">
@@ -28847,49 +28559,8 @@
                 </a:solidFill>
                 <a:latin typeface="ui-monospace"/>
               </a:rPr>
-              <a:t>i == 0 </a:t>
-            </a:r>
-            <a:r>
-              <a:rPr lang="en-US">
-                <a:solidFill>
-                  <a:srgbClr val="24292F"/>
-                </a:solidFill>
-                <a:latin typeface="ui-monospace"/>
-              </a:rPr>
-              <a:t>nên </a:t>
-            </a:r>
-            <a:r>
-              <a:rPr lang="en-US">
-                <a:solidFill>
-                  <a:srgbClr val="FF0000"/>
-                </a:solidFill>
-                <a:latin typeface="ui-monospace"/>
-              </a:rPr>
-              <a:t>table [ j ] = 0 </a:t>
-            </a:r>
-            <a:r>
-              <a:rPr lang="en-US">
-                <a:solidFill>
-                  <a:srgbClr val="24292F"/>
-                </a:solidFill>
-                <a:latin typeface="ui-monospace"/>
-              </a:rPr>
-              <a:t>và </a:t>
-            </a:r>
-            <a:r>
-              <a:rPr lang="en-US">
-                <a:solidFill>
-                  <a:srgbClr val="FF0000"/>
-                </a:solidFill>
-                <a:latin typeface="ui-monospace"/>
-              </a:rPr>
               <a:t>j++</a:t>
             </a:r>
-            <a:endParaRPr lang="en-US">
-              <a:solidFill>
-                <a:srgbClr val="FF0000"/>
-              </a:solidFill>
-            </a:endParaRPr>
           </a:p>
           <a:p>
             <a:endParaRPr lang="en-US"/>
@@ -29029,7 +28700,7 @@
     </p:spTree>
     <p:extLst>
       <p:ext uri="{BB962C8B-B14F-4D97-AF65-F5344CB8AC3E}">
-        <p14:creationId xmlns:p14="http://schemas.microsoft.com/office/powerpoint/2010/main" val="4023948462"/>
+        <p14:creationId xmlns:p14="http://schemas.microsoft.com/office/powerpoint/2010/main" val="3002462257"/>
       </p:ext>
     </p:extLst>
   </p:cSld>
@@ -29092,7 +28763,7 @@
                 </a:solidFill>
                 <a:latin typeface="ui-monospace"/>
               </a:rPr>
-              <a:t>Index:			 i                            j   </a:t>
+              <a:t>Index:			         i                j   </a:t>
             </a:r>
           </a:p>
           <a:p>
@@ -29104,32 +28775,29 @@
                 <a:latin typeface="ui-monospace"/>
               </a:rPr>
               <a:t>Pattern:			</a:t>
-            </a:r>
-            <a:r>
-              <a:rPr lang="en-US" b="0" i="0">
-                <a:solidFill>
-                  <a:srgbClr val="FF0000"/>
-                </a:solidFill>
-                <a:effectLst/>
-                <a:latin typeface="ui-monospace"/>
-              </a:rPr>
-              <a:t>b</a:t>
-            </a:r>
-            <a:r>
-              <a:rPr lang="en-US" b="0" i="0">
-                <a:solidFill>
-                  <a:srgbClr val="24292F"/>
-                </a:solidFill>
-                <a:effectLst/>
-                <a:latin typeface="ui-monospace"/>
-              </a:rPr>
-              <a:t>  </a:t>
             </a:r>
             <a:r>
               <a:rPr lang="en-US" b="0" i="0">
                 <a:effectLst/>
                 <a:latin typeface="ui-monospace"/>
               </a:rPr>
+              <a:t>b</a:t>
+            </a:r>
+            <a:r>
+              <a:rPr lang="en-US" b="0" i="0">
+                <a:solidFill>
+                  <a:srgbClr val="24292F"/>
+                </a:solidFill>
+                <a:effectLst/>
+                <a:latin typeface="ui-monospace"/>
+              </a:rPr>
+              <a:t>  </a:t>
+            </a:r>
+            <a:r>
+              <a:rPr lang="en-US" b="0" i="0">
+                <a:effectLst/>
+                <a:latin typeface="ui-monospace"/>
+              </a:rPr>
               <a:t>c</a:t>
             </a:r>
             <a:r>
@@ -29140,7 +28808,7 @@
                 <a:effectLst/>
                 <a:latin typeface="ui-monospace"/>
               </a:rPr>
-              <a:t>  e  e  b  c  a  </a:t>
+              <a:t>  </a:t>
             </a:r>
             <a:r>
               <a:rPr lang="en-US" b="0" i="0">
@@ -29150,7 +28818,7 @@
                 <a:effectLst/>
                 <a:latin typeface="ui-monospace"/>
               </a:rPr>
-              <a:t>d</a:t>
+              <a:t>e</a:t>
             </a:r>
             <a:r>
               <a:rPr lang="en-US" b="0" i="0">
@@ -29160,18 +28828,38 @@
                 <a:effectLst/>
                 <a:latin typeface="ui-monospace"/>
               </a:rPr>
-              <a:t>  e  e</a:t>
-            </a:r>
-          </a:p>
-          <a:p>
-            <a:r>
-              <a:rPr lang="en-US">
+              <a:t>  e  b  c  </a:t>
+            </a:r>
+            <a:r>
+              <a:rPr lang="en-US" b="0" i="0">
+                <a:solidFill>
+                  <a:srgbClr val="FF0000"/>
+                </a:solidFill>
+                <a:effectLst/>
+                <a:latin typeface="ui-monospace"/>
+              </a:rPr>
+              <a:t>a</a:t>
+            </a:r>
+            <a:r>
+              <a:rPr lang="en-US" b="0" i="0">
                 <a:solidFill>
                   <a:srgbClr val="24292F"/>
                 </a:solidFill>
-                <a:latin typeface="ui-monospace"/>
-              </a:rPr>
-              <a:t>Table:				0  0  0  0  1  2  0  0</a:t>
+                <a:effectLst/>
+                <a:latin typeface="ui-monospace"/>
+              </a:rPr>
+              <a:t>  d  e  e</a:t>
+            </a:r>
+          </a:p>
+          <a:p>
+            <a:r>
+              <a:rPr lang="en-US">
+                <a:solidFill>
+                  <a:srgbClr val="24292F"/>
+                </a:solidFill>
+                <a:latin typeface="ui-monospace"/>
+              </a:rPr>
+              <a:t>Table:				0  0  0  0  1  2</a:t>
             </a:r>
           </a:p>
           <a:p>
@@ -29268,7 +28956,7 @@
                 </a:solidFill>
                 <a:latin typeface="ui-monospace"/>
               </a:rPr>
-              <a:t>i == 0 </a:t>
+              <a:t>i != 0 </a:t>
             </a:r>
             <a:r>
               <a:rPr lang="en-US">
@@ -29277,40 +28965,9 @@
                 </a:solidFill>
                 <a:latin typeface="ui-monospace"/>
               </a:rPr>
-              <a:t>nên </a:t>
-            </a:r>
-            <a:r>
-              <a:rPr lang="en-US">
-                <a:solidFill>
-                  <a:srgbClr val="FF0000"/>
-                </a:solidFill>
-                <a:latin typeface="ui-monospace"/>
-              </a:rPr>
-              <a:t>table [ j ] = 0 </a:t>
-            </a:r>
-            <a:r>
-              <a:rPr lang="en-US">
-                <a:solidFill>
-                  <a:srgbClr val="24292F"/>
-                </a:solidFill>
-                <a:latin typeface="ui-monospace"/>
-              </a:rPr>
-              <a:t>và </a:t>
-            </a:r>
-            <a:r>
-              <a:rPr lang="en-US">
-                <a:solidFill>
-                  <a:srgbClr val="FF0000"/>
-                </a:solidFill>
-                <a:latin typeface="ui-monospace"/>
-              </a:rPr>
-              <a:t>j++</a:t>
-            </a:r>
-            <a:endParaRPr lang="en-US">
-              <a:solidFill>
-                <a:srgbClr val="FF0000"/>
-              </a:solidFill>
-            </a:endParaRPr>
+              <a:t>nên i = table [i-1] = table [2 - 1] = table [1] = 0;</a:t>
+            </a:r>
+            <a:endParaRPr lang="en-US"/>
           </a:p>
           <a:p>
             <a:endParaRPr lang="en-US"/>
@@ -29450,7 +29107,7 @@
     </p:spTree>
     <p:extLst>
       <p:ext uri="{BB962C8B-B14F-4D97-AF65-F5344CB8AC3E}">
-        <p14:creationId xmlns:p14="http://schemas.microsoft.com/office/powerpoint/2010/main" val="1309941876"/>
+        <p14:creationId xmlns:p14="http://schemas.microsoft.com/office/powerpoint/2010/main" val="3173261495"/>
       </p:ext>
     </p:extLst>
   </p:cSld>
@@ -29513,7 +29170,7 @@
                 </a:solidFill>
                 <a:latin typeface="ui-monospace"/>
               </a:rPr>
-              <a:t>Index:			 i                                j   </a:t>
+              <a:t>Index:			 i                       j   </a:t>
             </a:r>
           </a:p>
           <a:p>
@@ -29561,7 +29218,7 @@
                 <a:effectLst/>
                 <a:latin typeface="ui-monospace"/>
               </a:rPr>
-              <a:t>  e  e  b  c  a  d  </a:t>
+              <a:t>  e  e  b  c  </a:t>
             </a:r>
             <a:r>
               <a:rPr lang="en-US" b="0" i="0">
@@ -29571,7 +29228,7 @@
                 <a:effectLst/>
                 <a:latin typeface="ui-monospace"/>
               </a:rPr>
-              <a:t>e</a:t>
+              <a:t>a</a:t>
             </a:r>
             <a:r>
               <a:rPr lang="en-US" b="0" i="0">
@@ -29581,7 +29238,7 @@
                 <a:effectLst/>
                 <a:latin typeface="ui-monospace"/>
               </a:rPr>
-              <a:t>  e</a:t>
+              <a:t>  d  e  e</a:t>
             </a:r>
           </a:p>
           <a:p>
@@ -29592,7 +29249,7 @@
                 </a:solidFill>
                 <a:latin typeface="ui-monospace"/>
               </a:rPr>
-              <a:t>Table:				0  0  0  0  1  2  0  0  0</a:t>
+              <a:t>Table:				0  0  0  0  1  2  0</a:t>
             </a:r>
           </a:p>
           <a:p>
@@ -29871,7 +29528,7 @@
     </p:spTree>
     <p:extLst>
       <p:ext uri="{BB962C8B-B14F-4D97-AF65-F5344CB8AC3E}">
-        <p14:creationId xmlns:p14="http://schemas.microsoft.com/office/powerpoint/2010/main" val="1501347244"/>
+        <p14:creationId xmlns:p14="http://schemas.microsoft.com/office/powerpoint/2010/main" val="4023948462"/>
       </p:ext>
     </p:extLst>
   </p:cSld>
@@ -29934,7 +29591,7 @@
                 </a:solidFill>
                 <a:latin typeface="ui-monospace"/>
               </a:rPr>
-              <a:t>Index:			 i                                    j   </a:t>
+              <a:t>Index:			 i                            j   </a:t>
             </a:r>
           </a:p>
           <a:p>
@@ -29982,7 +29639,7 @@
                 <a:effectLst/>
                 <a:latin typeface="ui-monospace"/>
               </a:rPr>
-              <a:t>  e  e  b  c  a  d  e  </a:t>
+              <a:t>  e  e  b  c  a  </a:t>
             </a:r>
             <a:r>
               <a:rPr lang="en-US" b="0" i="0">
@@ -29992,18 +29649,28 @@
                 <a:effectLst/>
                 <a:latin typeface="ui-monospace"/>
               </a:rPr>
-              <a:t>e</a:t>
-            </a:r>
-          </a:p>
-          <a:p>
-            <a:r>
-              <a:rPr lang="en-US">
+              <a:t>d</a:t>
+            </a:r>
+            <a:r>
+              <a:rPr lang="en-US" b="0" i="0">
                 <a:solidFill>
                   <a:srgbClr val="24292F"/>
                 </a:solidFill>
-                <a:latin typeface="ui-monospace"/>
-              </a:rPr>
-              <a:t>Table:				0  0  0  0  1  2  0  0  0  0</a:t>
+                <a:effectLst/>
+                <a:latin typeface="ui-monospace"/>
+              </a:rPr>
+              <a:t>  e  e</a:t>
+            </a:r>
+          </a:p>
+          <a:p>
+            <a:r>
+              <a:rPr lang="en-US">
+                <a:solidFill>
+                  <a:srgbClr val="24292F"/>
+                </a:solidFill>
+                <a:latin typeface="ui-monospace"/>
+              </a:rPr>
+              <a:t>Table:				0  0  0  0  1  2  0  0</a:t>
             </a:r>
           </a:p>
           <a:p>
@@ -30177,6 +29844,838 @@
               <a:rPr lang="en-US" smtClean="0"/>
               <a:pPr/>
               <a:t>64</a:t>
+            </a:fld>
+            <a:r>
+              <a:rPr lang="en-US"/>
+              <a:t> </a:t>
+            </a:r>
+          </a:p>
+        </p:txBody>
+      </p:sp>
+      <p:sp>
+        <p:nvSpPr>
+          <p:cNvPr id="4" name="Title 3">
+            <a:extLst>
+              <a:ext uri="{FF2B5EF4-FFF2-40B4-BE49-F238E27FC236}">
+                <a16:creationId xmlns:a16="http://schemas.microsoft.com/office/drawing/2014/main" id="{65894EF2-3620-EA63-CC72-7D2D22BE7B84}"/>
+              </a:ext>
+            </a:extLst>
+          </p:cNvPr>
+          <p:cNvSpPr>
+            <a:spLocks noGrp="1"/>
+          </p:cNvSpPr>
+          <p:nvPr>
+            <p:ph type="title"/>
+          </p:nvPr>
+        </p:nvSpPr>
+        <p:spPr/>
+        <p:txBody>
+          <a:bodyPr/>
+          <a:lstStyle/>
+          <a:p>
+            <a:r>
+              <a:rPr lang="en-US"/>
+              <a:t>HOMEWORK</a:t>
+            </a:r>
+          </a:p>
+        </p:txBody>
+      </p:sp>
+      <p:sp>
+        <p:nvSpPr>
+          <p:cNvPr id="5" name="Text Placeholder 4">
+            <a:extLst>
+              <a:ext uri="{FF2B5EF4-FFF2-40B4-BE49-F238E27FC236}">
+                <a16:creationId xmlns:a16="http://schemas.microsoft.com/office/drawing/2014/main" id="{A8FF5749-99F5-B417-F0C3-BA41B2F0AA39}"/>
+              </a:ext>
+            </a:extLst>
+          </p:cNvPr>
+          <p:cNvSpPr>
+            <a:spLocks noGrp="1"/>
+          </p:cNvSpPr>
+          <p:nvPr>
+            <p:ph type="body" sz="quarter" idx="15"/>
+          </p:nvPr>
+        </p:nvSpPr>
+        <p:spPr/>
+        <p:txBody>
+          <a:bodyPr>
+            <a:normAutofit fontScale="85000" lnSpcReduction="20000"/>
+          </a:bodyPr>
+          <a:lstStyle/>
+          <a:p>
+            <a:r>
+              <a:rPr lang="en-US"/>
+              <a:t>Câu 1.2</a:t>
+            </a:r>
+          </a:p>
+        </p:txBody>
+      </p:sp>
+      <p:sp>
+        <p:nvSpPr>
+          <p:cNvPr id="8" name="TextBox 7">
+            <a:extLst>
+              <a:ext uri="{FF2B5EF4-FFF2-40B4-BE49-F238E27FC236}">
+                <a16:creationId xmlns:a16="http://schemas.microsoft.com/office/drawing/2014/main" id="{804A0353-A2CD-DD5B-8D19-1B44EAB208F5}"/>
+              </a:ext>
+            </a:extLst>
+          </p:cNvPr>
+          <p:cNvSpPr txBox="1"/>
+          <p:nvPr/>
+        </p:nvSpPr>
+        <p:spPr>
+          <a:xfrm>
+            <a:off x="628650" y="4730186"/>
+            <a:ext cx="1144782" cy="378627"/>
+          </a:xfrm>
+          <a:prstGeom prst="rect">
+            <a:avLst/>
+          </a:prstGeom>
+          <a:noFill/>
+        </p:spPr>
+        <p:txBody>
+          <a:bodyPr wrap="square" rtlCol="0">
+            <a:spAutoFit/>
+          </a:bodyPr>
+          <a:lstStyle/>
+          <a:p>
+            <a:pPr algn="ctr"/>
+            <a:r>
+              <a:rPr lang="en-US"/>
+              <a:t>Nhóm 7</a:t>
+            </a:r>
+          </a:p>
+        </p:txBody>
+      </p:sp>
+    </p:spTree>
+    <p:extLst>
+      <p:ext uri="{BB962C8B-B14F-4D97-AF65-F5344CB8AC3E}">
+        <p14:creationId xmlns:p14="http://schemas.microsoft.com/office/powerpoint/2010/main" val="1309941876"/>
+      </p:ext>
+    </p:extLst>
+  </p:cSld>
+  <p:clrMapOvr>
+    <a:masterClrMapping/>
+  </p:clrMapOvr>
+</p:sld>
+</file>
+
+<file path=ppt/slides/slide65.xml><?xml version="1.0" encoding="utf-8"?>
+<p:sld xmlns:a="http://schemas.openxmlformats.org/drawingml/2006/main" xmlns:r="http://schemas.openxmlformats.org/officeDocument/2006/relationships" xmlns:p="http://schemas.openxmlformats.org/presentationml/2006/main">
+  <p:cSld>
+    <p:spTree>
+      <p:nvGrpSpPr>
+        <p:cNvPr id="1" name=""/>
+        <p:cNvGrpSpPr/>
+        <p:nvPr/>
+      </p:nvGrpSpPr>
+      <p:grpSpPr>
+        <a:xfrm>
+          <a:off x="0" y="0"/>
+          <a:ext cx="0" cy="0"/>
+          <a:chOff x="0" y="0"/>
+          <a:chExt cx="0" cy="0"/>
+        </a:xfrm>
+      </p:grpSpPr>
+      <p:sp>
+        <p:nvSpPr>
+          <p:cNvPr id="2" name="Text Placeholder 1">
+            <a:extLst>
+              <a:ext uri="{FF2B5EF4-FFF2-40B4-BE49-F238E27FC236}">
+                <a16:creationId xmlns:a16="http://schemas.microsoft.com/office/drawing/2014/main" id="{2FE4DE6D-C7C3-CAFE-363D-570470AE854B}"/>
+              </a:ext>
+            </a:extLst>
+          </p:cNvPr>
+          <p:cNvSpPr>
+            <a:spLocks noGrp="1"/>
+          </p:cNvSpPr>
+          <p:nvPr>
+            <p:ph type="body" sz="quarter" idx="13"/>
+          </p:nvPr>
+        </p:nvSpPr>
+        <p:spPr/>
+        <p:txBody>
+          <a:bodyPr/>
+          <a:lstStyle/>
+          <a:p>
+            <a:endParaRPr lang="en-US">
+              <a:solidFill>
+                <a:srgbClr val="24292F"/>
+              </a:solidFill>
+              <a:latin typeface="ui-monospace"/>
+            </a:endParaRPr>
+          </a:p>
+          <a:p>
+            <a:r>
+              <a:rPr lang="en-US">
+                <a:solidFill>
+                  <a:srgbClr val="24292F"/>
+                </a:solidFill>
+                <a:latin typeface="ui-monospace"/>
+              </a:rPr>
+              <a:t>Index:			 i                                j   </a:t>
+            </a:r>
+          </a:p>
+          <a:p>
+            <a:r>
+              <a:rPr lang="en-US">
+                <a:solidFill>
+                  <a:srgbClr val="24292F"/>
+                </a:solidFill>
+                <a:latin typeface="ui-monospace"/>
+              </a:rPr>
+              <a:t>Pattern:			</a:t>
+            </a:r>
+            <a:r>
+              <a:rPr lang="en-US" b="0" i="0">
+                <a:solidFill>
+                  <a:srgbClr val="FF0000"/>
+                </a:solidFill>
+                <a:effectLst/>
+                <a:latin typeface="ui-monospace"/>
+              </a:rPr>
+              <a:t>b</a:t>
+            </a:r>
+            <a:r>
+              <a:rPr lang="en-US" b="0" i="0">
+                <a:solidFill>
+                  <a:srgbClr val="24292F"/>
+                </a:solidFill>
+                <a:effectLst/>
+                <a:latin typeface="ui-monospace"/>
+              </a:rPr>
+              <a:t>  </a:t>
+            </a:r>
+            <a:r>
+              <a:rPr lang="en-US" b="0" i="0">
+                <a:effectLst/>
+                <a:latin typeface="ui-monospace"/>
+              </a:rPr>
+              <a:t>c</a:t>
+            </a:r>
+            <a:r>
+              <a:rPr lang="en-US" b="0" i="0">
+                <a:solidFill>
+                  <a:srgbClr val="24292F"/>
+                </a:solidFill>
+                <a:effectLst/>
+                <a:latin typeface="ui-monospace"/>
+              </a:rPr>
+              <a:t>  e  e  b  c  a  d  </a:t>
+            </a:r>
+            <a:r>
+              <a:rPr lang="en-US" b="0" i="0">
+                <a:solidFill>
+                  <a:srgbClr val="FF0000"/>
+                </a:solidFill>
+                <a:effectLst/>
+                <a:latin typeface="ui-monospace"/>
+              </a:rPr>
+              <a:t>e</a:t>
+            </a:r>
+            <a:r>
+              <a:rPr lang="en-US" b="0" i="0">
+                <a:solidFill>
+                  <a:srgbClr val="24292F"/>
+                </a:solidFill>
+                <a:effectLst/>
+                <a:latin typeface="ui-monospace"/>
+              </a:rPr>
+              <a:t>  e</a:t>
+            </a:r>
+          </a:p>
+          <a:p>
+            <a:r>
+              <a:rPr lang="en-US">
+                <a:solidFill>
+                  <a:srgbClr val="24292F"/>
+                </a:solidFill>
+                <a:latin typeface="ui-monospace"/>
+              </a:rPr>
+              <a:t>Table:				0  0  0  0  1  2  0  0  0</a:t>
+            </a:r>
+          </a:p>
+          <a:p>
+            <a:r>
+              <a:rPr lang="en-US">
+                <a:solidFill>
+                  <a:srgbClr val="24292F"/>
+                </a:solidFill>
+                <a:latin typeface="ui-monospace"/>
+              </a:rPr>
+              <a:t>Index of Table:		</a:t>
+            </a:r>
+            <a:r>
+              <a:rPr lang="en-US">
+                <a:solidFill>
+                  <a:schemeClr val="accent2">
+                    <a:lumMod val="75000"/>
+                  </a:schemeClr>
+                </a:solidFill>
+                <a:latin typeface="ui-monospace"/>
+              </a:rPr>
+              <a:t>0  1  2  3  4  5  6  7  8  9</a:t>
+            </a:r>
+          </a:p>
+          <a:p>
+            <a:endParaRPr lang="en-US">
+              <a:solidFill>
+                <a:schemeClr val="accent2">
+                  <a:lumMod val="75000"/>
+                </a:schemeClr>
+              </a:solidFill>
+              <a:latin typeface="ui-monospace"/>
+            </a:endParaRPr>
+          </a:p>
+          <a:p>
+            <a:endParaRPr lang="en-US">
+              <a:solidFill>
+                <a:schemeClr val="accent2">
+                  <a:lumMod val="75000"/>
+                </a:schemeClr>
+              </a:solidFill>
+              <a:latin typeface="ui-monospace"/>
+            </a:endParaRPr>
+          </a:p>
+          <a:p>
+            <a:r>
+              <a:rPr lang="en-US">
+                <a:solidFill>
+                  <a:srgbClr val="24292F"/>
+                </a:solidFill>
+                <a:latin typeface="ui-monospace"/>
+              </a:rPr>
+              <a:t>Vì </a:t>
+            </a:r>
+            <a:r>
+              <a:rPr lang="en-US">
+                <a:solidFill>
+                  <a:srgbClr val="FF0000"/>
+                </a:solidFill>
+                <a:latin typeface="ui-monospace"/>
+              </a:rPr>
+              <a:t>Pattern [i] != Pattern [j] </a:t>
+            </a:r>
+            <a:r>
+              <a:rPr lang="en-US">
+                <a:latin typeface="ui-monospace"/>
+              </a:rPr>
+              <a:t>, xét i</a:t>
+            </a:r>
+            <a:r>
+              <a:rPr lang="en-US">
+                <a:solidFill>
+                  <a:srgbClr val="24292F"/>
+                </a:solidFill>
+                <a:latin typeface="ui-monospace"/>
+              </a:rPr>
+              <a:t>:</a:t>
+            </a:r>
+          </a:p>
+          <a:p>
+            <a:r>
+              <a:rPr lang="en-US">
+                <a:solidFill>
+                  <a:srgbClr val="24292F"/>
+                </a:solidFill>
+                <a:latin typeface="ui-monospace"/>
+              </a:rPr>
+              <a:t>Vì </a:t>
+            </a:r>
+            <a:r>
+              <a:rPr lang="en-US">
+                <a:solidFill>
+                  <a:srgbClr val="FF0000"/>
+                </a:solidFill>
+                <a:latin typeface="ui-monospace"/>
+              </a:rPr>
+              <a:t>i == 0 </a:t>
+            </a:r>
+            <a:r>
+              <a:rPr lang="en-US">
+                <a:solidFill>
+                  <a:srgbClr val="24292F"/>
+                </a:solidFill>
+                <a:latin typeface="ui-monospace"/>
+              </a:rPr>
+              <a:t>nên </a:t>
+            </a:r>
+            <a:r>
+              <a:rPr lang="en-US">
+                <a:solidFill>
+                  <a:srgbClr val="FF0000"/>
+                </a:solidFill>
+                <a:latin typeface="ui-monospace"/>
+              </a:rPr>
+              <a:t>table [ j ] = 0 </a:t>
+            </a:r>
+            <a:r>
+              <a:rPr lang="en-US">
+                <a:solidFill>
+                  <a:srgbClr val="24292F"/>
+                </a:solidFill>
+                <a:latin typeface="ui-monospace"/>
+              </a:rPr>
+              <a:t>và </a:t>
+            </a:r>
+            <a:r>
+              <a:rPr lang="en-US">
+                <a:solidFill>
+                  <a:srgbClr val="FF0000"/>
+                </a:solidFill>
+                <a:latin typeface="ui-monospace"/>
+              </a:rPr>
+              <a:t>j++</a:t>
+            </a:r>
+            <a:endParaRPr lang="en-US">
+              <a:solidFill>
+                <a:srgbClr val="FF0000"/>
+              </a:solidFill>
+            </a:endParaRPr>
+          </a:p>
+          <a:p>
+            <a:endParaRPr lang="en-US"/>
+          </a:p>
+          <a:p>
+            <a:endParaRPr lang="en-US"/>
+          </a:p>
+        </p:txBody>
+      </p:sp>
+      <p:sp>
+        <p:nvSpPr>
+          <p:cNvPr id="3" name="Slide Number Placeholder 2">
+            <a:extLst>
+              <a:ext uri="{FF2B5EF4-FFF2-40B4-BE49-F238E27FC236}">
+                <a16:creationId xmlns:a16="http://schemas.microsoft.com/office/drawing/2014/main" id="{9D4E181B-A753-B316-955B-F4876790B18B}"/>
+              </a:ext>
+            </a:extLst>
+          </p:cNvPr>
+          <p:cNvSpPr>
+            <a:spLocks noGrp="1"/>
+          </p:cNvSpPr>
+          <p:nvPr>
+            <p:ph type="sldNum" sz="quarter" idx="4"/>
+          </p:nvPr>
+        </p:nvSpPr>
+        <p:spPr/>
+        <p:txBody>
+          <a:bodyPr/>
+          <a:lstStyle/>
+          <a:p>
+            <a:fld id="{3DD97BEB-BAEF-0344-9D5C-EC73E478698A}" type="slidenum">
+              <a:rPr lang="en-US" smtClean="0"/>
+              <a:pPr/>
+              <a:t>65</a:t>
+            </a:fld>
+            <a:r>
+              <a:rPr lang="en-US"/>
+              <a:t> </a:t>
+            </a:r>
+          </a:p>
+        </p:txBody>
+      </p:sp>
+      <p:sp>
+        <p:nvSpPr>
+          <p:cNvPr id="4" name="Title 3">
+            <a:extLst>
+              <a:ext uri="{FF2B5EF4-FFF2-40B4-BE49-F238E27FC236}">
+                <a16:creationId xmlns:a16="http://schemas.microsoft.com/office/drawing/2014/main" id="{65894EF2-3620-EA63-CC72-7D2D22BE7B84}"/>
+              </a:ext>
+            </a:extLst>
+          </p:cNvPr>
+          <p:cNvSpPr>
+            <a:spLocks noGrp="1"/>
+          </p:cNvSpPr>
+          <p:nvPr>
+            <p:ph type="title"/>
+          </p:nvPr>
+        </p:nvSpPr>
+        <p:spPr/>
+        <p:txBody>
+          <a:bodyPr/>
+          <a:lstStyle/>
+          <a:p>
+            <a:r>
+              <a:rPr lang="en-US"/>
+              <a:t>HOMEWORK</a:t>
+            </a:r>
+          </a:p>
+        </p:txBody>
+      </p:sp>
+      <p:sp>
+        <p:nvSpPr>
+          <p:cNvPr id="5" name="Text Placeholder 4">
+            <a:extLst>
+              <a:ext uri="{FF2B5EF4-FFF2-40B4-BE49-F238E27FC236}">
+                <a16:creationId xmlns:a16="http://schemas.microsoft.com/office/drawing/2014/main" id="{A8FF5749-99F5-B417-F0C3-BA41B2F0AA39}"/>
+              </a:ext>
+            </a:extLst>
+          </p:cNvPr>
+          <p:cNvSpPr>
+            <a:spLocks noGrp="1"/>
+          </p:cNvSpPr>
+          <p:nvPr>
+            <p:ph type="body" sz="quarter" idx="15"/>
+          </p:nvPr>
+        </p:nvSpPr>
+        <p:spPr/>
+        <p:txBody>
+          <a:bodyPr>
+            <a:normAutofit fontScale="85000" lnSpcReduction="20000"/>
+          </a:bodyPr>
+          <a:lstStyle/>
+          <a:p>
+            <a:r>
+              <a:rPr lang="en-US"/>
+              <a:t>Câu 1.2</a:t>
+            </a:r>
+          </a:p>
+        </p:txBody>
+      </p:sp>
+      <p:sp>
+        <p:nvSpPr>
+          <p:cNvPr id="8" name="TextBox 7">
+            <a:extLst>
+              <a:ext uri="{FF2B5EF4-FFF2-40B4-BE49-F238E27FC236}">
+                <a16:creationId xmlns:a16="http://schemas.microsoft.com/office/drawing/2014/main" id="{804A0353-A2CD-DD5B-8D19-1B44EAB208F5}"/>
+              </a:ext>
+            </a:extLst>
+          </p:cNvPr>
+          <p:cNvSpPr txBox="1"/>
+          <p:nvPr/>
+        </p:nvSpPr>
+        <p:spPr>
+          <a:xfrm>
+            <a:off x="628650" y="4730186"/>
+            <a:ext cx="1144782" cy="378627"/>
+          </a:xfrm>
+          <a:prstGeom prst="rect">
+            <a:avLst/>
+          </a:prstGeom>
+          <a:noFill/>
+        </p:spPr>
+        <p:txBody>
+          <a:bodyPr wrap="square" rtlCol="0">
+            <a:spAutoFit/>
+          </a:bodyPr>
+          <a:lstStyle/>
+          <a:p>
+            <a:pPr algn="ctr"/>
+            <a:r>
+              <a:rPr lang="en-US"/>
+              <a:t>Nhóm 7</a:t>
+            </a:r>
+          </a:p>
+        </p:txBody>
+      </p:sp>
+    </p:spTree>
+    <p:extLst>
+      <p:ext uri="{BB962C8B-B14F-4D97-AF65-F5344CB8AC3E}">
+        <p14:creationId xmlns:p14="http://schemas.microsoft.com/office/powerpoint/2010/main" val="1501347244"/>
+      </p:ext>
+    </p:extLst>
+  </p:cSld>
+  <p:clrMapOvr>
+    <a:masterClrMapping/>
+  </p:clrMapOvr>
+</p:sld>
+</file>
+
+<file path=ppt/slides/slide66.xml><?xml version="1.0" encoding="utf-8"?>
+<p:sld xmlns:a="http://schemas.openxmlformats.org/drawingml/2006/main" xmlns:r="http://schemas.openxmlformats.org/officeDocument/2006/relationships" xmlns:p="http://schemas.openxmlformats.org/presentationml/2006/main">
+  <p:cSld>
+    <p:spTree>
+      <p:nvGrpSpPr>
+        <p:cNvPr id="1" name=""/>
+        <p:cNvGrpSpPr/>
+        <p:nvPr/>
+      </p:nvGrpSpPr>
+      <p:grpSpPr>
+        <a:xfrm>
+          <a:off x="0" y="0"/>
+          <a:ext cx="0" cy="0"/>
+          <a:chOff x="0" y="0"/>
+          <a:chExt cx="0" cy="0"/>
+        </a:xfrm>
+      </p:grpSpPr>
+      <p:sp>
+        <p:nvSpPr>
+          <p:cNvPr id="2" name="Text Placeholder 1">
+            <a:extLst>
+              <a:ext uri="{FF2B5EF4-FFF2-40B4-BE49-F238E27FC236}">
+                <a16:creationId xmlns:a16="http://schemas.microsoft.com/office/drawing/2014/main" id="{2FE4DE6D-C7C3-CAFE-363D-570470AE854B}"/>
+              </a:ext>
+            </a:extLst>
+          </p:cNvPr>
+          <p:cNvSpPr>
+            <a:spLocks noGrp="1"/>
+          </p:cNvSpPr>
+          <p:nvPr>
+            <p:ph type="body" sz="quarter" idx="13"/>
+          </p:nvPr>
+        </p:nvSpPr>
+        <p:spPr/>
+        <p:txBody>
+          <a:bodyPr/>
+          <a:lstStyle/>
+          <a:p>
+            <a:endParaRPr lang="en-US">
+              <a:solidFill>
+                <a:srgbClr val="24292F"/>
+              </a:solidFill>
+              <a:latin typeface="ui-monospace"/>
+            </a:endParaRPr>
+          </a:p>
+          <a:p>
+            <a:r>
+              <a:rPr lang="en-US">
+                <a:solidFill>
+                  <a:srgbClr val="24292F"/>
+                </a:solidFill>
+                <a:latin typeface="ui-monospace"/>
+              </a:rPr>
+              <a:t>Index:			 i                                    j   </a:t>
+            </a:r>
+          </a:p>
+          <a:p>
+            <a:r>
+              <a:rPr lang="en-US">
+                <a:solidFill>
+                  <a:srgbClr val="24292F"/>
+                </a:solidFill>
+                <a:latin typeface="ui-monospace"/>
+              </a:rPr>
+              <a:t>Pattern:			</a:t>
+            </a:r>
+            <a:r>
+              <a:rPr lang="en-US" b="0" i="0">
+                <a:solidFill>
+                  <a:srgbClr val="FF0000"/>
+                </a:solidFill>
+                <a:effectLst/>
+                <a:latin typeface="ui-monospace"/>
+              </a:rPr>
+              <a:t>b</a:t>
+            </a:r>
+            <a:r>
+              <a:rPr lang="en-US" b="0" i="0">
+                <a:solidFill>
+                  <a:srgbClr val="24292F"/>
+                </a:solidFill>
+                <a:effectLst/>
+                <a:latin typeface="ui-monospace"/>
+              </a:rPr>
+              <a:t>  </a:t>
+            </a:r>
+            <a:r>
+              <a:rPr lang="en-US" b="0" i="0">
+                <a:effectLst/>
+                <a:latin typeface="ui-monospace"/>
+              </a:rPr>
+              <a:t>c</a:t>
+            </a:r>
+            <a:r>
+              <a:rPr lang="en-US" b="0" i="0">
+                <a:solidFill>
+                  <a:srgbClr val="24292F"/>
+                </a:solidFill>
+                <a:effectLst/>
+                <a:latin typeface="ui-monospace"/>
+              </a:rPr>
+              <a:t>  e  e  b  c  a  d  e  </a:t>
+            </a:r>
+            <a:r>
+              <a:rPr lang="en-US" b="0" i="0">
+                <a:solidFill>
+                  <a:srgbClr val="FF0000"/>
+                </a:solidFill>
+                <a:effectLst/>
+                <a:latin typeface="ui-monospace"/>
+              </a:rPr>
+              <a:t>e</a:t>
+            </a:r>
+          </a:p>
+          <a:p>
+            <a:r>
+              <a:rPr lang="en-US">
+                <a:solidFill>
+                  <a:srgbClr val="24292F"/>
+                </a:solidFill>
+                <a:latin typeface="ui-monospace"/>
+              </a:rPr>
+              <a:t>Table:				0  0  0  0  1  2  0  0  0  0</a:t>
+            </a:r>
+          </a:p>
+          <a:p>
+            <a:r>
+              <a:rPr lang="en-US">
+                <a:solidFill>
+                  <a:srgbClr val="24292F"/>
+                </a:solidFill>
+                <a:latin typeface="ui-monospace"/>
+              </a:rPr>
+              <a:t>Index of Table:		</a:t>
+            </a:r>
+            <a:r>
+              <a:rPr lang="en-US">
+                <a:solidFill>
+                  <a:schemeClr val="accent2">
+                    <a:lumMod val="75000"/>
+                  </a:schemeClr>
+                </a:solidFill>
+                <a:latin typeface="ui-monospace"/>
+              </a:rPr>
+              <a:t>0  1  2  3  4  5  6  7  8  9</a:t>
+            </a:r>
+          </a:p>
+          <a:p>
+            <a:endParaRPr lang="en-US">
+              <a:solidFill>
+                <a:schemeClr val="accent2">
+                  <a:lumMod val="75000"/>
+                </a:schemeClr>
+              </a:solidFill>
+              <a:latin typeface="ui-monospace"/>
+            </a:endParaRPr>
+          </a:p>
+          <a:p>
+            <a:endParaRPr lang="en-US">
+              <a:solidFill>
+                <a:schemeClr val="accent2">
+                  <a:lumMod val="75000"/>
+                </a:schemeClr>
+              </a:solidFill>
+              <a:latin typeface="ui-monospace"/>
+            </a:endParaRPr>
+          </a:p>
+          <a:p>
+            <a:r>
+              <a:rPr lang="en-US">
+                <a:solidFill>
+                  <a:srgbClr val="24292F"/>
+                </a:solidFill>
+                <a:latin typeface="ui-monospace"/>
+              </a:rPr>
+              <a:t>Vì </a:t>
+            </a:r>
+            <a:r>
+              <a:rPr lang="en-US">
+                <a:solidFill>
+                  <a:srgbClr val="FF0000"/>
+                </a:solidFill>
+                <a:latin typeface="ui-monospace"/>
+              </a:rPr>
+              <a:t>Pattern [i] != Pattern [j] </a:t>
+            </a:r>
+            <a:r>
+              <a:rPr lang="en-US">
+                <a:latin typeface="ui-monospace"/>
+              </a:rPr>
+              <a:t>, xét i</a:t>
+            </a:r>
+            <a:r>
+              <a:rPr lang="en-US">
+                <a:solidFill>
+                  <a:srgbClr val="24292F"/>
+                </a:solidFill>
+                <a:latin typeface="ui-monospace"/>
+              </a:rPr>
+              <a:t>:</a:t>
+            </a:r>
+          </a:p>
+          <a:p>
+            <a:r>
+              <a:rPr lang="en-US">
+                <a:solidFill>
+                  <a:srgbClr val="24292F"/>
+                </a:solidFill>
+                <a:latin typeface="ui-monospace"/>
+              </a:rPr>
+              <a:t>Vì </a:t>
+            </a:r>
+            <a:r>
+              <a:rPr lang="en-US">
+                <a:solidFill>
+                  <a:srgbClr val="FF0000"/>
+                </a:solidFill>
+                <a:latin typeface="ui-monospace"/>
+              </a:rPr>
+              <a:t>i == 0 </a:t>
+            </a:r>
+            <a:r>
+              <a:rPr lang="en-US">
+                <a:solidFill>
+                  <a:srgbClr val="24292F"/>
+                </a:solidFill>
+                <a:latin typeface="ui-monospace"/>
+              </a:rPr>
+              <a:t>nên </a:t>
+            </a:r>
+            <a:r>
+              <a:rPr lang="en-US">
+                <a:solidFill>
+                  <a:srgbClr val="FF0000"/>
+                </a:solidFill>
+                <a:latin typeface="ui-monospace"/>
+              </a:rPr>
+              <a:t>table [ j ] = 0 </a:t>
+            </a:r>
+            <a:r>
+              <a:rPr lang="en-US">
+                <a:solidFill>
+                  <a:srgbClr val="24292F"/>
+                </a:solidFill>
+                <a:latin typeface="ui-monospace"/>
+              </a:rPr>
+              <a:t>và </a:t>
+            </a:r>
+            <a:r>
+              <a:rPr lang="en-US">
+                <a:solidFill>
+                  <a:srgbClr val="FF0000"/>
+                </a:solidFill>
+                <a:latin typeface="ui-monospace"/>
+              </a:rPr>
+              <a:t>j++</a:t>
+            </a:r>
+            <a:endParaRPr lang="en-US">
+              <a:solidFill>
+                <a:srgbClr val="FF0000"/>
+              </a:solidFill>
+            </a:endParaRPr>
+          </a:p>
+          <a:p>
+            <a:endParaRPr lang="en-US"/>
+          </a:p>
+          <a:p>
+            <a:endParaRPr lang="en-US"/>
+          </a:p>
+        </p:txBody>
+      </p:sp>
+      <p:sp>
+        <p:nvSpPr>
+          <p:cNvPr id="3" name="Slide Number Placeholder 2">
+            <a:extLst>
+              <a:ext uri="{FF2B5EF4-FFF2-40B4-BE49-F238E27FC236}">
+                <a16:creationId xmlns:a16="http://schemas.microsoft.com/office/drawing/2014/main" id="{9D4E181B-A753-B316-955B-F4876790B18B}"/>
+              </a:ext>
+            </a:extLst>
+          </p:cNvPr>
+          <p:cNvSpPr>
+            <a:spLocks noGrp="1"/>
+          </p:cNvSpPr>
+          <p:nvPr>
+            <p:ph type="sldNum" sz="quarter" idx="4"/>
+          </p:nvPr>
+        </p:nvSpPr>
+        <p:spPr/>
+        <p:txBody>
+          <a:bodyPr/>
+          <a:lstStyle/>
+          <a:p>
+            <a:fld id="{3DD97BEB-BAEF-0344-9D5C-EC73E478698A}" type="slidenum">
+              <a:rPr lang="en-US" smtClean="0"/>
+              <a:pPr/>
+              <a:t>66</a:t>
             </a:fld>
             <a:r>
               <a:rPr lang="en-US"/>
@@ -30292,7 +30791,7 @@
 </p:sld>
 </file>
 
-<file path=ppt/slides/slide65.xml><?xml version="1.0" encoding="utf-8"?>
+<file path=ppt/slides/slide67.xml><?xml version="1.0" encoding="utf-8"?>
 <p:sld xmlns:a="http://schemas.openxmlformats.org/drawingml/2006/main" xmlns:r="http://schemas.openxmlformats.org/officeDocument/2006/relationships" xmlns:p="http://schemas.openxmlformats.org/presentationml/2006/main">
   <p:cSld>
     <p:spTree>
